--- a/02-Imagenes/RegresionLineal/PowerPointImagenes.pptx
+++ b/02-Imagenes/RegresionLineal/PowerPointImagenes.pptx
@@ -9,6 +9,7 @@
     <p:sldId id="257" r:id="rId3"/>
     <p:sldId id="258" r:id="rId4"/>
     <p:sldId id="259" r:id="rId5"/>
+    <p:sldId id="260" r:id="rId6"/>
   </p:sldIdLst>
   <p:sldSz cx="12192000" cy="6858000"/>
   <p:notesSz cx="6858000" cy="9144000"/>
@@ -107,6 +108,11 @@
       </a:defRPr>
     </a:lvl9pPr>
   </p:defaultTextStyle>
+  <p:extLst>
+    <p:ext uri="{EFAFB233-063F-42B5-8137-9DF3F51BA10A}">
+      <p15:sldGuideLst xmlns:p15="http://schemas.microsoft.com/office/powerpoint/2012/main"/>
+    </p:ext>
+  </p:extLst>
 </p:presentation>
 </file>
 
@@ -257,7 +263,7 @@
           <a:p>
             <a:fld id="{11FB6229-4B29-C14C-8E30-998D55BF52AB}" type="datetimeFigureOut">
               <a:rPr lang="es-ES" smtClean="0"/>
-              <a:t>18/7/24</a:t>
+              <a:t>5/9/24</a:t>
             </a:fld>
             <a:endParaRPr lang="es-ES"/>
           </a:p>
@@ -455,7 +461,7 @@
           <a:p>
             <a:fld id="{11FB6229-4B29-C14C-8E30-998D55BF52AB}" type="datetimeFigureOut">
               <a:rPr lang="es-ES" smtClean="0"/>
-              <a:t>18/7/24</a:t>
+              <a:t>5/9/24</a:t>
             </a:fld>
             <a:endParaRPr lang="es-ES"/>
           </a:p>
@@ -663,7 +669,7 @@
           <a:p>
             <a:fld id="{11FB6229-4B29-C14C-8E30-998D55BF52AB}" type="datetimeFigureOut">
               <a:rPr lang="es-ES" smtClean="0"/>
-              <a:t>18/7/24</a:t>
+              <a:t>5/9/24</a:t>
             </a:fld>
             <a:endParaRPr lang="es-ES"/>
           </a:p>
@@ -861,7 +867,7 @@
           <a:p>
             <a:fld id="{11FB6229-4B29-C14C-8E30-998D55BF52AB}" type="datetimeFigureOut">
               <a:rPr lang="es-ES" smtClean="0"/>
-              <a:t>18/7/24</a:t>
+              <a:t>5/9/24</a:t>
             </a:fld>
             <a:endParaRPr lang="es-ES"/>
           </a:p>
@@ -1136,7 +1142,7 @@
           <a:p>
             <a:fld id="{11FB6229-4B29-C14C-8E30-998D55BF52AB}" type="datetimeFigureOut">
               <a:rPr lang="es-ES" smtClean="0"/>
-              <a:t>18/7/24</a:t>
+              <a:t>5/9/24</a:t>
             </a:fld>
             <a:endParaRPr lang="es-ES"/>
           </a:p>
@@ -1401,7 +1407,7 @@
           <a:p>
             <a:fld id="{11FB6229-4B29-C14C-8E30-998D55BF52AB}" type="datetimeFigureOut">
               <a:rPr lang="es-ES" smtClean="0"/>
-              <a:t>18/7/24</a:t>
+              <a:t>5/9/24</a:t>
             </a:fld>
             <a:endParaRPr lang="es-ES"/>
           </a:p>
@@ -1813,7 +1819,7 @@
           <a:p>
             <a:fld id="{11FB6229-4B29-C14C-8E30-998D55BF52AB}" type="datetimeFigureOut">
               <a:rPr lang="es-ES" smtClean="0"/>
-              <a:t>18/7/24</a:t>
+              <a:t>5/9/24</a:t>
             </a:fld>
             <a:endParaRPr lang="es-ES"/>
           </a:p>
@@ -1954,7 +1960,7 @@
           <a:p>
             <a:fld id="{11FB6229-4B29-C14C-8E30-998D55BF52AB}" type="datetimeFigureOut">
               <a:rPr lang="es-ES" smtClean="0"/>
-              <a:t>18/7/24</a:t>
+              <a:t>5/9/24</a:t>
             </a:fld>
             <a:endParaRPr lang="es-ES"/>
           </a:p>
@@ -2067,7 +2073,7 @@
           <a:p>
             <a:fld id="{11FB6229-4B29-C14C-8E30-998D55BF52AB}" type="datetimeFigureOut">
               <a:rPr lang="es-ES" smtClean="0"/>
-              <a:t>18/7/24</a:t>
+              <a:t>5/9/24</a:t>
             </a:fld>
             <a:endParaRPr lang="es-ES"/>
           </a:p>
@@ -2378,7 +2384,7 @@
           <a:p>
             <a:fld id="{11FB6229-4B29-C14C-8E30-998D55BF52AB}" type="datetimeFigureOut">
               <a:rPr lang="es-ES" smtClean="0"/>
-              <a:t>18/7/24</a:t>
+              <a:t>5/9/24</a:t>
             </a:fld>
             <a:endParaRPr lang="es-ES"/>
           </a:p>
@@ -2666,7 +2672,7 @@
           <a:p>
             <a:fld id="{11FB6229-4B29-C14C-8E30-998D55BF52AB}" type="datetimeFigureOut">
               <a:rPr lang="es-ES" smtClean="0"/>
-              <a:t>18/7/24</a:t>
+              <a:t>5/9/24</a:t>
             </a:fld>
             <a:endParaRPr lang="es-ES"/>
           </a:p>
@@ -2907,7 +2913,7 @@
           <a:p>
             <a:fld id="{11FB6229-4B29-C14C-8E30-998D55BF52AB}" type="datetimeFigureOut">
               <a:rPr lang="es-ES" smtClean="0"/>
-              <a:t>18/7/24</a:t>
+              <a:t>5/9/24</a:t>
             </a:fld>
             <a:endParaRPr lang="es-ES"/>
           </a:p>
@@ -8042,11 +8048,6 @@
                 </a:rPr>
                 <a:t>Leaf</a:t>
               </a:r>
-              <a:endParaRPr lang="es-ES" sz="1100" b="1" dirty="0">
-                <a:latin typeface="Geist Mono Bold" pitchFamily="2" charset="77"/>
-                <a:ea typeface="Geist Mono Bold" pitchFamily="2" charset="77"/>
-                <a:cs typeface="Geist Mono Bold" pitchFamily="2" charset="77"/>
-              </a:endParaRPr>
             </a:p>
           </p:txBody>
         </p:sp>
@@ -8098,11 +8099,6 @@
                 </a:rPr>
                 <a:t>Leaf</a:t>
               </a:r>
-              <a:endParaRPr lang="es-ES" sz="1100" b="1" dirty="0">
-                <a:latin typeface="Geist Mono Bold" pitchFamily="2" charset="77"/>
-                <a:ea typeface="Geist Mono Bold" pitchFamily="2" charset="77"/>
-                <a:cs typeface="Geist Mono Bold" pitchFamily="2" charset="77"/>
-              </a:endParaRPr>
             </a:p>
           </p:txBody>
         </p:sp>
@@ -8154,11 +8150,6 @@
                 </a:rPr>
                 <a:t>Leaf</a:t>
               </a:r>
-              <a:endParaRPr lang="es-ES" sz="1100" b="1" dirty="0">
-                <a:latin typeface="Geist Mono Bold" pitchFamily="2" charset="77"/>
-                <a:ea typeface="Geist Mono Bold" pitchFamily="2" charset="77"/>
-                <a:cs typeface="Geist Mono Bold" pitchFamily="2" charset="77"/>
-              </a:endParaRPr>
             </a:p>
           </p:txBody>
         </p:sp>
@@ -8414,11 +8405,6 @@
                 </a:rPr>
                 <a:t>Leaf</a:t>
               </a:r>
-              <a:endParaRPr lang="es-ES" sz="1100" b="1" dirty="0">
-                <a:latin typeface="Geist Mono Bold" pitchFamily="2" charset="77"/>
-                <a:ea typeface="Geist Mono Bold" pitchFamily="2" charset="77"/>
-                <a:cs typeface="Geist Mono Bold" pitchFamily="2" charset="77"/>
-              </a:endParaRPr>
             </a:p>
           </p:txBody>
         </p:sp>
@@ -13290,11 +13276,6 @@
                   </a:rPr>
                   <a:t>Subset 1 Árbol 1 </a:t>
                 </a:r>
-                <a:endParaRPr lang="es-ES" sz="1200" b="1" dirty="0">
-                  <a:latin typeface="Geist Mono Bold" pitchFamily="2" charset="77"/>
-                  <a:ea typeface="Geist Mono Bold" pitchFamily="2" charset="77"/>
-                  <a:cs typeface="Geist Mono Bold" pitchFamily="2" charset="77"/>
-                </a:endParaRPr>
               </a:p>
             </p:txBody>
           </p:sp>
@@ -13876,6 +13857,7791 @@
 </p:sld>
 </file>
 
+<file path=ppt/slides/slide5.xml><?xml version="1.0" encoding="utf-8"?>
+<p:sld xmlns:a="http://schemas.openxmlformats.org/drawingml/2006/main" xmlns:r="http://schemas.openxmlformats.org/officeDocument/2006/relationships" xmlns:p="http://schemas.openxmlformats.org/presentationml/2006/main">
+  <p:cSld>
+    <p:spTree>
+      <p:nvGrpSpPr>
+        <p:cNvPr id="1" name="">
+          <a:extLst>
+            <a:ext uri="{FF2B5EF4-FFF2-40B4-BE49-F238E27FC236}">
+              <a16:creationId xmlns:a16="http://schemas.microsoft.com/office/drawing/2014/main" id="{B0AE0D9E-7696-5FA6-F129-73BCCD85984B}"/>
+            </a:ext>
+          </a:extLst>
+        </p:cNvPr>
+        <p:cNvGrpSpPr/>
+        <p:nvPr/>
+      </p:nvGrpSpPr>
+      <p:grpSpPr>
+        <a:xfrm>
+          <a:off x="0" y="0"/>
+          <a:ext cx="0" cy="0"/>
+          <a:chOff x="0" y="0"/>
+          <a:chExt cx="0" cy="0"/>
+        </a:xfrm>
+      </p:grpSpPr>
+      <p:grpSp>
+        <p:nvGrpSpPr>
+          <p:cNvPr id="38" name="Grupo 37">
+            <a:extLst>
+              <a:ext uri="{FF2B5EF4-FFF2-40B4-BE49-F238E27FC236}">
+                <a16:creationId xmlns:a16="http://schemas.microsoft.com/office/drawing/2014/main" id="{8481A096-3C15-5641-8918-25C1C3A9D7A9}"/>
+              </a:ext>
+            </a:extLst>
+          </p:cNvPr>
+          <p:cNvGrpSpPr/>
+          <p:nvPr/>
+        </p:nvGrpSpPr>
+        <p:grpSpPr>
+          <a:xfrm>
+            <a:off x="643811" y="3485444"/>
+            <a:ext cx="1498318" cy="1400556"/>
+            <a:chOff x="479257" y="2768986"/>
+            <a:chExt cx="1498318" cy="1400556"/>
+          </a:xfrm>
+        </p:grpSpPr>
+        <p:grpSp>
+          <p:nvGrpSpPr>
+            <p:cNvPr id="6" name="Grupo 5">
+              <a:extLst>
+                <a:ext uri="{FF2B5EF4-FFF2-40B4-BE49-F238E27FC236}">
+                  <a16:creationId xmlns:a16="http://schemas.microsoft.com/office/drawing/2014/main" id="{4789898D-FB7F-4D91-7D53-6E51A8768E22}"/>
+                </a:ext>
+              </a:extLst>
+            </p:cNvPr>
+            <p:cNvGrpSpPr/>
+            <p:nvPr/>
+          </p:nvGrpSpPr>
+          <p:grpSpPr>
+            <a:xfrm>
+              <a:off x="605780" y="3049758"/>
+              <a:ext cx="1186794" cy="1119784"/>
+              <a:chOff x="112138" y="685800"/>
+              <a:chExt cx="11049237" cy="5214669"/>
+            </a:xfrm>
+          </p:grpSpPr>
+          <p:sp>
+            <p:nvSpPr>
+              <p:cNvPr id="8" name="Rectángulo redondeado 7">
+                <a:extLst>
+                  <a:ext uri="{FF2B5EF4-FFF2-40B4-BE49-F238E27FC236}">
+                    <a16:creationId xmlns:a16="http://schemas.microsoft.com/office/drawing/2014/main" id="{952B36D4-DAB2-0E1C-8530-F826CB30B2DF}"/>
+                  </a:ext>
+                </a:extLst>
+              </p:cNvPr>
+              <p:cNvSpPr/>
+              <p:nvPr/>
+            </p:nvSpPr>
+            <p:spPr>
+              <a:xfrm>
+                <a:off x="4544991" y="685800"/>
+                <a:ext cx="2323548" cy="347870"/>
+              </a:xfrm>
+              <a:prstGeom prst="roundRect">
+                <a:avLst/>
+              </a:prstGeom>
+            </p:spPr>
+            <p:style>
+              <a:lnRef idx="2">
+                <a:schemeClr val="accent2"/>
+              </a:lnRef>
+              <a:fillRef idx="1">
+                <a:schemeClr val="lt1"/>
+              </a:fillRef>
+              <a:effectRef idx="0">
+                <a:schemeClr val="accent2"/>
+              </a:effectRef>
+              <a:fontRef idx="minor">
+                <a:schemeClr val="dk1"/>
+              </a:fontRef>
+            </p:style>
+            <p:txBody>
+              <a:bodyPr rtlCol="0" anchor="ctr"/>
+              <a:lstStyle/>
+              <a:p>
+                <a:pPr algn="ctr"/>
+                <a:endParaRPr lang="es-ES" dirty="0">
+                  <a:latin typeface="Geist Mono" pitchFamily="2" charset="77"/>
+                  <a:ea typeface="Geist Mono" pitchFamily="2" charset="77"/>
+                  <a:cs typeface="Geist Mono" pitchFamily="2" charset="77"/>
+                </a:endParaRPr>
+              </a:p>
+            </p:txBody>
+          </p:sp>
+          <p:grpSp>
+            <p:nvGrpSpPr>
+              <p:cNvPr id="11" name="Grupo 10">
+                <a:extLst>
+                  <a:ext uri="{FF2B5EF4-FFF2-40B4-BE49-F238E27FC236}">
+                    <a16:creationId xmlns:a16="http://schemas.microsoft.com/office/drawing/2014/main" id="{FF4A6824-DAC3-0155-9F7D-911C1F652209}"/>
+                  </a:ext>
+                </a:extLst>
+              </p:cNvPr>
+              <p:cNvGrpSpPr/>
+              <p:nvPr/>
+            </p:nvGrpSpPr>
+            <p:grpSpPr>
+              <a:xfrm>
+                <a:off x="2891679" y="1033670"/>
+                <a:ext cx="5727501" cy="917400"/>
+                <a:chOff x="2779540" y="1033670"/>
+                <a:chExt cx="5727501" cy="917400"/>
+              </a:xfrm>
+            </p:grpSpPr>
+            <p:cxnSp>
+              <p:nvCxnSpPr>
+                <p:cNvPr id="84" name="Conector recto 83">
+                  <a:extLst>
+                    <a:ext uri="{FF2B5EF4-FFF2-40B4-BE49-F238E27FC236}">
+                      <a16:creationId xmlns:a16="http://schemas.microsoft.com/office/drawing/2014/main" id="{712EFB46-B63A-D548-BEF2-60AEEF4A4DF3}"/>
+                    </a:ext>
+                  </a:extLst>
+                </p:cNvPr>
+                <p:cNvCxnSpPr>
+                  <a:stCxn id="8" idx="2"/>
+                </p:cNvCxnSpPr>
+                <p:nvPr/>
+              </p:nvCxnSpPr>
+              <p:spPr>
+                <a:xfrm>
+                  <a:off x="5706765" y="1033670"/>
+                  <a:ext cx="3917" cy="458700"/>
+                </a:xfrm>
+                <a:prstGeom prst="line">
+                  <a:avLst/>
+                </a:prstGeom>
+              </p:spPr>
+              <p:style>
+                <a:lnRef idx="2">
+                  <a:schemeClr val="accent2"/>
+                </a:lnRef>
+                <a:fillRef idx="0">
+                  <a:schemeClr val="accent2"/>
+                </a:fillRef>
+                <a:effectRef idx="1">
+                  <a:schemeClr val="accent2"/>
+                </a:effectRef>
+                <a:fontRef idx="minor">
+                  <a:schemeClr val="tx1"/>
+                </a:fontRef>
+              </p:style>
+            </p:cxnSp>
+            <p:grpSp>
+              <p:nvGrpSpPr>
+                <p:cNvPr id="85" name="Grupo 84">
+                  <a:extLst>
+                    <a:ext uri="{FF2B5EF4-FFF2-40B4-BE49-F238E27FC236}">
+                      <a16:creationId xmlns:a16="http://schemas.microsoft.com/office/drawing/2014/main" id="{172D54C8-A887-2B25-7712-8789CFF95DCF}"/>
+                    </a:ext>
+                  </a:extLst>
+                </p:cNvPr>
+                <p:cNvGrpSpPr/>
+                <p:nvPr/>
+              </p:nvGrpSpPr>
+              <p:grpSpPr>
+                <a:xfrm>
+                  <a:off x="2779540" y="1492370"/>
+                  <a:ext cx="5727501" cy="458700"/>
+                  <a:chOff x="2779540" y="1492370"/>
+                  <a:chExt cx="5727501" cy="458700"/>
+                </a:xfrm>
+              </p:grpSpPr>
+              <p:cxnSp>
+                <p:nvCxnSpPr>
+                  <p:cNvPr id="86" name="Conector recto 85">
+                    <a:extLst>
+                      <a:ext uri="{FF2B5EF4-FFF2-40B4-BE49-F238E27FC236}">
+                        <a16:creationId xmlns:a16="http://schemas.microsoft.com/office/drawing/2014/main" id="{F91CCDB6-3ACE-CF05-E884-4AD125CCE034}"/>
+                      </a:ext>
+                    </a:extLst>
+                  </p:cNvPr>
+                  <p:cNvCxnSpPr>
+                    <a:cxnSpLocks/>
+                  </p:cNvCxnSpPr>
+                  <p:nvPr/>
+                </p:nvCxnSpPr>
+                <p:spPr>
+                  <a:xfrm>
+                    <a:off x="2779540" y="1492370"/>
+                    <a:ext cx="5726105" cy="0"/>
+                  </a:xfrm>
+                  <a:prstGeom prst="line">
+                    <a:avLst/>
+                  </a:prstGeom>
+                </p:spPr>
+                <p:style>
+                  <a:lnRef idx="2">
+                    <a:schemeClr val="accent2"/>
+                  </a:lnRef>
+                  <a:fillRef idx="0">
+                    <a:schemeClr val="accent2"/>
+                  </a:fillRef>
+                  <a:effectRef idx="1">
+                    <a:schemeClr val="accent2"/>
+                  </a:effectRef>
+                  <a:fontRef idx="minor">
+                    <a:schemeClr val="tx1"/>
+                  </a:fontRef>
+                </p:style>
+              </p:cxnSp>
+              <p:cxnSp>
+                <p:nvCxnSpPr>
+                  <p:cNvPr id="87" name="Conector recto 86">
+                    <a:extLst>
+                      <a:ext uri="{FF2B5EF4-FFF2-40B4-BE49-F238E27FC236}">
+                        <a16:creationId xmlns:a16="http://schemas.microsoft.com/office/drawing/2014/main" id="{20D64BFE-58C5-018F-2C10-CE6735F253FF}"/>
+                      </a:ext>
+                    </a:extLst>
+                  </p:cNvPr>
+                  <p:cNvCxnSpPr/>
+                  <p:nvPr/>
+                </p:nvCxnSpPr>
+                <p:spPr>
+                  <a:xfrm>
+                    <a:off x="2779540" y="1492370"/>
+                    <a:ext cx="3917" cy="458700"/>
+                  </a:xfrm>
+                  <a:prstGeom prst="line">
+                    <a:avLst/>
+                  </a:prstGeom>
+                </p:spPr>
+                <p:style>
+                  <a:lnRef idx="2">
+                    <a:schemeClr val="accent2"/>
+                  </a:lnRef>
+                  <a:fillRef idx="0">
+                    <a:schemeClr val="accent2"/>
+                  </a:fillRef>
+                  <a:effectRef idx="1">
+                    <a:schemeClr val="accent2"/>
+                  </a:effectRef>
+                  <a:fontRef idx="minor">
+                    <a:schemeClr val="tx1"/>
+                  </a:fontRef>
+                </p:style>
+              </p:cxnSp>
+              <p:cxnSp>
+                <p:nvCxnSpPr>
+                  <p:cNvPr id="88" name="Conector recto 87">
+                    <a:extLst>
+                      <a:ext uri="{FF2B5EF4-FFF2-40B4-BE49-F238E27FC236}">
+                        <a16:creationId xmlns:a16="http://schemas.microsoft.com/office/drawing/2014/main" id="{1B55A92B-5743-A3F1-5306-1D88ED0AAC10}"/>
+                      </a:ext>
+                    </a:extLst>
+                  </p:cNvPr>
+                  <p:cNvCxnSpPr>
+                    <a:cxnSpLocks/>
+                  </p:cNvCxnSpPr>
+                  <p:nvPr/>
+                </p:nvCxnSpPr>
+                <p:spPr>
+                  <a:xfrm>
+                    <a:off x="8503124" y="1492370"/>
+                    <a:ext cx="3917" cy="458700"/>
+                  </a:xfrm>
+                  <a:prstGeom prst="line">
+                    <a:avLst/>
+                  </a:prstGeom>
+                </p:spPr>
+                <p:style>
+                  <a:lnRef idx="2">
+                    <a:schemeClr val="accent2"/>
+                  </a:lnRef>
+                  <a:fillRef idx="0">
+                    <a:schemeClr val="accent2"/>
+                  </a:fillRef>
+                  <a:effectRef idx="1">
+                    <a:schemeClr val="accent2"/>
+                  </a:effectRef>
+                  <a:fontRef idx="minor">
+                    <a:schemeClr val="tx1"/>
+                  </a:fontRef>
+                </p:style>
+              </p:cxnSp>
+            </p:grpSp>
+          </p:grpSp>
+          <p:sp>
+            <p:nvSpPr>
+              <p:cNvPr id="12" name="Rectángulo redondeado 11">
+                <a:extLst>
+                  <a:ext uri="{FF2B5EF4-FFF2-40B4-BE49-F238E27FC236}">
+                    <a16:creationId xmlns:a16="http://schemas.microsoft.com/office/drawing/2014/main" id="{E9EA30B7-0339-CE05-1DD5-F2BE8D6F5D26}"/>
+                  </a:ext>
+                </a:extLst>
+              </p:cNvPr>
+              <p:cNvSpPr/>
+              <p:nvPr/>
+            </p:nvSpPr>
+            <p:spPr>
+              <a:xfrm>
+                <a:off x="1531112" y="1951070"/>
+                <a:ext cx="2816212" cy="347870"/>
+              </a:xfrm>
+              <a:prstGeom prst="roundRect">
+                <a:avLst/>
+              </a:prstGeom>
+            </p:spPr>
+            <p:style>
+              <a:lnRef idx="2">
+                <a:schemeClr val="accent2"/>
+              </a:lnRef>
+              <a:fillRef idx="1">
+                <a:schemeClr val="lt1"/>
+              </a:fillRef>
+              <a:effectRef idx="0">
+                <a:schemeClr val="accent2"/>
+              </a:effectRef>
+              <a:fontRef idx="minor">
+                <a:schemeClr val="dk1"/>
+              </a:fontRef>
+            </p:style>
+            <p:txBody>
+              <a:bodyPr rtlCol="0" anchor="ctr"/>
+              <a:lstStyle/>
+              <a:p>
+                <a:pPr algn="ctr"/>
+                <a:endParaRPr lang="es-ES" sz="1200" dirty="0">
+                  <a:solidFill>
+                    <a:schemeClr val="tx1">
+                      <a:lumMod val="50000"/>
+                      <a:lumOff val="50000"/>
+                    </a:schemeClr>
+                  </a:solidFill>
+                  <a:latin typeface="Geist Mono" pitchFamily="2" charset="77"/>
+                  <a:ea typeface="Geist Mono" pitchFamily="2" charset="77"/>
+                  <a:cs typeface="Geist Mono" pitchFamily="2" charset="77"/>
+                </a:endParaRPr>
+              </a:p>
+            </p:txBody>
+          </p:sp>
+          <p:sp>
+            <p:nvSpPr>
+              <p:cNvPr id="13" name="Rectángulo redondeado 12">
+                <a:extLst>
+                  <a:ext uri="{FF2B5EF4-FFF2-40B4-BE49-F238E27FC236}">
+                    <a16:creationId xmlns:a16="http://schemas.microsoft.com/office/drawing/2014/main" id="{C451A560-6BAA-6F71-F373-584DF5C6E173}"/>
+                  </a:ext>
+                </a:extLst>
+              </p:cNvPr>
+              <p:cNvSpPr/>
+              <p:nvPr/>
+            </p:nvSpPr>
+            <p:spPr>
+              <a:xfrm>
+                <a:off x="7207157" y="1951070"/>
+                <a:ext cx="2816212" cy="347870"/>
+              </a:xfrm>
+              <a:prstGeom prst="roundRect">
+                <a:avLst/>
+              </a:prstGeom>
+            </p:spPr>
+            <p:style>
+              <a:lnRef idx="2">
+                <a:schemeClr val="accent2"/>
+              </a:lnRef>
+              <a:fillRef idx="1">
+                <a:schemeClr val="lt1"/>
+              </a:fillRef>
+              <a:effectRef idx="0">
+                <a:schemeClr val="accent2"/>
+              </a:effectRef>
+              <a:fontRef idx="minor">
+                <a:schemeClr val="dk1"/>
+              </a:fontRef>
+            </p:style>
+            <p:txBody>
+              <a:bodyPr rtlCol="0" anchor="ctr"/>
+              <a:lstStyle/>
+              <a:p>
+                <a:pPr algn="ctr"/>
+                <a:endParaRPr lang="es-ES" sz="1200" dirty="0">
+                  <a:solidFill>
+                    <a:schemeClr val="tx1">
+                      <a:lumMod val="50000"/>
+                      <a:lumOff val="50000"/>
+                    </a:schemeClr>
+                  </a:solidFill>
+                  <a:latin typeface="Geist Mono" pitchFamily="2" charset="77"/>
+                  <a:ea typeface="Geist Mono" pitchFamily="2" charset="77"/>
+                  <a:cs typeface="Geist Mono" pitchFamily="2" charset="77"/>
+                </a:endParaRPr>
+              </a:p>
+            </p:txBody>
+          </p:sp>
+          <p:grpSp>
+            <p:nvGrpSpPr>
+              <p:cNvPr id="14" name="Grupo 13">
+                <a:extLst>
+                  <a:ext uri="{FF2B5EF4-FFF2-40B4-BE49-F238E27FC236}">
+                    <a16:creationId xmlns:a16="http://schemas.microsoft.com/office/drawing/2014/main" id="{99711D61-B281-7CD2-E429-79EBB1EBEE55}"/>
+                  </a:ext>
+                </a:extLst>
+              </p:cNvPr>
+              <p:cNvGrpSpPr/>
+              <p:nvPr/>
+            </p:nvGrpSpPr>
+            <p:grpSpPr>
+              <a:xfrm>
+                <a:off x="1289619" y="2298940"/>
+                <a:ext cx="3255372" cy="616788"/>
+                <a:chOff x="2779540" y="1033670"/>
+                <a:chExt cx="5727501" cy="917400"/>
+              </a:xfrm>
+            </p:grpSpPr>
+            <p:cxnSp>
+              <p:nvCxnSpPr>
+                <p:cNvPr id="66" name="Conector recto 65">
+                  <a:extLst>
+                    <a:ext uri="{FF2B5EF4-FFF2-40B4-BE49-F238E27FC236}">
+                      <a16:creationId xmlns:a16="http://schemas.microsoft.com/office/drawing/2014/main" id="{80D3861F-0AC5-BAF0-30FD-AF6F11BC3BAB}"/>
+                    </a:ext>
+                  </a:extLst>
+                </p:cNvPr>
+                <p:cNvCxnSpPr/>
+                <p:nvPr/>
+              </p:nvCxnSpPr>
+              <p:spPr>
+                <a:xfrm>
+                  <a:off x="5594626" y="1033670"/>
+                  <a:ext cx="3917" cy="458700"/>
+                </a:xfrm>
+                <a:prstGeom prst="line">
+                  <a:avLst/>
+                </a:prstGeom>
+              </p:spPr>
+              <p:style>
+                <a:lnRef idx="2">
+                  <a:schemeClr val="accent2"/>
+                </a:lnRef>
+                <a:fillRef idx="0">
+                  <a:schemeClr val="accent2"/>
+                </a:fillRef>
+                <a:effectRef idx="1">
+                  <a:schemeClr val="accent2"/>
+                </a:effectRef>
+                <a:fontRef idx="minor">
+                  <a:schemeClr val="tx1"/>
+                </a:fontRef>
+              </p:style>
+            </p:cxnSp>
+            <p:grpSp>
+              <p:nvGrpSpPr>
+                <p:cNvPr id="67" name="Grupo 66">
+                  <a:extLst>
+                    <a:ext uri="{FF2B5EF4-FFF2-40B4-BE49-F238E27FC236}">
+                      <a16:creationId xmlns:a16="http://schemas.microsoft.com/office/drawing/2014/main" id="{D1B553C8-27AB-5C8A-0EEB-3C26685269D9}"/>
+                    </a:ext>
+                  </a:extLst>
+                </p:cNvPr>
+                <p:cNvGrpSpPr/>
+                <p:nvPr/>
+              </p:nvGrpSpPr>
+              <p:grpSpPr>
+                <a:xfrm>
+                  <a:off x="2779540" y="1492370"/>
+                  <a:ext cx="5727501" cy="458700"/>
+                  <a:chOff x="2779540" y="1492370"/>
+                  <a:chExt cx="5727501" cy="458700"/>
+                </a:xfrm>
+              </p:grpSpPr>
+              <p:cxnSp>
+                <p:nvCxnSpPr>
+                  <p:cNvPr id="68" name="Conector recto 67">
+                    <a:extLst>
+                      <a:ext uri="{FF2B5EF4-FFF2-40B4-BE49-F238E27FC236}">
+                        <a16:creationId xmlns:a16="http://schemas.microsoft.com/office/drawing/2014/main" id="{844EA2F9-2498-357F-83F3-7F4675175937}"/>
+                      </a:ext>
+                    </a:extLst>
+                  </p:cNvPr>
+                  <p:cNvCxnSpPr>
+                    <a:cxnSpLocks/>
+                  </p:cNvCxnSpPr>
+                  <p:nvPr/>
+                </p:nvCxnSpPr>
+                <p:spPr>
+                  <a:xfrm>
+                    <a:off x="2779540" y="1492370"/>
+                    <a:ext cx="5726105" cy="0"/>
+                  </a:xfrm>
+                  <a:prstGeom prst="line">
+                    <a:avLst/>
+                  </a:prstGeom>
+                </p:spPr>
+                <p:style>
+                  <a:lnRef idx="2">
+                    <a:schemeClr val="accent2"/>
+                  </a:lnRef>
+                  <a:fillRef idx="0">
+                    <a:schemeClr val="accent2"/>
+                  </a:fillRef>
+                  <a:effectRef idx="1">
+                    <a:schemeClr val="accent2"/>
+                  </a:effectRef>
+                  <a:fontRef idx="minor">
+                    <a:schemeClr val="tx1"/>
+                  </a:fontRef>
+                </p:style>
+              </p:cxnSp>
+              <p:cxnSp>
+                <p:nvCxnSpPr>
+                  <p:cNvPr id="69" name="Conector recto 68">
+                    <a:extLst>
+                      <a:ext uri="{FF2B5EF4-FFF2-40B4-BE49-F238E27FC236}">
+                        <a16:creationId xmlns:a16="http://schemas.microsoft.com/office/drawing/2014/main" id="{5EF14318-4535-D86B-8E22-F7479338DB09}"/>
+                      </a:ext>
+                    </a:extLst>
+                  </p:cNvPr>
+                  <p:cNvCxnSpPr/>
+                  <p:nvPr/>
+                </p:nvCxnSpPr>
+                <p:spPr>
+                  <a:xfrm>
+                    <a:off x="2779540" y="1492370"/>
+                    <a:ext cx="3917" cy="458700"/>
+                  </a:xfrm>
+                  <a:prstGeom prst="line">
+                    <a:avLst/>
+                  </a:prstGeom>
+                </p:spPr>
+                <p:style>
+                  <a:lnRef idx="2">
+                    <a:schemeClr val="accent2"/>
+                  </a:lnRef>
+                  <a:fillRef idx="0">
+                    <a:schemeClr val="accent2"/>
+                  </a:fillRef>
+                  <a:effectRef idx="1">
+                    <a:schemeClr val="accent2"/>
+                  </a:effectRef>
+                  <a:fontRef idx="minor">
+                    <a:schemeClr val="tx1"/>
+                  </a:fontRef>
+                </p:style>
+              </p:cxnSp>
+              <p:cxnSp>
+                <p:nvCxnSpPr>
+                  <p:cNvPr id="70" name="Conector recto 69">
+                    <a:extLst>
+                      <a:ext uri="{FF2B5EF4-FFF2-40B4-BE49-F238E27FC236}">
+                        <a16:creationId xmlns:a16="http://schemas.microsoft.com/office/drawing/2014/main" id="{CCEE270C-9128-A362-6C31-351A67B4E1EF}"/>
+                      </a:ext>
+                    </a:extLst>
+                  </p:cNvPr>
+                  <p:cNvCxnSpPr>
+                    <a:cxnSpLocks/>
+                  </p:cNvCxnSpPr>
+                  <p:nvPr/>
+                </p:nvCxnSpPr>
+                <p:spPr>
+                  <a:xfrm>
+                    <a:off x="8503124" y="1492370"/>
+                    <a:ext cx="3917" cy="458700"/>
+                  </a:xfrm>
+                  <a:prstGeom prst="line">
+                    <a:avLst/>
+                  </a:prstGeom>
+                </p:spPr>
+                <p:style>
+                  <a:lnRef idx="2">
+                    <a:schemeClr val="accent2"/>
+                  </a:lnRef>
+                  <a:fillRef idx="0">
+                    <a:schemeClr val="accent2"/>
+                  </a:fillRef>
+                  <a:effectRef idx="1">
+                    <a:schemeClr val="accent2"/>
+                  </a:effectRef>
+                  <a:fontRef idx="minor">
+                    <a:schemeClr val="tx1"/>
+                  </a:fontRef>
+                </p:style>
+              </p:cxnSp>
+            </p:grpSp>
+          </p:grpSp>
+          <p:sp>
+            <p:nvSpPr>
+              <p:cNvPr id="15" name="Rectángulo redondeado 14">
+                <a:extLst>
+                  <a:ext uri="{FF2B5EF4-FFF2-40B4-BE49-F238E27FC236}">
+                    <a16:creationId xmlns:a16="http://schemas.microsoft.com/office/drawing/2014/main" id="{B4C5E7E7-BB18-A68A-DBA6-7406768AA648}"/>
+                  </a:ext>
+                </a:extLst>
+              </p:cNvPr>
+              <p:cNvSpPr/>
+              <p:nvPr/>
+            </p:nvSpPr>
+            <p:spPr>
+              <a:xfrm>
+                <a:off x="633217" y="2918635"/>
+                <a:ext cx="1312804" cy="385233"/>
+              </a:xfrm>
+              <a:prstGeom prst="roundRect">
+                <a:avLst/>
+              </a:prstGeom>
+            </p:spPr>
+            <p:style>
+              <a:lnRef idx="2">
+                <a:schemeClr val="accent2"/>
+              </a:lnRef>
+              <a:fillRef idx="1">
+                <a:schemeClr val="lt1"/>
+              </a:fillRef>
+              <a:effectRef idx="0">
+                <a:schemeClr val="accent2"/>
+              </a:effectRef>
+              <a:fontRef idx="minor">
+                <a:schemeClr val="dk1"/>
+              </a:fontRef>
+            </p:style>
+            <p:txBody>
+              <a:bodyPr rtlCol="0" anchor="ctr"/>
+              <a:lstStyle/>
+              <a:p>
+                <a:pPr algn="ctr"/>
+                <a:endParaRPr lang="es-ES" sz="1200" b="1" i="0" dirty="0">
+                  <a:solidFill>
+                    <a:schemeClr val="tx1">
+                      <a:lumMod val="50000"/>
+                      <a:lumOff val="50000"/>
+                    </a:schemeClr>
+                  </a:solidFill>
+                  <a:effectLst/>
+                  <a:latin typeface="Geist Mono Bold" pitchFamily="2" charset="77"/>
+                  <a:ea typeface="Geist Mono Bold" pitchFamily="2" charset="77"/>
+                  <a:cs typeface="Geist Mono Bold" pitchFamily="2" charset="77"/>
+                </a:endParaRPr>
+              </a:p>
+            </p:txBody>
+          </p:sp>
+          <p:sp>
+            <p:nvSpPr>
+              <p:cNvPr id="16" name="Rectángulo redondeado 15">
+                <a:extLst>
+                  <a:ext uri="{FF2B5EF4-FFF2-40B4-BE49-F238E27FC236}">
+                    <a16:creationId xmlns:a16="http://schemas.microsoft.com/office/drawing/2014/main" id="{C5AD138B-1BFC-B336-B6FB-B79842D31FF7}"/>
+                  </a:ext>
+                </a:extLst>
+              </p:cNvPr>
+              <p:cNvSpPr/>
+              <p:nvPr/>
+            </p:nvSpPr>
+            <p:spPr>
+              <a:xfrm>
+                <a:off x="3671650" y="2924354"/>
+                <a:ext cx="1742230" cy="707363"/>
+              </a:xfrm>
+              <a:prstGeom prst="roundRect">
+                <a:avLst/>
+              </a:prstGeom>
+            </p:spPr>
+            <p:style>
+              <a:lnRef idx="2">
+                <a:schemeClr val="accent2"/>
+              </a:lnRef>
+              <a:fillRef idx="1">
+                <a:schemeClr val="lt1"/>
+              </a:fillRef>
+              <a:effectRef idx="0">
+                <a:schemeClr val="accent2"/>
+              </a:effectRef>
+              <a:fontRef idx="minor">
+                <a:schemeClr val="dk1"/>
+              </a:fontRef>
+            </p:style>
+            <p:txBody>
+              <a:bodyPr rtlCol="0" anchor="ctr"/>
+              <a:lstStyle/>
+              <a:p>
+                <a:pPr algn="ctr"/>
+                <a:endParaRPr lang="es-ES" sz="1000" b="1" i="0" dirty="0">
+                  <a:solidFill>
+                    <a:schemeClr val="tx1">
+                      <a:lumMod val="50000"/>
+                      <a:lumOff val="50000"/>
+                    </a:schemeClr>
+                  </a:solidFill>
+                  <a:effectLst/>
+                  <a:latin typeface="Geist Mono Bold" pitchFamily="2" charset="77"/>
+                  <a:ea typeface="Geist Mono Bold" pitchFamily="2" charset="77"/>
+                  <a:cs typeface="Geist Mono Bold" pitchFamily="2" charset="77"/>
+                </a:endParaRPr>
+              </a:p>
+            </p:txBody>
+          </p:sp>
+          <p:grpSp>
+            <p:nvGrpSpPr>
+              <p:cNvPr id="17" name="Grupo 16">
+                <a:extLst>
+                  <a:ext uri="{FF2B5EF4-FFF2-40B4-BE49-F238E27FC236}">
+                    <a16:creationId xmlns:a16="http://schemas.microsoft.com/office/drawing/2014/main" id="{C0F7AE1D-2D0B-97EB-FA60-3D679B1287DD}"/>
+                  </a:ext>
+                </a:extLst>
+              </p:cNvPr>
+              <p:cNvGrpSpPr/>
+              <p:nvPr/>
+            </p:nvGrpSpPr>
+            <p:grpSpPr>
+              <a:xfrm>
+                <a:off x="7037114" y="2298940"/>
+                <a:ext cx="3255372" cy="616788"/>
+                <a:chOff x="2779540" y="1033670"/>
+                <a:chExt cx="5727501" cy="917400"/>
+              </a:xfrm>
+            </p:grpSpPr>
+            <p:cxnSp>
+              <p:nvCxnSpPr>
+                <p:cNvPr id="57" name="Conector recto 56">
+                  <a:extLst>
+                    <a:ext uri="{FF2B5EF4-FFF2-40B4-BE49-F238E27FC236}">
+                      <a16:creationId xmlns:a16="http://schemas.microsoft.com/office/drawing/2014/main" id="{2BEA2540-CB02-DA16-E564-1B849955FDAF}"/>
+                    </a:ext>
+                  </a:extLst>
+                </p:cNvPr>
+                <p:cNvCxnSpPr/>
+                <p:nvPr/>
+              </p:nvCxnSpPr>
+              <p:spPr>
+                <a:xfrm>
+                  <a:off x="5594626" y="1033670"/>
+                  <a:ext cx="3917" cy="458700"/>
+                </a:xfrm>
+                <a:prstGeom prst="line">
+                  <a:avLst/>
+                </a:prstGeom>
+              </p:spPr>
+              <p:style>
+                <a:lnRef idx="2">
+                  <a:schemeClr val="accent2"/>
+                </a:lnRef>
+                <a:fillRef idx="0">
+                  <a:schemeClr val="accent2"/>
+                </a:fillRef>
+                <a:effectRef idx="1">
+                  <a:schemeClr val="accent2"/>
+                </a:effectRef>
+                <a:fontRef idx="minor">
+                  <a:schemeClr val="tx1"/>
+                </a:fontRef>
+              </p:style>
+            </p:cxnSp>
+            <p:grpSp>
+              <p:nvGrpSpPr>
+                <p:cNvPr id="58" name="Grupo 57">
+                  <a:extLst>
+                    <a:ext uri="{FF2B5EF4-FFF2-40B4-BE49-F238E27FC236}">
+                      <a16:creationId xmlns:a16="http://schemas.microsoft.com/office/drawing/2014/main" id="{544D395D-0CE8-1B86-32FE-C4D51492CB66}"/>
+                    </a:ext>
+                  </a:extLst>
+                </p:cNvPr>
+                <p:cNvGrpSpPr/>
+                <p:nvPr/>
+              </p:nvGrpSpPr>
+              <p:grpSpPr>
+                <a:xfrm>
+                  <a:off x="2779540" y="1492370"/>
+                  <a:ext cx="5727501" cy="458700"/>
+                  <a:chOff x="2779540" y="1492370"/>
+                  <a:chExt cx="5727501" cy="458700"/>
+                </a:xfrm>
+              </p:grpSpPr>
+              <p:cxnSp>
+                <p:nvCxnSpPr>
+                  <p:cNvPr id="59" name="Conector recto 58">
+                    <a:extLst>
+                      <a:ext uri="{FF2B5EF4-FFF2-40B4-BE49-F238E27FC236}">
+                        <a16:creationId xmlns:a16="http://schemas.microsoft.com/office/drawing/2014/main" id="{96E9909C-F32B-C88C-6F09-4225DC3BA85D}"/>
+                      </a:ext>
+                    </a:extLst>
+                  </p:cNvPr>
+                  <p:cNvCxnSpPr>
+                    <a:cxnSpLocks/>
+                  </p:cNvCxnSpPr>
+                  <p:nvPr/>
+                </p:nvCxnSpPr>
+                <p:spPr>
+                  <a:xfrm>
+                    <a:off x="2779540" y="1492370"/>
+                    <a:ext cx="5726105" cy="0"/>
+                  </a:xfrm>
+                  <a:prstGeom prst="line">
+                    <a:avLst/>
+                  </a:prstGeom>
+                </p:spPr>
+                <p:style>
+                  <a:lnRef idx="2">
+                    <a:schemeClr val="accent2"/>
+                  </a:lnRef>
+                  <a:fillRef idx="0">
+                    <a:schemeClr val="accent2"/>
+                  </a:fillRef>
+                  <a:effectRef idx="1">
+                    <a:schemeClr val="accent2"/>
+                  </a:effectRef>
+                  <a:fontRef idx="minor">
+                    <a:schemeClr val="tx1"/>
+                  </a:fontRef>
+                </p:style>
+              </p:cxnSp>
+              <p:cxnSp>
+                <p:nvCxnSpPr>
+                  <p:cNvPr id="61" name="Conector recto 60">
+                    <a:extLst>
+                      <a:ext uri="{FF2B5EF4-FFF2-40B4-BE49-F238E27FC236}">
+                        <a16:creationId xmlns:a16="http://schemas.microsoft.com/office/drawing/2014/main" id="{D7FA7BCF-8075-1853-12E7-B6DE03A0698E}"/>
+                      </a:ext>
+                    </a:extLst>
+                  </p:cNvPr>
+                  <p:cNvCxnSpPr/>
+                  <p:nvPr/>
+                </p:nvCxnSpPr>
+                <p:spPr>
+                  <a:xfrm>
+                    <a:off x="2779540" y="1492370"/>
+                    <a:ext cx="3917" cy="458700"/>
+                  </a:xfrm>
+                  <a:prstGeom prst="line">
+                    <a:avLst/>
+                  </a:prstGeom>
+                </p:spPr>
+                <p:style>
+                  <a:lnRef idx="2">
+                    <a:schemeClr val="accent2"/>
+                  </a:lnRef>
+                  <a:fillRef idx="0">
+                    <a:schemeClr val="accent2"/>
+                  </a:fillRef>
+                  <a:effectRef idx="1">
+                    <a:schemeClr val="accent2"/>
+                  </a:effectRef>
+                  <a:fontRef idx="minor">
+                    <a:schemeClr val="tx1"/>
+                  </a:fontRef>
+                </p:style>
+              </p:cxnSp>
+              <p:cxnSp>
+                <p:nvCxnSpPr>
+                  <p:cNvPr id="64" name="Conector recto 63">
+                    <a:extLst>
+                      <a:ext uri="{FF2B5EF4-FFF2-40B4-BE49-F238E27FC236}">
+                        <a16:creationId xmlns:a16="http://schemas.microsoft.com/office/drawing/2014/main" id="{352EDC37-2766-9783-3E96-02256C105594}"/>
+                      </a:ext>
+                    </a:extLst>
+                  </p:cNvPr>
+                  <p:cNvCxnSpPr>
+                    <a:cxnSpLocks/>
+                  </p:cNvCxnSpPr>
+                  <p:nvPr/>
+                </p:nvCxnSpPr>
+                <p:spPr>
+                  <a:xfrm>
+                    <a:off x="8503124" y="1492370"/>
+                    <a:ext cx="3917" cy="458700"/>
+                  </a:xfrm>
+                  <a:prstGeom prst="line">
+                    <a:avLst/>
+                  </a:prstGeom>
+                </p:spPr>
+                <p:style>
+                  <a:lnRef idx="2">
+                    <a:schemeClr val="accent2"/>
+                  </a:lnRef>
+                  <a:fillRef idx="0">
+                    <a:schemeClr val="accent2"/>
+                  </a:fillRef>
+                  <a:effectRef idx="1">
+                    <a:schemeClr val="accent2"/>
+                  </a:effectRef>
+                  <a:fontRef idx="minor">
+                    <a:schemeClr val="tx1"/>
+                  </a:fontRef>
+                </p:style>
+              </p:cxnSp>
+            </p:grpSp>
+          </p:grpSp>
+          <p:sp>
+            <p:nvSpPr>
+              <p:cNvPr id="18" name="Rectángulo redondeado 17">
+                <a:extLst>
+                  <a:ext uri="{FF2B5EF4-FFF2-40B4-BE49-F238E27FC236}">
+                    <a16:creationId xmlns:a16="http://schemas.microsoft.com/office/drawing/2014/main" id="{51B2C127-E305-AA95-062C-1F502D021513}"/>
+                  </a:ext>
+                </a:extLst>
+              </p:cNvPr>
+              <p:cNvSpPr/>
+              <p:nvPr/>
+            </p:nvSpPr>
+            <p:spPr>
+              <a:xfrm>
+                <a:off x="6326867" y="2918635"/>
+                <a:ext cx="1466818" cy="385233"/>
+              </a:xfrm>
+              <a:prstGeom prst="roundRect">
+                <a:avLst/>
+              </a:prstGeom>
+            </p:spPr>
+            <p:style>
+              <a:lnRef idx="2">
+                <a:schemeClr val="accent2"/>
+              </a:lnRef>
+              <a:fillRef idx="1">
+                <a:schemeClr val="lt1"/>
+              </a:fillRef>
+              <a:effectRef idx="0">
+                <a:schemeClr val="accent2"/>
+              </a:effectRef>
+              <a:fontRef idx="minor">
+                <a:schemeClr val="dk1"/>
+              </a:fontRef>
+            </p:style>
+            <p:txBody>
+              <a:bodyPr rtlCol="0" anchor="ctr"/>
+              <a:lstStyle/>
+              <a:p>
+                <a:pPr algn="ctr"/>
+                <a:endParaRPr lang="es-ES" sz="1200" b="1" i="0" dirty="0">
+                  <a:solidFill>
+                    <a:schemeClr val="tx1">
+                      <a:lumMod val="50000"/>
+                      <a:lumOff val="50000"/>
+                    </a:schemeClr>
+                  </a:solidFill>
+                  <a:effectLst/>
+                  <a:latin typeface="Geist Mono Bold" pitchFamily="2" charset="77"/>
+                  <a:ea typeface="Geist Mono Bold" pitchFamily="2" charset="77"/>
+                  <a:cs typeface="Geist Mono Bold" pitchFamily="2" charset="77"/>
+                </a:endParaRPr>
+              </a:p>
+            </p:txBody>
+          </p:sp>
+          <p:sp>
+            <p:nvSpPr>
+              <p:cNvPr id="19" name="Rectángulo redondeado 18">
+                <a:extLst>
+                  <a:ext uri="{FF2B5EF4-FFF2-40B4-BE49-F238E27FC236}">
+                    <a16:creationId xmlns:a16="http://schemas.microsoft.com/office/drawing/2014/main" id="{D69481C2-B969-4266-1B4E-4243F9BF0D87}"/>
+                  </a:ext>
+                </a:extLst>
+              </p:cNvPr>
+              <p:cNvSpPr/>
+              <p:nvPr/>
+            </p:nvSpPr>
+            <p:spPr>
+              <a:xfrm>
+                <a:off x="9419145" y="2924355"/>
+                <a:ext cx="1742230" cy="379514"/>
+              </a:xfrm>
+              <a:prstGeom prst="roundRect">
+                <a:avLst/>
+              </a:prstGeom>
+            </p:spPr>
+            <p:style>
+              <a:lnRef idx="2">
+                <a:schemeClr val="accent2"/>
+              </a:lnRef>
+              <a:fillRef idx="1">
+                <a:schemeClr val="lt1"/>
+              </a:fillRef>
+              <a:effectRef idx="0">
+                <a:schemeClr val="accent2"/>
+              </a:effectRef>
+              <a:fontRef idx="minor">
+                <a:schemeClr val="dk1"/>
+              </a:fontRef>
+            </p:style>
+            <p:txBody>
+              <a:bodyPr rtlCol="0" anchor="ctr"/>
+              <a:lstStyle/>
+              <a:p>
+                <a:pPr algn="ctr"/>
+                <a:endParaRPr lang="es-ES" sz="1000" b="1" i="0" dirty="0">
+                  <a:solidFill>
+                    <a:schemeClr val="tx1">
+                      <a:lumMod val="50000"/>
+                      <a:lumOff val="50000"/>
+                    </a:schemeClr>
+                  </a:solidFill>
+                  <a:effectLst/>
+                  <a:latin typeface="Geist Mono Bold" pitchFamily="2" charset="77"/>
+                  <a:ea typeface="Geist Mono Bold" pitchFamily="2" charset="77"/>
+                  <a:cs typeface="Geist Mono Bold" pitchFamily="2" charset="77"/>
+                </a:endParaRPr>
+              </a:p>
+            </p:txBody>
+          </p:sp>
+          <p:grpSp>
+            <p:nvGrpSpPr>
+              <p:cNvPr id="22" name="Grupo 21">
+                <a:extLst>
+                  <a:ext uri="{FF2B5EF4-FFF2-40B4-BE49-F238E27FC236}">
+                    <a16:creationId xmlns:a16="http://schemas.microsoft.com/office/drawing/2014/main" id="{4F1DF4CB-75AC-94D0-6CB5-7515492E2EC6}"/>
+                  </a:ext>
+                </a:extLst>
+              </p:cNvPr>
+              <p:cNvGrpSpPr/>
+              <p:nvPr/>
+            </p:nvGrpSpPr>
+            <p:grpSpPr>
+              <a:xfrm>
+                <a:off x="5511823" y="3306773"/>
+                <a:ext cx="3255372" cy="868401"/>
+                <a:chOff x="2779540" y="1033670"/>
+                <a:chExt cx="5727501" cy="917400"/>
+              </a:xfrm>
+            </p:grpSpPr>
+            <p:cxnSp>
+              <p:nvCxnSpPr>
+                <p:cNvPr id="51" name="Conector recto 50">
+                  <a:extLst>
+                    <a:ext uri="{FF2B5EF4-FFF2-40B4-BE49-F238E27FC236}">
+                      <a16:creationId xmlns:a16="http://schemas.microsoft.com/office/drawing/2014/main" id="{D1105361-23EE-2D22-0C45-D12C05103501}"/>
+                    </a:ext>
+                  </a:extLst>
+                </p:cNvPr>
+                <p:cNvCxnSpPr/>
+                <p:nvPr/>
+              </p:nvCxnSpPr>
+              <p:spPr>
+                <a:xfrm>
+                  <a:off x="5594626" y="1033670"/>
+                  <a:ext cx="3917" cy="458700"/>
+                </a:xfrm>
+                <a:prstGeom prst="line">
+                  <a:avLst/>
+                </a:prstGeom>
+              </p:spPr>
+              <p:style>
+                <a:lnRef idx="2">
+                  <a:schemeClr val="accent2"/>
+                </a:lnRef>
+                <a:fillRef idx="0">
+                  <a:schemeClr val="accent2"/>
+                </a:fillRef>
+                <a:effectRef idx="1">
+                  <a:schemeClr val="accent2"/>
+                </a:effectRef>
+                <a:fontRef idx="minor">
+                  <a:schemeClr val="tx1"/>
+                </a:fontRef>
+              </p:style>
+            </p:cxnSp>
+            <p:grpSp>
+              <p:nvGrpSpPr>
+                <p:cNvPr id="52" name="Grupo 51">
+                  <a:extLst>
+                    <a:ext uri="{FF2B5EF4-FFF2-40B4-BE49-F238E27FC236}">
+                      <a16:creationId xmlns:a16="http://schemas.microsoft.com/office/drawing/2014/main" id="{21D2CB67-B2DB-94FB-0717-C847261B3784}"/>
+                    </a:ext>
+                  </a:extLst>
+                </p:cNvPr>
+                <p:cNvGrpSpPr/>
+                <p:nvPr/>
+              </p:nvGrpSpPr>
+              <p:grpSpPr>
+                <a:xfrm>
+                  <a:off x="2779540" y="1492370"/>
+                  <a:ext cx="5727501" cy="458700"/>
+                  <a:chOff x="2779540" y="1492370"/>
+                  <a:chExt cx="5727501" cy="458700"/>
+                </a:xfrm>
+              </p:grpSpPr>
+              <p:cxnSp>
+                <p:nvCxnSpPr>
+                  <p:cNvPr id="53" name="Conector recto 52">
+                    <a:extLst>
+                      <a:ext uri="{FF2B5EF4-FFF2-40B4-BE49-F238E27FC236}">
+                        <a16:creationId xmlns:a16="http://schemas.microsoft.com/office/drawing/2014/main" id="{A8C8EB3D-8895-9396-B944-179170C0D029}"/>
+                      </a:ext>
+                    </a:extLst>
+                  </p:cNvPr>
+                  <p:cNvCxnSpPr>
+                    <a:cxnSpLocks/>
+                  </p:cNvCxnSpPr>
+                  <p:nvPr/>
+                </p:nvCxnSpPr>
+                <p:spPr>
+                  <a:xfrm>
+                    <a:off x="2779540" y="1492370"/>
+                    <a:ext cx="5726105" cy="0"/>
+                  </a:xfrm>
+                  <a:prstGeom prst="line">
+                    <a:avLst/>
+                  </a:prstGeom>
+                </p:spPr>
+                <p:style>
+                  <a:lnRef idx="2">
+                    <a:schemeClr val="accent2"/>
+                  </a:lnRef>
+                  <a:fillRef idx="0">
+                    <a:schemeClr val="accent2"/>
+                  </a:fillRef>
+                  <a:effectRef idx="1">
+                    <a:schemeClr val="accent2"/>
+                  </a:effectRef>
+                  <a:fontRef idx="minor">
+                    <a:schemeClr val="tx1"/>
+                  </a:fontRef>
+                </p:style>
+              </p:cxnSp>
+              <p:cxnSp>
+                <p:nvCxnSpPr>
+                  <p:cNvPr id="54" name="Conector recto 53">
+                    <a:extLst>
+                      <a:ext uri="{FF2B5EF4-FFF2-40B4-BE49-F238E27FC236}">
+                        <a16:creationId xmlns:a16="http://schemas.microsoft.com/office/drawing/2014/main" id="{B395353B-866A-A36A-5743-CF40A73B2D68}"/>
+                      </a:ext>
+                    </a:extLst>
+                  </p:cNvPr>
+                  <p:cNvCxnSpPr/>
+                  <p:nvPr/>
+                </p:nvCxnSpPr>
+                <p:spPr>
+                  <a:xfrm>
+                    <a:off x="2779540" y="1492370"/>
+                    <a:ext cx="3917" cy="458700"/>
+                  </a:xfrm>
+                  <a:prstGeom prst="line">
+                    <a:avLst/>
+                  </a:prstGeom>
+                </p:spPr>
+                <p:style>
+                  <a:lnRef idx="2">
+                    <a:schemeClr val="accent2"/>
+                  </a:lnRef>
+                  <a:fillRef idx="0">
+                    <a:schemeClr val="accent2"/>
+                  </a:fillRef>
+                  <a:effectRef idx="1">
+                    <a:schemeClr val="accent2"/>
+                  </a:effectRef>
+                  <a:fontRef idx="minor">
+                    <a:schemeClr val="tx1"/>
+                  </a:fontRef>
+                </p:style>
+              </p:cxnSp>
+              <p:cxnSp>
+                <p:nvCxnSpPr>
+                  <p:cNvPr id="55" name="Conector recto 54">
+                    <a:extLst>
+                      <a:ext uri="{FF2B5EF4-FFF2-40B4-BE49-F238E27FC236}">
+                        <a16:creationId xmlns:a16="http://schemas.microsoft.com/office/drawing/2014/main" id="{71B36361-371A-47AB-CCB6-FA1FA7D49ED2}"/>
+                      </a:ext>
+                    </a:extLst>
+                  </p:cNvPr>
+                  <p:cNvCxnSpPr>
+                    <a:cxnSpLocks/>
+                  </p:cNvCxnSpPr>
+                  <p:nvPr/>
+                </p:nvCxnSpPr>
+                <p:spPr>
+                  <a:xfrm>
+                    <a:off x="8503124" y="1492370"/>
+                    <a:ext cx="3917" cy="458700"/>
+                  </a:xfrm>
+                  <a:prstGeom prst="line">
+                    <a:avLst/>
+                  </a:prstGeom>
+                </p:spPr>
+                <p:style>
+                  <a:lnRef idx="2">
+                    <a:schemeClr val="accent2"/>
+                  </a:lnRef>
+                  <a:fillRef idx="0">
+                    <a:schemeClr val="accent2"/>
+                  </a:fillRef>
+                  <a:effectRef idx="1">
+                    <a:schemeClr val="accent2"/>
+                  </a:effectRef>
+                  <a:fontRef idx="minor">
+                    <a:schemeClr val="tx1"/>
+                  </a:fontRef>
+                </p:style>
+              </p:cxnSp>
+            </p:grpSp>
+          </p:grpSp>
+          <p:sp>
+            <p:nvSpPr>
+              <p:cNvPr id="23" name="Rectángulo redondeado 22">
+                <a:extLst>
+                  <a:ext uri="{FF2B5EF4-FFF2-40B4-BE49-F238E27FC236}">
+                    <a16:creationId xmlns:a16="http://schemas.microsoft.com/office/drawing/2014/main" id="{63B9DFB1-53C2-6C64-C2F1-284CCFEC9B8A}"/>
+                  </a:ext>
+                </a:extLst>
+              </p:cNvPr>
+              <p:cNvSpPr/>
+              <p:nvPr/>
+            </p:nvSpPr>
+            <p:spPr>
+              <a:xfrm>
+                <a:off x="4778414" y="4175175"/>
+                <a:ext cx="1466818" cy="542385"/>
+              </a:xfrm>
+              <a:prstGeom prst="roundRect">
+                <a:avLst/>
+              </a:prstGeom>
+            </p:spPr>
+            <p:style>
+              <a:lnRef idx="2">
+                <a:schemeClr val="accent2"/>
+              </a:lnRef>
+              <a:fillRef idx="1">
+                <a:schemeClr val="lt1"/>
+              </a:fillRef>
+              <a:effectRef idx="0">
+                <a:schemeClr val="accent2"/>
+              </a:effectRef>
+              <a:fontRef idx="minor">
+                <a:schemeClr val="dk1"/>
+              </a:fontRef>
+            </p:style>
+            <p:txBody>
+              <a:bodyPr rtlCol="0" anchor="ctr"/>
+              <a:lstStyle/>
+              <a:p>
+                <a:pPr algn="ctr"/>
+                <a:endParaRPr lang="es-ES" sz="1200" b="1" dirty="0">
+                  <a:solidFill>
+                    <a:schemeClr val="tx1">
+                      <a:lumMod val="50000"/>
+                      <a:lumOff val="50000"/>
+                    </a:schemeClr>
+                  </a:solidFill>
+                  <a:latin typeface="Geist Mono Bold" pitchFamily="2" charset="77"/>
+                  <a:ea typeface="Geist Mono Bold" pitchFamily="2" charset="77"/>
+                  <a:cs typeface="Geist Mono Bold" pitchFamily="2" charset="77"/>
+                </a:endParaRPr>
+              </a:p>
+            </p:txBody>
+          </p:sp>
+          <p:sp>
+            <p:nvSpPr>
+              <p:cNvPr id="24" name="Rectángulo redondeado 23">
+                <a:extLst>
+                  <a:ext uri="{FF2B5EF4-FFF2-40B4-BE49-F238E27FC236}">
+                    <a16:creationId xmlns:a16="http://schemas.microsoft.com/office/drawing/2014/main" id="{7019E2B4-94BE-D93D-3164-718BAD8FAF69}"/>
+                  </a:ext>
+                </a:extLst>
+              </p:cNvPr>
+              <p:cNvSpPr/>
+              <p:nvPr/>
+            </p:nvSpPr>
+            <p:spPr>
+              <a:xfrm>
+                <a:off x="7893853" y="4170341"/>
+                <a:ext cx="1853991" cy="534333"/>
+              </a:xfrm>
+              <a:prstGeom prst="roundRect">
+                <a:avLst/>
+              </a:prstGeom>
+            </p:spPr>
+            <p:style>
+              <a:lnRef idx="2">
+                <a:schemeClr val="accent2"/>
+              </a:lnRef>
+              <a:fillRef idx="1">
+                <a:schemeClr val="lt1"/>
+              </a:fillRef>
+              <a:effectRef idx="0">
+                <a:schemeClr val="accent2"/>
+              </a:effectRef>
+              <a:fontRef idx="minor">
+                <a:schemeClr val="dk1"/>
+              </a:fontRef>
+            </p:style>
+            <p:txBody>
+              <a:bodyPr rtlCol="0" anchor="ctr"/>
+              <a:lstStyle/>
+              <a:p>
+                <a:pPr algn="ctr"/>
+                <a:endParaRPr lang="es-ES" sz="1000" b="1" dirty="0">
+                  <a:solidFill>
+                    <a:schemeClr val="tx1">
+                      <a:lumMod val="50000"/>
+                      <a:lumOff val="50000"/>
+                    </a:schemeClr>
+                  </a:solidFill>
+                  <a:latin typeface="Geist Mono Bold" pitchFamily="2" charset="77"/>
+                  <a:ea typeface="Geist Mono Bold" pitchFamily="2" charset="77"/>
+                  <a:cs typeface="Geist Mono Bold" pitchFamily="2" charset="77"/>
+                </a:endParaRPr>
+              </a:p>
+            </p:txBody>
+          </p:sp>
+          <p:grpSp>
+            <p:nvGrpSpPr>
+              <p:cNvPr id="26" name="Grupo 25">
+                <a:extLst>
+                  <a:ext uri="{FF2B5EF4-FFF2-40B4-BE49-F238E27FC236}">
+                    <a16:creationId xmlns:a16="http://schemas.microsoft.com/office/drawing/2014/main" id="{14E262CD-8F4A-699B-DA0A-65EC4AA02208}"/>
+                  </a:ext>
+                </a:extLst>
+              </p:cNvPr>
+              <p:cNvGrpSpPr/>
+              <p:nvPr/>
+            </p:nvGrpSpPr>
+            <p:grpSpPr>
+              <a:xfrm>
+                <a:off x="765612" y="3320595"/>
+                <a:ext cx="2226428" cy="2251543"/>
+                <a:chOff x="2779540" y="1033670"/>
+                <a:chExt cx="5727501" cy="917400"/>
+              </a:xfrm>
+            </p:grpSpPr>
+            <p:cxnSp>
+              <p:nvCxnSpPr>
+                <p:cNvPr id="40" name="Conector recto 39">
+                  <a:extLst>
+                    <a:ext uri="{FF2B5EF4-FFF2-40B4-BE49-F238E27FC236}">
+                      <a16:creationId xmlns:a16="http://schemas.microsoft.com/office/drawing/2014/main" id="{6443BBA4-7707-5664-876D-4441241DD4DB}"/>
+                    </a:ext>
+                  </a:extLst>
+                </p:cNvPr>
+                <p:cNvCxnSpPr/>
+                <p:nvPr/>
+              </p:nvCxnSpPr>
+              <p:spPr>
+                <a:xfrm>
+                  <a:off x="5594626" y="1033670"/>
+                  <a:ext cx="3917" cy="458700"/>
+                </a:xfrm>
+                <a:prstGeom prst="line">
+                  <a:avLst/>
+                </a:prstGeom>
+              </p:spPr>
+              <p:style>
+                <a:lnRef idx="2">
+                  <a:schemeClr val="accent2"/>
+                </a:lnRef>
+                <a:fillRef idx="0">
+                  <a:schemeClr val="accent2"/>
+                </a:fillRef>
+                <a:effectRef idx="1">
+                  <a:schemeClr val="accent2"/>
+                </a:effectRef>
+                <a:fontRef idx="minor">
+                  <a:schemeClr val="tx1"/>
+                </a:fontRef>
+              </p:style>
+            </p:cxnSp>
+            <p:grpSp>
+              <p:nvGrpSpPr>
+                <p:cNvPr id="42" name="Grupo 41">
+                  <a:extLst>
+                    <a:ext uri="{FF2B5EF4-FFF2-40B4-BE49-F238E27FC236}">
+                      <a16:creationId xmlns:a16="http://schemas.microsoft.com/office/drawing/2014/main" id="{2BDAC228-6F37-2B31-5495-0C1756C8BB6C}"/>
+                    </a:ext>
+                  </a:extLst>
+                </p:cNvPr>
+                <p:cNvGrpSpPr/>
+                <p:nvPr/>
+              </p:nvGrpSpPr>
+              <p:grpSpPr>
+                <a:xfrm>
+                  <a:off x="2779540" y="1492370"/>
+                  <a:ext cx="5727501" cy="458700"/>
+                  <a:chOff x="2779540" y="1492370"/>
+                  <a:chExt cx="5727501" cy="458700"/>
+                </a:xfrm>
+              </p:grpSpPr>
+              <p:cxnSp>
+                <p:nvCxnSpPr>
+                  <p:cNvPr id="44" name="Conector recto 43">
+                    <a:extLst>
+                      <a:ext uri="{FF2B5EF4-FFF2-40B4-BE49-F238E27FC236}">
+                        <a16:creationId xmlns:a16="http://schemas.microsoft.com/office/drawing/2014/main" id="{02A2D867-1931-3A38-B340-4EA27724AAB1}"/>
+                      </a:ext>
+                    </a:extLst>
+                  </p:cNvPr>
+                  <p:cNvCxnSpPr>
+                    <a:cxnSpLocks/>
+                  </p:cNvCxnSpPr>
+                  <p:nvPr/>
+                </p:nvCxnSpPr>
+                <p:spPr>
+                  <a:xfrm>
+                    <a:off x="2779540" y="1492370"/>
+                    <a:ext cx="5726105" cy="0"/>
+                  </a:xfrm>
+                  <a:prstGeom prst="line">
+                    <a:avLst/>
+                  </a:prstGeom>
+                </p:spPr>
+                <p:style>
+                  <a:lnRef idx="2">
+                    <a:schemeClr val="accent2"/>
+                  </a:lnRef>
+                  <a:fillRef idx="0">
+                    <a:schemeClr val="accent2"/>
+                  </a:fillRef>
+                  <a:effectRef idx="1">
+                    <a:schemeClr val="accent2"/>
+                  </a:effectRef>
+                  <a:fontRef idx="minor">
+                    <a:schemeClr val="tx1"/>
+                  </a:fontRef>
+                </p:style>
+              </p:cxnSp>
+              <p:cxnSp>
+                <p:nvCxnSpPr>
+                  <p:cNvPr id="49" name="Conector recto 48">
+                    <a:extLst>
+                      <a:ext uri="{FF2B5EF4-FFF2-40B4-BE49-F238E27FC236}">
+                        <a16:creationId xmlns:a16="http://schemas.microsoft.com/office/drawing/2014/main" id="{B790AC3A-A94D-E3A9-00A6-459B8900692B}"/>
+                      </a:ext>
+                    </a:extLst>
+                  </p:cNvPr>
+                  <p:cNvCxnSpPr/>
+                  <p:nvPr/>
+                </p:nvCxnSpPr>
+                <p:spPr>
+                  <a:xfrm>
+                    <a:off x="2779540" y="1492370"/>
+                    <a:ext cx="3917" cy="458700"/>
+                  </a:xfrm>
+                  <a:prstGeom prst="line">
+                    <a:avLst/>
+                  </a:prstGeom>
+                </p:spPr>
+                <p:style>
+                  <a:lnRef idx="2">
+                    <a:schemeClr val="accent2"/>
+                  </a:lnRef>
+                  <a:fillRef idx="0">
+                    <a:schemeClr val="accent2"/>
+                  </a:fillRef>
+                  <a:effectRef idx="1">
+                    <a:schemeClr val="accent2"/>
+                  </a:effectRef>
+                  <a:fontRef idx="minor">
+                    <a:schemeClr val="tx1"/>
+                  </a:fontRef>
+                </p:style>
+              </p:cxnSp>
+              <p:cxnSp>
+                <p:nvCxnSpPr>
+                  <p:cNvPr id="50" name="Conector recto 49">
+                    <a:extLst>
+                      <a:ext uri="{FF2B5EF4-FFF2-40B4-BE49-F238E27FC236}">
+                        <a16:creationId xmlns:a16="http://schemas.microsoft.com/office/drawing/2014/main" id="{EA95845A-04BC-1ED2-B3D7-489C2B3E151B}"/>
+                      </a:ext>
+                    </a:extLst>
+                  </p:cNvPr>
+                  <p:cNvCxnSpPr>
+                    <a:cxnSpLocks/>
+                  </p:cNvCxnSpPr>
+                  <p:nvPr/>
+                </p:nvCxnSpPr>
+                <p:spPr>
+                  <a:xfrm>
+                    <a:off x="8503124" y="1492370"/>
+                    <a:ext cx="3917" cy="458700"/>
+                  </a:xfrm>
+                  <a:prstGeom prst="line">
+                    <a:avLst/>
+                  </a:prstGeom>
+                </p:spPr>
+                <p:style>
+                  <a:lnRef idx="2">
+                    <a:schemeClr val="accent2"/>
+                  </a:lnRef>
+                  <a:fillRef idx="0">
+                    <a:schemeClr val="accent2"/>
+                  </a:fillRef>
+                  <a:effectRef idx="1">
+                    <a:schemeClr val="accent2"/>
+                  </a:effectRef>
+                  <a:fontRef idx="minor">
+                    <a:schemeClr val="tx1"/>
+                  </a:fontRef>
+                </p:style>
+              </p:cxnSp>
+            </p:grpSp>
+          </p:grpSp>
+          <p:sp>
+            <p:nvSpPr>
+              <p:cNvPr id="27" name="Rectángulo redondeado 26">
+                <a:extLst>
+                  <a:ext uri="{FF2B5EF4-FFF2-40B4-BE49-F238E27FC236}">
+                    <a16:creationId xmlns:a16="http://schemas.microsoft.com/office/drawing/2014/main" id="{3A25EF68-144A-52F0-CA16-EEEF9EB70E7E}"/>
+                  </a:ext>
+                </a:extLst>
+              </p:cNvPr>
+              <p:cNvSpPr/>
+              <p:nvPr/>
+            </p:nvSpPr>
+            <p:spPr>
+              <a:xfrm>
+                <a:off x="112138" y="5561381"/>
+                <a:ext cx="2081501" cy="339088"/>
+              </a:xfrm>
+              <a:prstGeom prst="roundRect">
+                <a:avLst/>
+              </a:prstGeom>
+            </p:spPr>
+            <p:style>
+              <a:lnRef idx="2">
+                <a:schemeClr val="accent2"/>
+              </a:lnRef>
+              <a:fillRef idx="1">
+                <a:schemeClr val="lt1"/>
+              </a:fillRef>
+              <a:effectRef idx="0">
+                <a:schemeClr val="accent2"/>
+              </a:effectRef>
+              <a:fontRef idx="minor">
+                <a:schemeClr val="dk1"/>
+              </a:fontRef>
+            </p:style>
+            <p:txBody>
+              <a:bodyPr rtlCol="0" anchor="ctr"/>
+              <a:lstStyle/>
+              <a:p>
+                <a:pPr algn="ctr"/>
+                <a:endParaRPr lang="es-ES" sz="1200" b="1" dirty="0">
+                  <a:solidFill>
+                    <a:schemeClr val="tx1">
+                      <a:lumMod val="50000"/>
+                      <a:lumOff val="50000"/>
+                    </a:schemeClr>
+                  </a:solidFill>
+                  <a:latin typeface="Geist Mono Bold" pitchFamily="2" charset="77"/>
+                  <a:ea typeface="Geist Mono Bold" pitchFamily="2" charset="77"/>
+                  <a:cs typeface="Geist Mono Bold" pitchFamily="2" charset="77"/>
+                </a:endParaRPr>
+              </a:p>
+            </p:txBody>
+          </p:sp>
+          <p:sp>
+            <p:nvSpPr>
+              <p:cNvPr id="29" name="Rectángulo redondeado 28">
+                <a:extLst>
+                  <a:ext uri="{FF2B5EF4-FFF2-40B4-BE49-F238E27FC236}">
+                    <a16:creationId xmlns:a16="http://schemas.microsoft.com/office/drawing/2014/main" id="{7880013D-2D04-1B90-0FC7-7FDEF5AE80A8}"/>
+                  </a:ext>
+                </a:extLst>
+              </p:cNvPr>
+              <p:cNvSpPr/>
+              <p:nvPr/>
+            </p:nvSpPr>
+            <p:spPr>
+              <a:xfrm>
+                <a:off x="2415392" y="5569433"/>
+                <a:ext cx="1992702" cy="331036"/>
+              </a:xfrm>
+              <a:prstGeom prst="roundRect">
+                <a:avLst/>
+              </a:prstGeom>
+            </p:spPr>
+            <p:style>
+              <a:lnRef idx="2">
+                <a:schemeClr val="accent2"/>
+              </a:lnRef>
+              <a:fillRef idx="1">
+                <a:schemeClr val="lt1"/>
+              </a:fillRef>
+              <a:effectRef idx="0">
+                <a:schemeClr val="accent2"/>
+              </a:effectRef>
+              <a:fontRef idx="minor">
+                <a:schemeClr val="dk1"/>
+              </a:fontRef>
+            </p:style>
+            <p:txBody>
+              <a:bodyPr rtlCol="0" anchor="ctr"/>
+              <a:lstStyle/>
+              <a:p>
+                <a:pPr algn="ctr"/>
+                <a:endParaRPr lang="es-ES" sz="1200" b="1" dirty="0">
+                  <a:solidFill>
+                    <a:schemeClr val="tx1">
+                      <a:lumMod val="50000"/>
+                      <a:lumOff val="50000"/>
+                    </a:schemeClr>
+                  </a:solidFill>
+                  <a:latin typeface="Geist Mono Bold" pitchFamily="2" charset="77"/>
+                  <a:ea typeface="Geist Mono Bold" pitchFamily="2" charset="77"/>
+                  <a:cs typeface="Geist Mono Bold" pitchFamily="2" charset="77"/>
+                </a:endParaRPr>
+              </a:p>
+            </p:txBody>
+          </p:sp>
+        </p:grpSp>
+        <p:sp>
+          <p:nvSpPr>
+            <p:cNvPr id="37" name="CuadroTexto 36">
+              <a:extLst>
+                <a:ext uri="{FF2B5EF4-FFF2-40B4-BE49-F238E27FC236}">
+                  <a16:creationId xmlns:a16="http://schemas.microsoft.com/office/drawing/2014/main" id="{8EA2A5F6-30B1-039F-C4E0-9917DC61F7E2}"/>
+                </a:ext>
+              </a:extLst>
+            </p:cNvPr>
+            <p:cNvSpPr txBox="1"/>
+            <p:nvPr/>
+          </p:nvSpPr>
+          <p:spPr>
+            <a:xfrm>
+              <a:off x="479257" y="2768986"/>
+              <a:ext cx="1498318" cy="261610"/>
+            </a:xfrm>
+            <a:prstGeom prst="rect">
+              <a:avLst/>
+            </a:prstGeom>
+            <a:noFill/>
+          </p:spPr>
+          <p:txBody>
+            <a:bodyPr wrap="square" rtlCol="0">
+              <a:spAutoFit/>
+            </a:bodyPr>
+            <a:lstStyle/>
+            <a:p>
+              <a:pPr algn="ctr"/>
+              <a:r>
+                <a:rPr lang="es-ES" sz="1100" b="1" dirty="0">
+                  <a:latin typeface="Geist Mono Bold" pitchFamily="2" charset="77"/>
+                  <a:ea typeface="Geist Mono Bold" pitchFamily="2" charset="77"/>
+                  <a:cs typeface="Geist Mono Bold" pitchFamily="2" charset="77"/>
+                </a:rPr>
+                <a:t>Árbol 1</a:t>
+              </a:r>
+            </a:p>
+          </p:txBody>
+        </p:sp>
+      </p:grpSp>
+      <p:grpSp>
+        <p:nvGrpSpPr>
+          <p:cNvPr id="39" name="Grupo 38">
+            <a:extLst>
+              <a:ext uri="{FF2B5EF4-FFF2-40B4-BE49-F238E27FC236}">
+                <a16:creationId xmlns:a16="http://schemas.microsoft.com/office/drawing/2014/main" id="{FA81C2C4-CD65-347C-B88D-4DF7C62FB377}"/>
+              </a:ext>
+            </a:extLst>
+          </p:cNvPr>
+          <p:cNvGrpSpPr/>
+          <p:nvPr/>
+        </p:nvGrpSpPr>
+        <p:grpSpPr>
+          <a:xfrm>
+            <a:off x="3007577" y="889286"/>
+            <a:ext cx="1898754" cy="1524914"/>
+            <a:chOff x="324762" y="1027308"/>
+            <a:chExt cx="1898754" cy="1524914"/>
+          </a:xfrm>
+        </p:grpSpPr>
+        <p:sp>
+          <p:nvSpPr>
+            <p:cNvPr id="41" name="Rectángulo redondeado 40">
+              <a:extLst>
+                <a:ext uri="{FF2B5EF4-FFF2-40B4-BE49-F238E27FC236}">
+                  <a16:creationId xmlns:a16="http://schemas.microsoft.com/office/drawing/2014/main" id="{51914255-C243-51D9-ABA0-1C976C85B215}"/>
+                </a:ext>
+              </a:extLst>
+            </p:cNvPr>
+            <p:cNvSpPr/>
+            <p:nvPr/>
+          </p:nvSpPr>
+          <p:spPr>
+            <a:xfrm>
+              <a:off x="324762" y="1027308"/>
+              <a:ext cx="1898754" cy="1524914"/>
+            </a:xfrm>
+            <a:prstGeom prst="roundRect">
+              <a:avLst/>
+            </a:prstGeom>
+          </p:spPr>
+          <p:style>
+            <a:lnRef idx="2">
+              <a:schemeClr val="accent6"/>
+            </a:lnRef>
+            <a:fillRef idx="1">
+              <a:schemeClr val="lt1"/>
+            </a:fillRef>
+            <a:effectRef idx="0">
+              <a:schemeClr val="accent6"/>
+            </a:effectRef>
+            <a:fontRef idx="minor">
+              <a:schemeClr val="dk1"/>
+            </a:fontRef>
+          </p:style>
+          <p:txBody>
+            <a:bodyPr rtlCol="0" anchor="ctr"/>
+            <a:lstStyle/>
+            <a:p>
+              <a:pPr algn="ctr"/>
+              <a:endParaRPr lang="es-ES" sz="1200" b="1" dirty="0">
+                <a:solidFill>
+                  <a:schemeClr val="dk1"/>
+                </a:solidFill>
+                <a:latin typeface="Geist Mono Bold" pitchFamily="2" charset="77"/>
+                <a:ea typeface="Geist Mono Bold" pitchFamily="2" charset="77"/>
+                <a:cs typeface="Geist Mono Bold" pitchFamily="2" charset="77"/>
+              </a:endParaRPr>
+            </a:p>
+          </p:txBody>
+        </p:sp>
+        <p:sp>
+          <p:nvSpPr>
+            <p:cNvPr id="43" name="Elipse 42">
+              <a:extLst>
+                <a:ext uri="{FF2B5EF4-FFF2-40B4-BE49-F238E27FC236}">
+                  <a16:creationId xmlns:a16="http://schemas.microsoft.com/office/drawing/2014/main" id="{8A33012E-7486-C554-A1EB-3619231D3E16}"/>
+                </a:ext>
+              </a:extLst>
+            </p:cNvPr>
+            <p:cNvSpPr/>
+            <p:nvPr/>
+          </p:nvSpPr>
+          <p:spPr>
+            <a:xfrm>
+              <a:off x="605780" y="1276709"/>
+              <a:ext cx="136800" cy="138023"/>
+            </a:xfrm>
+            <a:prstGeom prst="ellipse">
+              <a:avLst/>
+            </a:prstGeom>
+          </p:spPr>
+          <p:style>
+            <a:lnRef idx="2">
+              <a:schemeClr val="accent1">
+                <a:shade val="15000"/>
+              </a:schemeClr>
+            </a:lnRef>
+            <a:fillRef idx="1">
+              <a:schemeClr val="accent1"/>
+            </a:fillRef>
+            <a:effectRef idx="0">
+              <a:schemeClr val="accent1"/>
+            </a:effectRef>
+            <a:fontRef idx="minor">
+              <a:schemeClr val="lt1"/>
+            </a:fontRef>
+          </p:style>
+          <p:txBody>
+            <a:bodyPr rtlCol="0" anchor="ctr"/>
+            <a:lstStyle/>
+            <a:p>
+              <a:pPr algn="ctr"/>
+              <a:endParaRPr lang="es-ES"/>
+            </a:p>
+          </p:txBody>
+        </p:sp>
+        <p:sp>
+          <p:nvSpPr>
+            <p:cNvPr id="45" name="Elipse 44">
+              <a:extLst>
+                <a:ext uri="{FF2B5EF4-FFF2-40B4-BE49-F238E27FC236}">
+                  <a16:creationId xmlns:a16="http://schemas.microsoft.com/office/drawing/2014/main" id="{08BFDB60-CC2F-82D1-8987-598061EC7A92}"/>
+                </a:ext>
+              </a:extLst>
+            </p:cNvPr>
+            <p:cNvSpPr/>
+            <p:nvPr/>
+          </p:nvSpPr>
+          <p:spPr>
+            <a:xfrm>
+              <a:off x="758180" y="1429109"/>
+              <a:ext cx="136800" cy="138023"/>
+            </a:xfrm>
+            <a:prstGeom prst="ellipse">
+              <a:avLst/>
+            </a:prstGeom>
+          </p:spPr>
+          <p:style>
+            <a:lnRef idx="2">
+              <a:schemeClr val="accent1">
+                <a:shade val="15000"/>
+              </a:schemeClr>
+            </a:lnRef>
+            <a:fillRef idx="1">
+              <a:schemeClr val="accent1"/>
+            </a:fillRef>
+            <a:effectRef idx="0">
+              <a:schemeClr val="accent1"/>
+            </a:effectRef>
+            <a:fontRef idx="minor">
+              <a:schemeClr val="lt1"/>
+            </a:fontRef>
+          </p:style>
+          <p:txBody>
+            <a:bodyPr rtlCol="0" anchor="ctr"/>
+            <a:lstStyle/>
+            <a:p>
+              <a:pPr algn="ctr"/>
+              <a:endParaRPr lang="es-ES"/>
+            </a:p>
+          </p:txBody>
+        </p:sp>
+        <p:sp>
+          <p:nvSpPr>
+            <p:cNvPr id="46" name="Elipse 45">
+              <a:extLst>
+                <a:ext uri="{FF2B5EF4-FFF2-40B4-BE49-F238E27FC236}">
+                  <a16:creationId xmlns:a16="http://schemas.microsoft.com/office/drawing/2014/main" id="{E0F18CC5-E68C-251A-90B1-D6C63C4ABA78}"/>
+                </a:ext>
+              </a:extLst>
+            </p:cNvPr>
+            <p:cNvSpPr/>
+            <p:nvPr/>
+          </p:nvSpPr>
+          <p:spPr>
+            <a:xfrm>
+              <a:off x="1091616" y="1207697"/>
+              <a:ext cx="136800" cy="138023"/>
+            </a:xfrm>
+            <a:prstGeom prst="ellipse">
+              <a:avLst/>
+            </a:prstGeom>
+          </p:spPr>
+          <p:style>
+            <a:lnRef idx="2">
+              <a:schemeClr val="accent1">
+                <a:shade val="15000"/>
+              </a:schemeClr>
+            </a:lnRef>
+            <a:fillRef idx="1">
+              <a:schemeClr val="accent1"/>
+            </a:fillRef>
+            <a:effectRef idx="0">
+              <a:schemeClr val="accent1"/>
+            </a:effectRef>
+            <a:fontRef idx="minor">
+              <a:schemeClr val="lt1"/>
+            </a:fontRef>
+          </p:style>
+          <p:txBody>
+            <a:bodyPr rtlCol="0" anchor="ctr"/>
+            <a:lstStyle/>
+            <a:p>
+              <a:pPr algn="ctr"/>
+              <a:endParaRPr lang="es-ES"/>
+            </a:p>
+          </p:txBody>
+        </p:sp>
+        <p:sp>
+          <p:nvSpPr>
+            <p:cNvPr id="47" name="Elipse 46">
+              <a:extLst>
+                <a:ext uri="{FF2B5EF4-FFF2-40B4-BE49-F238E27FC236}">
+                  <a16:creationId xmlns:a16="http://schemas.microsoft.com/office/drawing/2014/main" id="{CC9E285B-C77C-1A0F-90C3-B8925F331C8D}"/>
+                </a:ext>
+              </a:extLst>
+            </p:cNvPr>
+            <p:cNvSpPr/>
+            <p:nvPr/>
+          </p:nvSpPr>
+          <p:spPr>
+            <a:xfrm>
+              <a:off x="1925621" y="1781138"/>
+              <a:ext cx="136800" cy="138023"/>
+            </a:xfrm>
+            <a:prstGeom prst="ellipse">
+              <a:avLst/>
+            </a:prstGeom>
+          </p:spPr>
+          <p:style>
+            <a:lnRef idx="2">
+              <a:schemeClr val="accent1">
+                <a:shade val="15000"/>
+              </a:schemeClr>
+            </a:lnRef>
+            <a:fillRef idx="1">
+              <a:schemeClr val="accent1"/>
+            </a:fillRef>
+            <a:effectRef idx="0">
+              <a:schemeClr val="accent1"/>
+            </a:effectRef>
+            <a:fontRef idx="minor">
+              <a:schemeClr val="lt1"/>
+            </a:fontRef>
+          </p:style>
+          <p:txBody>
+            <a:bodyPr rtlCol="0" anchor="ctr"/>
+            <a:lstStyle/>
+            <a:p>
+              <a:pPr algn="ctr"/>
+              <a:endParaRPr lang="es-ES"/>
+            </a:p>
+          </p:txBody>
+        </p:sp>
+        <p:sp>
+          <p:nvSpPr>
+            <p:cNvPr id="48" name="Elipse 47">
+              <a:extLst>
+                <a:ext uri="{FF2B5EF4-FFF2-40B4-BE49-F238E27FC236}">
+                  <a16:creationId xmlns:a16="http://schemas.microsoft.com/office/drawing/2014/main" id="{184A668A-302F-157A-33D3-281C7C8EC7A2}"/>
+                </a:ext>
+              </a:extLst>
+            </p:cNvPr>
+            <p:cNvSpPr/>
+            <p:nvPr/>
+          </p:nvSpPr>
+          <p:spPr>
+            <a:xfrm>
+              <a:off x="1569063" y="1213447"/>
+              <a:ext cx="136800" cy="138023"/>
+            </a:xfrm>
+            <a:prstGeom prst="ellipse">
+              <a:avLst/>
+            </a:prstGeom>
+          </p:spPr>
+          <p:style>
+            <a:lnRef idx="2">
+              <a:schemeClr val="accent1">
+                <a:shade val="15000"/>
+              </a:schemeClr>
+            </a:lnRef>
+            <a:fillRef idx="1">
+              <a:schemeClr val="accent1"/>
+            </a:fillRef>
+            <a:effectRef idx="0">
+              <a:schemeClr val="accent1"/>
+            </a:effectRef>
+            <a:fontRef idx="minor">
+              <a:schemeClr val="lt1"/>
+            </a:fontRef>
+          </p:style>
+          <p:txBody>
+            <a:bodyPr rtlCol="0" anchor="ctr"/>
+            <a:lstStyle/>
+            <a:p>
+              <a:pPr algn="ctr"/>
+              <a:endParaRPr lang="es-ES"/>
+            </a:p>
+          </p:txBody>
+        </p:sp>
+        <p:sp>
+          <p:nvSpPr>
+            <p:cNvPr id="56" name="Elipse 55">
+              <a:extLst>
+                <a:ext uri="{FF2B5EF4-FFF2-40B4-BE49-F238E27FC236}">
+                  <a16:creationId xmlns:a16="http://schemas.microsoft.com/office/drawing/2014/main" id="{C4D9466A-B2A3-9E5A-C61D-2A5D44E11E2F}"/>
+                </a:ext>
+              </a:extLst>
+            </p:cNvPr>
+            <p:cNvSpPr/>
+            <p:nvPr/>
+          </p:nvSpPr>
+          <p:spPr>
+            <a:xfrm>
+              <a:off x="445680" y="2262899"/>
+              <a:ext cx="136800" cy="138023"/>
+            </a:xfrm>
+            <a:prstGeom prst="ellipse">
+              <a:avLst/>
+            </a:prstGeom>
+          </p:spPr>
+          <p:style>
+            <a:lnRef idx="2">
+              <a:schemeClr val="accent1">
+                <a:shade val="15000"/>
+              </a:schemeClr>
+            </a:lnRef>
+            <a:fillRef idx="1">
+              <a:schemeClr val="accent1"/>
+            </a:fillRef>
+            <a:effectRef idx="0">
+              <a:schemeClr val="accent1"/>
+            </a:effectRef>
+            <a:fontRef idx="minor">
+              <a:schemeClr val="lt1"/>
+            </a:fontRef>
+          </p:style>
+          <p:txBody>
+            <a:bodyPr rtlCol="0" anchor="ctr"/>
+            <a:lstStyle/>
+            <a:p>
+              <a:pPr algn="ctr"/>
+              <a:endParaRPr lang="es-ES"/>
+            </a:p>
+          </p:txBody>
+        </p:sp>
+        <p:sp>
+          <p:nvSpPr>
+            <p:cNvPr id="60" name="Elipse 59">
+              <a:extLst>
+                <a:ext uri="{FF2B5EF4-FFF2-40B4-BE49-F238E27FC236}">
+                  <a16:creationId xmlns:a16="http://schemas.microsoft.com/office/drawing/2014/main" id="{7E6E96DF-C589-8983-D3E2-642BD9C00237}"/>
+                </a:ext>
+              </a:extLst>
+            </p:cNvPr>
+            <p:cNvSpPr/>
+            <p:nvPr/>
+          </p:nvSpPr>
+          <p:spPr>
+            <a:xfrm>
+              <a:off x="926819" y="2102297"/>
+              <a:ext cx="136800" cy="138023"/>
+            </a:xfrm>
+            <a:prstGeom prst="ellipse">
+              <a:avLst/>
+            </a:prstGeom>
+          </p:spPr>
+          <p:style>
+            <a:lnRef idx="2">
+              <a:schemeClr val="accent1">
+                <a:shade val="15000"/>
+              </a:schemeClr>
+            </a:lnRef>
+            <a:fillRef idx="1">
+              <a:schemeClr val="accent1"/>
+            </a:fillRef>
+            <a:effectRef idx="0">
+              <a:schemeClr val="accent1"/>
+            </a:effectRef>
+            <a:fontRef idx="minor">
+              <a:schemeClr val="lt1"/>
+            </a:fontRef>
+          </p:style>
+          <p:txBody>
+            <a:bodyPr rtlCol="0" anchor="ctr"/>
+            <a:lstStyle/>
+            <a:p>
+              <a:pPr algn="ctr"/>
+              <a:endParaRPr lang="es-ES"/>
+            </a:p>
+          </p:txBody>
+        </p:sp>
+        <p:sp>
+          <p:nvSpPr>
+            <p:cNvPr id="62" name="Elipse 61">
+              <a:extLst>
+                <a:ext uri="{FF2B5EF4-FFF2-40B4-BE49-F238E27FC236}">
+                  <a16:creationId xmlns:a16="http://schemas.microsoft.com/office/drawing/2014/main" id="{1592F7FE-234F-02B7-036F-2D9788441964}"/>
+                </a:ext>
+              </a:extLst>
+            </p:cNvPr>
+            <p:cNvSpPr/>
+            <p:nvPr/>
+          </p:nvSpPr>
+          <p:spPr>
+            <a:xfrm>
+              <a:off x="1567048" y="2226156"/>
+              <a:ext cx="136800" cy="138023"/>
+            </a:xfrm>
+            <a:prstGeom prst="ellipse">
+              <a:avLst/>
+            </a:prstGeom>
+          </p:spPr>
+          <p:style>
+            <a:lnRef idx="2">
+              <a:schemeClr val="accent1">
+                <a:shade val="15000"/>
+              </a:schemeClr>
+            </a:lnRef>
+            <a:fillRef idx="1">
+              <a:schemeClr val="accent1"/>
+            </a:fillRef>
+            <a:effectRef idx="0">
+              <a:schemeClr val="accent1"/>
+            </a:effectRef>
+            <a:fontRef idx="minor">
+              <a:schemeClr val="lt1"/>
+            </a:fontRef>
+          </p:style>
+          <p:txBody>
+            <a:bodyPr rtlCol="0" anchor="ctr"/>
+            <a:lstStyle/>
+            <a:p>
+              <a:pPr algn="ctr"/>
+              <a:endParaRPr lang="es-ES"/>
+            </a:p>
+          </p:txBody>
+        </p:sp>
+        <p:sp>
+          <p:nvSpPr>
+            <p:cNvPr id="63" name="Elipse 62">
+              <a:extLst>
+                <a:ext uri="{FF2B5EF4-FFF2-40B4-BE49-F238E27FC236}">
+                  <a16:creationId xmlns:a16="http://schemas.microsoft.com/office/drawing/2014/main" id="{485C8491-9D73-4503-FF85-5B0DF697DD3F}"/>
+                </a:ext>
+              </a:extLst>
+            </p:cNvPr>
+            <p:cNvSpPr/>
+            <p:nvPr/>
+          </p:nvSpPr>
+          <p:spPr>
+            <a:xfrm>
+              <a:off x="1569063" y="1899032"/>
+              <a:ext cx="136800" cy="138023"/>
+            </a:xfrm>
+            <a:prstGeom prst="ellipse">
+              <a:avLst/>
+            </a:prstGeom>
+          </p:spPr>
+          <p:style>
+            <a:lnRef idx="2">
+              <a:schemeClr val="accent1">
+                <a:shade val="15000"/>
+              </a:schemeClr>
+            </a:lnRef>
+            <a:fillRef idx="1">
+              <a:schemeClr val="accent1"/>
+            </a:fillRef>
+            <a:effectRef idx="0">
+              <a:schemeClr val="accent1"/>
+            </a:effectRef>
+            <a:fontRef idx="minor">
+              <a:schemeClr val="lt1"/>
+            </a:fontRef>
+          </p:style>
+          <p:txBody>
+            <a:bodyPr rtlCol="0" anchor="ctr"/>
+            <a:lstStyle/>
+            <a:p>
+              <a:pPr algn="ctr"/>
+              <a:endParaRPr lang="es-ES"/>
+            </a:p>
+          </p:txBody>
+        </p:sp>
+        <p:sp>
+          <p:nvSpPr>
+            <p:cNvPr id="65" name="Elipse 64">
+              <a:extLst>
+                <a:ext uri="{FF2B5EF4-FFF2-40B4-BE49-F238E27FC236}">
+                  <a16:creationId xmlns:a16="http://schemas.microsoft.com/office/drawing/2014/main" id="{D1A5BCF7-92A6-1ABA-E5C3-2DB144DE4386}"/>
+                </a:ext>
+              </a:extLst>
+            </p:cNvPr>
+            <p:cNvSpPr/>
+            <p:nvPr/>
+          </p:nvSpPr>
+          <p:spPr>
+            <a:xfrm>
+              <a:off x="1430248" y="1524844"/>
+              <a:ext cx="136800" cy="138023"/>
+            </a:xfrm>
+            <a:prstGeom prst="ellipse">
+              <a:avLst/>
+            </a:prstGeom>
+          </p:spPr>
+          <p:style>
+            <a:lnRef idx="2">
+              <a:schemeClr val="accent1">
+                <a:shade val="15000"/>
+              </a:schemeClr>
+            </a:lnRef>
+            <a:fillRef idx="1">
+              <a:schemeClr val="accent1"/>
+            </a:fillRef>
+            <a:effectRef idx="0">
+              <a:schemeClr val="accent1"/>
+            </a:effectRef>
+            <a:fontRef idx="minor">
+              <a:schemeClr val="lt1"/>
+            </a:fontRef>
+          </p:style>
+          <p:txBody>
+            <a:bodyPr rtlCol="0" anchor="ctr"/>
+            <a:lstStyle/>
+            <a:p>
+              <a:pPr algn="ctr"/>
+              <a:endParaRPr lang="es-ES"/>
+            </a:p>
+          </p:txBody>
+        </p:sp>
+        <p:sp>
+          <p:nvSpPr>
+            <p:cNvPr id="71" name="Elipse 70">
+              <a:extLst>
+                <a:ext uri="{FF2B5EF4-FFF2-40B4-BE49-F238E27FC236}">
+                  <a16:creationId xmlns:a16="http://schemas.microsoft.com/office/drawing/2014/main" id="{B0DA6E74-335B-F602-E3CA-5143480B5F85}"/>
+                </a:ext>
+              </a:extLst>
+            </p:cNvPr>
+            <p:cNvSpPr/>
+            <p:nvPr/>
+          </p:nvSpPr>
+          <p:spPr>
+            <a:xfrm>
+              <a:off x="427303" y="1729968"/>
+              <a:ext cx="136800" cy="138023"/>
+            </a:xfrm>
+            <a:prstGeom prst="ellipse">
+              <a:avLst/>
+            </a:prstGeom>
+          </p:spPr>
+          <p:style>
+            <a:lnRef idx="2">
+              <a:schemeClr val="accent1">
+                <a:shade val="15000"/>
+              </a:schemeClr>
+            </a:lnRef>
+            <a:fillRef idx="1">
+              <a:schemeClr val="accent1"/>
+            </a:fillRef>
+            <a:effectRef idx="0">
+              <a:schemeClr val="accent1"/>
+            </a:effectRef>
+            <a:fontRef idx="minor">
+              <a:schemeClr val="lt1"/>
+            </a:fontRef>
+          </p:style>
+          <p:txBody>
+            <a:bodyPr rtlCol="0" anchor="ctr"/>
+            <a:lstStyle/>
+            <a:p>
+              <a:pPr algn="ctr"/>
+              <a:endParaRPr lang="es-ES"/>
+            </a:p>
+          </p:txBody>
+        </p:sp>
+        <p:sp>
+          <p:nvSpPr>
+            <p:cNvPr id="72" name="Elipse 71">
+              <a:extLst>
+                <a:ext uri="{FF2B5EF4-FFF2-40B4-BE49-F238E27FC236}">
+                  <a16:creationId xmlns:a16="http://schemas.microsoft.com/office/drawing/2014/main" id="{56A3012B-FE9F-3D99-1E5E-6E53AED20AA5}"/>
+                </a:ext>
+              </a:extLst>
+            </p:cNvPr>
+            <p:cNvSpPr/>
+            <p:nvPr/>
+          </p:nvSpPr>
+          <p:spPr>
+            <a:xfrm>
+              <a:off x="1194449" y="1899032"/>
+              <a:ext cx="136800" cy="138023"/>
+            </a:xfrm>
+            <a:prstGeom prst="ellipse">
+              <a:avLst/>
+            </a:prstGeom>
+          </p:spPr>
+          <p:style>
+            <a:lnRef idx="2">
+              <a:schemeClr val="accent1">
+                <a:shade val="15000"/>
+              </a:schemeClr>
+            </a:lnRef>
+            <a:fillRef idx="1">
+              <a:schemeClr val="accent1"/>
+            </a:fillRef>
+            <a:effectRef idx="0">
+              <a:schemeClr val="accent1"/>
+            </a:effectRef>
+            <a:fontRef idx="minor">
+              <a:schemeClr val="lt1"/>
+            </a:fontRef>
+          </p:style>
+          <p:txBody>
+            <a:bodyPr rtlCol="0" anchor="ctr"/>
+            <a:lstStyle/>
+            <a:p>
+              <a:pPr algn="ctr"/>
+              <a:endParaRPr lang="es-ES"/>
+            </a:p>
+          </p:txBody>
+        </p:sp>
+        <p:sp>
+          <p:nvSpPr>
+            <p:cNvPr id="73" name="Elipse 72">
+              <a:extLst>
+                <a:ext uri="{FF2B5EF4-FFF2-40B4-BE49-F238E27FC236}">
+                  <a16:creationId xmlns:a16="http://schemas.microsoft.com/office/drawing/2014/main" id="{4BDA8A0E-199C-A818-0E70-650E68C1537F}"/>
+                </a:ext>
+              </a:extLst>
+            </p:cNvPr>
+            <p:cNvSpPr/>
+            <p:nvPr/>
+          </p:nvSpPr>
+          <p:spPr>
+            <a:xfrm>
+              <a:off x="713993" y="1690718"/>
+              <a:ext cx="236131" cy="237600"/>
+            </a:xfrm>
+            <a:prstGeom prst="ellipse">
+              <a:avLst/>
+            </a:prstGeom>
+            <a:solidFill>
+              <a:srgbClr val="FF0000">
+                <a:alpha val="50588"/>
+              </a:srgbClr>
+            </a:solidFill>
+          </p:spPr>
+          <p:style>
+            <a:lnRef idx="2">
+              <a:schemeClr val="accent1">
+                <a:shade val="15000"/>
+              </a:schemeClr>
+            </a:lnRef>
+            <a:fillRef idx="1">
+              <a:schemeClr val="accent1"/>
+            </a:fillRef>
+            <a:effectRef idx="0">
+              <a:schemeClr val="accent1"/>
+            </a:effectRef>
+            <a:fontRef idx="minor">
+              <a:schemeClr val="lt1"/>
+            </a:fontRef>
+          </p:style>
+          <p:txBody>
+            <a:bodyPr rtlCol="0" anchor="ctr"/>
+            <a:lstStyle/>
+            <a:p>
+              <a:pPr algn="ctr"/>
+              <a:endParaRPr lang="es-ES"/>
+            </a:p>
+          </p:txBody>
+        </p:sp>
+        <p:sp>
+          <p:nvSpPr>
+            <p:cNvPr id="74" name="Elipse 73">
+              <a:extLst>
+                <a:ext uri="{FF2B5EF4-FFF2-40B4-BE49-F238E27FC236}">
+                  <a16:creationId xmlns:a16="http://schemas.microsoft.com/office/drawing/2014/main" id="{8C5F1A8A-D6F8-5E45-C298-11599627EEB6}"/>
+                </a:ext>
+              </a:extLst>
+            </p:cNvPr>
+            <p:cNvSpPr/>
+            <p:nvPr/>
+          </p:nvSpPr>
+          <p:spPr>
+            <a:xfrm>
+              <a:off x="1777216" y="1379320"/>
+              <a:ext cx="236131" cy="237600"/>
+            </a:xfrm>
+            <a:prstGeom prst="ellipse">
+              <a:avLst/>
+            </a:prstGeom>
+            <a:solidFill>
+              <a:srgbClr val="FF0000">
+                <a:alpha val="50588"/>
+              </a:srgbClr>
+            </a:solidFill>
+          </p:spPr>
+          <p:style>
+            <a:lnRef idx="2">
+              <a:schemeClr val="accent1">
+                <a:shade val="15000"/>
+              </a:schemeClr>
+            </a:lnRef>
+            <a:fillRef idx="1">
+              <a:schemeClr val="accent1"/>
+            </a:fillRef>
+            <a:effectRef idx="0">
+              <a:schemeClr val="accent1"/>
+            </a:effectRef>
+            <a:fontRef idx="minor">
+              <a:schemeClr val="lt1"/>
+            </a:fontRef>
+          </p:style>
+          <p:txBody>
+            <a:bodyPr rtlCol="0" anchor="ctr"/>
+            <a:lstStyle/>
+            <a:p>
+              <a:pPr algn="ctr"/>
+              <a:endParaRPr lang="es-ES"/>
+            </a:p>
+          </p:txBody>
+        </p:sp>
+        <p:sp>
+          <p:nvSpPr>
+            <p:cNvPr id="75" name="Elipse 74">
+              <a:extLst>
+                <a:ext uri="{FF2B5EF4-FFF2-40B4-BE49-F238E27FC236}">
+                  <a16:creationId xmlns:a16="http://schemas.microsoft.com/office/drawing/2014/main" id="{4E507BCC-F201-27A4-B4CE-5B75116D0978}"/>
+                </a:ext>
+              </a:extLst>
+            </p:cNvPr>
+            <p:cNvSpPr/>
+            <p:nvPr/>
+          </p:nvSpPr>
+          <p:spPr>
+            <a:xfrm>
+              <a:off x="1845616" y="2077697"/>
+              <a:ext cx="236131" cy="237600"/>
+            </a:xfrm>
+            <a:prstGeom prst="ellipse">
+              <a:avLst/>
+            </a:prstGeom>
+            <a:solidFill>
+              <a:srgbClr val="FF0000">
+                <a:alpha val="50588"/>
+              </a:srgbClr>
+            </a:solidFill>
+          </p:spPr>
+          <p:style>
+            <a:lnRef idx="2">
+              <a:schemeClr val="accent1">
+                <a:shade val="15000"/>
+              </a:schemeClr>
+            </a:lnRef>
+            <a:fillRef idx="1">
+              <a:schemeClr val="accent1"/>
+            </a:fillRef>
+            <a:effectRef idx="0">
+              <a:schemeClr val="accent1"/>
+            </a:effectRef>
+            <a:fontRef idx="minor">
+              <a:schemeClr val="lt1"/>
+            </a:fontRef>
+          </p:style>
+          <p:txBody>
+            <a:bodyPr rtlCol="0" anchor="ctr"/>
+            <a:lstStyle/>
+            <a:p>
+              <a:pPr algn="ctr"/>
+              <a:endParaRPr lang="es-ES"/>
+            </a:p>
+          </p:txBody>
+        </p:sp>
+      </p:grpSp>
+      <p:sp>
+        <p:nvSpPr>
+          <p:cNvPr id="103" name="Flecha abajo 102">
+            <a:extLst>
+              <a:ext uri="{FF2B5EF4-FFF2-40B4-BE49-F238E27FC236}">
+                <a16:creationId xmlns:a16="http://schemas.microsoft.com/office/drawing/2014/main" id="{68242FC3-D2FF-9D83-A634-9C822FFA250A}"/>
+              </a:ext>
+            </a:extLst>
+          </p:cNvPr>
+          <p:cNvSpPr/>
+          <p:nvPr/>
+        </p:nvSpPr>
+        <p:spPr>
+          <a:xfrm>
+            <a:off x="1265688" y="2465969"/>
+            <a:ext cx="254564" cy="690113"/>
+          </a:xfrm>
+          <a:prstGeom prst="downArrow">
+            <a:avLst/>
+          </a:prstGeom>
+        </p:spPr>
+        <p:style>
+          <a:lnRef idx="2">
+            <a:schemeClr val="accent3">
+              <a:shade val="15000"/>
+            </a:schemeClr>
+          </a:lnRef>
+          <a:fillRef idx="1">
+            <a:schemeClr val="accent3"/>
+          </a:fillRef>
+          <a:effectRef idx="0">
+            <a:schemeClr val="accent3"/>
+          </a:effectRef>
+          <a:fontRef idx="minor">
+            <a:schemeClr val="lt1"/>
+          </a:fontRef>
+        </p:style>
+        <p:txBody>
+          <a:bodyPr rtlCol="0" anchor="ctr"/>
+          <a:lstStyle/>
+          <a:p>
+            <a:pPr algn="ctr"/>
+            <a:endParaRPr lang="es-ES"/>
+          </a:p>
+        </p:txBody>
+      </p:sp>
+      <p:sp>
+        <p:nvSpPr>
+          <p:cNvPr id="104" name="CuadroTexto 103">
+            <a:extLst>
+              <a:ext uri="{FF2B5EF4-FFF2-40B4-BE49-F238E27FC236}">
+                <a16:creationId xmlns:a16="http://schemas.microsoft.com/office/drawing/2014/main" id="{9DCC381D-DAD9-7A68-CBE9-C35D8F23089F}"/>
+              </a:ext>
+            </a:extLst>
+          </p:cNvPr>
+          <p:cNvSpPr txBox="1"/>
+          <p:nvPr/>
+        </p:nvSpPr>
+        <p:spPr>
+          <a:xfrm>
+            <a:off x="511172" y="2565713"/>
+            <a:ext cx="802213" cy="261610"/>
+          </a:xfrm>
+          <a:prstGeom prst="rect">
+            <a:avLst/>
+          </a:prstGeom>
+          <a:noFill/>
+        </p:spPr>
+        <p:txBody>
+          <a:bodyPr wrap="square" rtlCol="0">
+            <a:spAutoFit/>
+          </a:bodyPr>
+          <a:lstStyle/>
+          <a:p>
+            <a:pPr algn="ctr"/>
+            <a:r>
+              <a:rPr lang="es-ES" sz="1100" b="1" dirty="0">
+                <a:latin typeface="Geist Mono Bold" pitchFamily="2" charset="77"/>
+                <a:ea typeface="Geist Mono Bold" pitchFamily="2" charset="77"/>
+                <a:cs typeface="Geist Mono Bold" pitchFamily="2" charset="77"/>
+              </a:rPr>
+              <a:t>Train</a:t>
+            </a:r>
+          </a:p>
+        </p:txBody>
+      </p:sp>
+      <p:sp>
+        <p:nvSpPr>
+          <p:cNvPr id="105" name="Flecha abajo 104">
+            <a:extLst>
+              <a:ext uri="{FF2B5EF4-FFF2-40B4-BE49-F238E27FC236}">
+                <a16:creationId xmlns:a16="http://schemas.microsoft.com/office/drawing/2014/main" id="{9F77572C-9D44-3DA5-C31E-D59FC2CA5D49}"/>
+              </a:ext>
+            </a:extLst>
+          </p:cNvPr>
+          <p:cNvSpPr/>
+          <p:nvPr/>
+        </p:nvSpPr>
+        <p:spPr>
+          <a:xfrm rot="13527141">
+            <a:off x="2386074" y="2479516"/>
+            <a:ext cx="254564" cy="690113"/>
+          </a:xfrm>
+          <a:prstGeom prst="downArrow">
+            <a:avLst/>
+          </a:prstGeom>
+        </p:spPr>
+        <p:style>
+          <a:lnRef idx="2">
+            <a:schemeClr val="accent3">
+              <a:shade val="15000"/>
+            </a:schemeClr>
+          </a:lnRef>
+          <a:fillRef idx="1">
+            <a:schemeClr val="accent3"/>
+          </a:fillRef>
+          <a:effectRef idx="0">
+            <a:schemeClr val="accent3"/>
+          </a:effectRef>
+          <a:fontRef idx="minor">
+            <a:schemeClr val="lt1"/>
+          </a:fontRef>
+        </p:style>
+        <p:txBody>
+          <a:bodyPr rtlCol="0" anchor="ctr"/>
+          <a:lstStyle/>
+          <a:p>
+            <a:pPr algn="ctr"/>
+            <a:endParaRPr lang="es-ES"/>
+          </a:p>
+        </p:txBody>
+      </p:sp>
+      <p:sp>
+        <p:nvSpPr>
+          <p:cNvPr id="107" name="CuadroTexto 106">
+            <a:extLst>
+              <a:ext uri="{FF2B5EF4-FFF2-40B4-BE49-F238E27FC236}">
+                <a16:creationId xmlns:a16="http://schemas.microsoft.com/office/drawing/2014/main" id="{A41C4313-9C01-1919-B8AE-3B12B6B17D5E}"/>
+              </a:ext>
+            </a:extLst>
+          </p:cNvPr>
+          <p:cNvSpPr txBox="1"/>
+          <p:nvPr/>
+        </p:nvSpPr>
+        <p:spPr>
+          <a:xfrm>
+            <a:off x="1797306" y="2622417"/>
+            <a:ext cx="802213" cy="261610"/>
+          </a:xfrm>
+          <a:prstGeom prst="rect">
+            <a:avLst/>
+          </a:prstGeom>
+          <a:noFill/>
+        </p:spPr>
+        <p:txBody>
+          <a:bodyPr wrap="square" rtlCol="0">
+            <a:spAutoFit/>
+          </a:bodyPr>
+          <a:lstStyle/>
+          <a:p>
+            <a:pPr algn="ctr"/>
+            <a:r>
+              <a:rPr lang="es-ES" sz="1100" b="1" dirty="0">
+                <a:latin typeface="Geist Mono Bold" pitchFamily="2" charset="77"/>
+                <a:ea typeface="Geist Mono Bold" pitchFamily="2" charset="77"/>
+                <a:cs typeface="Geist Mono Bold" pitchFamily="2" charset="77"/>
+              </a:rPr>
+              <a:t>Test</a:t>
+            </a:r>
+          </a:p>
+        </p:txBody>
+      </p:sp>
+      <p:grpSp>
+        <p:nvGrpSpPr>
+          <p:cNvPr id="108" name="Grupo 107">
+            <a:extLst>
+              <a:ext uri="{FF2B5EF4-FFF2-40B4-BE49-F238E27FC236}">
+                <a16:creationId xmlns:a16="http://schemas.microsoft.com/office/drawing/2014/main" id="{D352625B-1717-BC18-DBC2-658583722904}"/>
+              </a:ext>
+            </a:extLst>
+          </p:cNvPr>
+          <p:cNvGrpSpPr/>
+          <p:nvPr/>
+        </p:nvGrpSpPr>
+        <p:grpSpPr>
+          <a:xfrm>
+            <a:off x="3152554" y="3506649"/>
+            <a:ext cx="1498318" cy="1400556"/>
+            <a:chOff x="479257" y="2768986"/>
+            <a:chExt cx="1498318" cy="1400556"/>
+          </a:xfrm>
+        </p:grpSpPr>
+        <p:grpSp>
+          <p:nvGrpSpPr>
+            <p:cNvPr id="109" name="Grupo 108">
+              <a:extLst>
+                <a:ext uri="{FF2B5EF4-FFF2-40B4-BE49-F238E27FC236}">
+                  <a16:creationId xmlns:a16="http://schemas.microsoft.com/office/drawing/2014/main" id="{C7BD1448-0B40-396F-5942-83A551AE77FC}"/>
+                </a:ext>
+              </a:extLst>
+            </p:cNvPr>
+            <p:cNvGrpSpPr/>
+            <p:nvPr/>
+          </p:nvGrpSpPr>
+          <p:grpSpPr>
+            <a:xfrm>
+              <a:off x="605780" y="3049758"/>
+              <a:ext cx="1186794" cy="1119784"/>
+              <a:chOff x="112138" y="685800"/>
+              <a:chExt cx="11049237" cy="5214669"/>
+            </a:xfrm>
+          </p:grpSpPr>
+          <p:sp>
+            <p:nvSpPr>
+              <p:cNvPr id="199" name="Rectángulo redondeado 198">
+                <a:extLst>
+                  <a:ext uri="{FF2B5EF4-FFF2-40B4-BE49-F238E27FC236}">
+                    <a16:creationId xmlns:a16="http://schemas.microsoft.com/office/drawing/2014/main" id="{B155F492-8F3E-9300-00BB-6F80C682F04F}"/>
+                  </a:ext>
+                </a:extLst>
+              </p:cNvPr>
+              <p:cNvSpPr/>
+              <p:nvPr/>
+            </p:nvSpPr>
+            <p:spPr>
+              <a:xfrm>
+                <a:off x="4544991" y="685800"/>
+                <a:ext cx="2323548" cy="347870"/>
+              </a:xfrm>
+              <a:prstGeom prst="roundRect">
+                <a:avLst/>
+              </a:prstGeom>
+            </p:spPr>
+            <p:style>
+              <a:lnRef idx="2">
+                <a:schemeClr val="accent2"/>
+              </a:lnRef>
+              <a:fillRef idx="1">
+                <a:schemeClr val="lt1"/>
+              </a:fillRef>
+              <a:effectRef idx="0">
+                <a:schemeClr val="accent2"/>
+              </a:effectRef>
+              <a:fontRef idx="minor">
+                <a:schemeClr val="dk1"/>
+              </a:fontRef>
+            </p:style>
+            <p:txBody>
+              <a:bodyPr rtlCol="0" anchor="ctr"/>
+              <a:lstStyle/>
+              <a:p>
+                <a:pPr algn="ctr"/>
+                <a:endParaRPr lang="es-ES" dirty="0">
+                  <a:latin typeface="Geist Mono" pitchFamily="2" charset="77"/>
+                  <a:ea typeface="Geist Mono" pitchFamily="2" charset="77"/>
+                  <a:cs typeface="Geist Mono" pitchFamily="2" charset="77"/>
+                </a:endParaRPr>
+              </a:p>
+            </p:txBody>
+          </p:sp>
+          <p:grpSp>
+            <p:nvGrpSpPr>
+              <p:cNvPr id="210" name="Grupo 209">
+                <a:extLst>
+                  <a:ext uri="{FF2B5EF4-FFF2-40B4-BE49-F238E27FC236}">
+                    <a16:creationId xmlns:a16="http://schemas.microsoft.com/office/drawing/2014/main" id="{3C6C3A51-B028-53EF-CB81-2031CC86A616}"/>
+                  </a:ext>
+                </a:extLst>
+              </p:cNvPr>
+              <p:cNvGrpSpPr/>
+              <p:nvPr/>
+            </p:nvGrpSpPr>
+            <p:grpSpPr>
+              <a:xfrm>
+                <a:off x="2891679" y="1033670"/>
+                <a:ext cx="5727501" cy="917400"/>
+                <a:chOff x="2779540" y="1033670"/>
+                <a:chExt cx="5727501" cy="917400"/>
+              </a:xfrm>
+            </p:grpSpPr>
+            <p:cxnSp>
+              <p:nvCxnSpPr>
+                <p:cNvPr id="245" name="Conector recto 244">
+                  <a:extLst>
+                    <a:ext uri="{FF2B5EF4-FFF2-40B4-BE49-F238E27FC236}">
+                      <a16:creationId xmlns:a16="http://schemas.microsoft.com/office/drawing/2014/main" id="{B5A1526A-C13E-92B2-3192-932D5DC3FEFF}"/>
+                    </a:ext>
+                  </a:extLst>
+                </p:cNvPr>
+                <p:cNvCxnSpPr>
+                  <a:stCxn id="199" idx="2"/>
+                </p:cNvCxnSpPr>
+                <p:nvPr/>
+              </p:nvCxnSpPr>
+              <p:spPr>
+                <a:xfrm>
+                  <a:off x="5706765" y="1033670"/>
+                  <a:ext cx="3917" cy="458700"/>
+                </a:xfrm>
+                <a:prstGeom prst="line">
+                  <a:avLst/>
+                </a:prstGeom>
+              </p:spPr>
+              <p:style>
+                <a:lnRef idx="2">
+                  <a:schemeClr val="accent2"/>
+                </a:lnRef>
+                <a:fillRef idx="0">
+                  <a:schemeClr val="accent2"/>
+                </a:fillRef>
+                <a:effectRef idx="1">
+                  <a:schemeClr val="accent2"/>
+                </a:effectRef>
+                <a:fontRef idx="minor">
+                  <a:schemeClr val="tx1"/>
+                </a:fontRef>
+              </p:style>
+            </p:cxnSp>
+            <p:grpSp>
+              <p:nvGrpSpPr>
+                <p:cNvPr id="246" name="Grupo 245">
+                  <a:extLst>
+                    <a:ext uri="{FF2B5EF4-FFF2-40B4-BE49-F238E27FC236}">
+                      <a16:creationId xmlns:a16="http://schemas.microsoft.com/office/drawing/2014/main" id="{5EA5C4BB-9EC3-D267-2BEB-55B892103284}"/>
+                    </a:ext>
+                  </a:extLst>
+                </p:cNvPr>
+                <p:cNvGrpSpPr/>
+                <p:nvPr/>
+              </p:nvGrpSpPr>
+              <p:grpSpPr>
+                <a:xfrm>
+                  <a:off x="2779540" y="1492370"/>
+                  <a:ext cx="5727501" cy="458700"/>
+                  <a:chOff x="2779540" y="1492370"/>
+                  <a:chExt cx="5727501" cy="458700"/>
+                </a:xfrm>
+              </p:grpSpPr>
+              <p:cxnSp>
+                <p:nvCxnSpPr>
+                  <p:cNvPr id="247" name="Conector recto 246">
+                    <a:extLst>
+                      <a:ext uri="{FF2B5EF4-FFF2-40B4-BE49-F238E27FC236}">
+                        <a16:creationId xmlns:a16="http://schemas.microsoft.com/office/drawing/2014/main" id="{E30B0825-75B7-D649-FC57-D8F1086EF033}"/>
+                      </a:ext>
+                    </a:extLst>
+                  </p:cNvPr>
+                  <p:cNvCxnSpPr>
+                    <a:cxnSpLocks/>
+                  </p:cNvCxnSpPr>
+                  <p:nvPr/>
+                </p:nvCxnSpPr>
+                <p:spPr>
+                  <a:xfrm>
+                    <a:off x="2779540" y="1492370"/>
+                    <a:ext cx="5726105" cy="0"/>
+                  </a:xfrm>
+                  <a:prstGeom prst="line">
+                    <a:avLst/>
+                  </a:prstGeom>
+                </p:spPr>
+                <p:style>
+                  <a:lnRef idx="2">
+                    <a:schemeClr val="accent2"/>
+                  </a:lnRef>
+                  <a:fillRef idx="0">
+                    <a:schemeClr val="accent2"/>
+                  </a:fillRef>
+                  <a:effectRef idx="1">
+                    <a:schemeClr val="accent2"/>
+                  </a:effectRef>
+                  <a:fontRef idx="minor">
+                    <a:schemeClr val="tx1"/>
+                  </a:fontRef>
+                </p:style>
+              </p:cxnSp>
+              <p:cxnSp>
+                <p:nvCxnSpPr>
+                  <p:cNvPr id="248" name="Conector recto 247">
+                    <a:extLst>
+                      <a:ext uri="{FF2B5EF4-FFF2-40B4-BE49-F238E27FC236}">
+                        <a16:creationId xmlns:a16="http://schemas.microsoft.com/office/drawing/2014/main" id="{20ACADDF-77D8-A12B-3B4D-396C014592A7}"/>
+                      </a:ext>
+                    </a:extLst>
+                  </p:cNvPr>
+                  <p:cNvCxnSpPr/>
+                  <p:nvPr/>
+                </p:nvCxnSpPr>
+                <p:spPr>
+                  <a:xfrm>
+                    <a:off x="2779540" y="1492370"/>
+                    <a:ext cx="3917" cy="458700"/>
+                  </a:xfrm>
+                  <a:prstGeom prst="line">
+                    <a:avLst/>
+                  </a:prstGeom>
+                </p:spPr>
+                <p:style>
+                  <a:lnRef idx="2">
+                    <a:schemeClr val="accent2"/>
+                  </a:lnRef>
+                  <a:fillRef idx="0">
+                    <a:schemeClr val="accent2"/>
+                  </a:fillRef>
+                  <a:effectRef idx="1">
+                    <a:schemeClr val="accent2"/>
+                  </a:effectRef>
+                  <a:fontRef idx="minor">
+                    <a:schemeClr val="tx1"/>
+                  </a:fontRef>
+                </p:style>
+              </p:cxnSp>
+              <p:cxnSp>
+                <p:nvCxnSpPr>
+                  <p:cNvPr id="249" name="Conector recto 248">
+                    <a:extLst>
+                      <a:ext uri="{FF2B5EF4-FFF2-40B4-BE49-F238E27FC236}">
+                        <a16:creationId xmlns:a16="http://schemas.microsoft.com/office/drawing/2014/main" id="{34A270A2-F01E-9FE7-0328-78DD2F859202}"/>
+                      </a:ext>
+                    </a:extLst>
+                  </p:cNvPr>
+                  <p:cNvCxnSpPr>
+                    <a:cxnSpLocks/>
+                  </p:cNvCxnSpPr>
+                  <p:nvPr/>
+                </p:nvCxnSpPr>
+                <p:spPr>
+                  <a:xfrm>
+                    <a:off x="8503124" y="1492370"/>
+                    <a:ext cx="3917" cy="458700"/>
+                  </a:xfrm>
+                  <a:prstGeom prst="line">
+                    <a:avLst/>
+                  </a:prstGeom>
+                </p:spPr>
+                <p:style>
+                  <a:lnRef idx="2">
+                    <a:schemeClr val="accent2"/>
+                  </a:lnRef>
+                  <a:fillRef idx="0">
+                    <a:schemeClr val="accent2"/>
+                  </a:fillRef>
+                  <a:effectRef idx="1">
+                    <a:schemeClr val="accent2"/>
+                  </a:effectRef>
+                  <a:fontRef idx="minor">
+                    <a:schemeClr val="tx1"/>
+                  </a:fontRef>
+                </p:style>
+              </p:cxnSp>
+            </p:grpSp>
+          </p:grpSp>
+          <p:sp>
+            <p:nvSpPr>
+              <p:cNvPr id="211" name="Rectángulo redondeado 210">
+                <a:extLst>
+                  <a:ext uri="{FF2B5EF4-FFF2-40B4-BE49-F238E27FC236}">
+                    <a16:creationId xmlns:a16="http://schemas.microsoft.com/office/drawing/2014/main" id="{04D1FFD4-EDAC-6A47-B2E3-1065AA305732}"/>
+                  </a:ext>
+                </a:extLst>
+              </p:cNvPr>
+              <p:cNvSpPr/>
+              <p:nvPr/>
+            </p:nvSpPr>
+            <p:spPr>
+              <a:xfrm>
+                <a:off x="1531112" y="1951070"/>
+                <a:ext cx="2816212" cy="347870"/>
+              </a:xfrm>
+              <a:prstGeom prst="roundRect">
+                <a:avLst/>
+              </a:prstGeom>
+            </p:spPr>
+            <p:style>
+              <a:lnRef idx="2">
+                <a:schemeClr val="accent2"/>
+              </a:lnRef>
+              <a:fillRef idx="1">
+                <a:schemeClr val="lt1"/>
+              </a:fillRef>
+              <a:effectRef idx="0">
+                <a:schemeClr val="accent2"/>
+              </a:effectRef>
+              <a:fontRef idx="minor">
+                <a:schemeClr val="dk1"/>
+              </a:fontRef>
+            </p:style>
+            <p:txBody>
+              <a:bodyPr rtlCol="0" anchor="ctr"/>
+              <a:lstStyle/>
+              <a:p>
+                <a:pPr algn="ctr"/>
+                <a:endParaRPr lang="es-ES" sz="1200" dirty="0">
+                  <a:solidFill>
+                    <a:schemeClr val="tx1">
+                      <a:lumMod val="50000"/>
+                      <a:lumOff val="50000"/>
+                    </a:schemeClr>
+                  </a:solidFill>
+                  <a:latin typeface="Geist Mono" pitchFamily="2" charset="77"/>
+                  <a:ea typeface="Geist Mono" pitchFamily="2" charset="77"/>
+                  <a:cs typeface="Geist Mono" pitchFamily="2" charset="77"/>
+                </a:endParaRPr>
+              </a:p>
+            </p:txBody>
+          </p:sp>
+          <p:sp>
+            <p:nvSpPr>
+              <p:cNvPr id="212" name="Rectángulo redondeado 211">
+                <a:extLst>
+                  <a:ext uri="{FF2B5EF4-FFF2-40B4-BE49-F238E27FC236}">
+                    <a16:creationId xmlns:a16="http://schemas.microsoft.com/office/drawing/2014/main" id="{E6838EB9-BDDA-6158-0AD1-F8800134D465}"/>
+                  </a:ext>
+                </a:extLst>
+              </p:cNvPr>
+              <p:cNvSpPr/>
+              <p:nvPr/>
+            </p:nvSpPr>
+            <p:spPr>
+              <a:xfrm>
+                <a:off x="7207157" y="1951070"/>
+                <a:ext cx="2816212" cy="347870"/>
+              </a:xfrm>
+              <a:prstGeom prst="roundRect">
+                <a:avLst/>
+              </a:prstGeom>
+            </p:spPr>
+            <p:style>
+              <a:lnRef idx="2">
+                <a:schemeClr val="accent2"/>
+              </a:lnRef>
+              <a:fillRef idx="1">
+                <a:schemeClr val="lt1"/>
+              </a:fillRef>
+              <a:effectRef idx="0">
+                <a:schemeClr val="accent2"/>
+              </a:effectRef>
+              <a:fontRef idx="minor">
+                <a:schemeClr val="dk1"/>
+              </a:fontRef>
+            </p:style>
+            <p:txBody>
+              <a:bodyPr rtlCol="0" anchor="ctr"/>
+              <a:lstStyle/>
+              <a:p>
+                <a:pPr algn="ctr"/>
+                <a:endParaRPr lang="es-ES" sz="1200" dirty="0">
+                  <a:solidFill>
+                    <a:schemeClr val="tx1">
+                      <a:lumMod val="50000"/>
+                      <a:lumOff val="50000"/>
+                    </a:schemeClr>
+                  </a:solidFill>
+                  <a:latin typeface="Geist Mono" pitchFamily="2" charset="77"/>
+                  <a:ea typeface="Geist Mono" pitchFamily="2" charset="77"/>
+                  <a:cs typeface="Geist Mono" pitchFamily="2" charset="77"/>
+                </a:endParaRPr>
+              </a:p>
+            </p:txBody>
+          </p:sp>
+          <p:grpSp>
+            <p:nvGrpSpPr>
+              <p:cNvPr id="213" name="Grupo 212">
+                <a:extLst>
+                  <a:ext uri="{FF2B5EF4-FFF2-40B4-BE49-F238E27FC236}">
+                    <a16:creationId xmlns:a16="http://schemas.microsoft.com/office/drawing/2014/main" id="{931A833F-0181-96AC-9ACF-F7B54F330F9B}"/>
+                  </a:ext>
+                </a:extLst>
+              </p:cNvPr>
+              <p:cNvGrpSpPr/>
+              <p:nvPr/>
+            </p:nvGrpSpPr>
+            <p:grpSpPr>
+              <a:xfrm>
+                <a:off x="1289619" y="2298940"/>
+                <a:ext cx="3255372" cy="616788"/>
+                <a:chOff x="2779540" y="1033670"/>
+                <a:chExt cx="5727501" cy="917400"/>
+              </a:xfrm>
+            </p:grpSpPr>
+            <p:cxnSp>
+              <p:nvCxnSpPr>
+                <p:cNvPr id="240" name="Conector recto 239">
+                  <a:extLst>
+                    <a:ext uri="{FF2B5EF4-FFF2-40B4-BE49-F238E27FC236}">
+                      <a16:creationId xmlns:a16="http://schemas.microsoft.com/office/drawing/2014/main" id="{965E7C6E-E635-55FF-2E9C-8697F778E4E0}"/>
+                    </a:ext>
+                  </a:extLst>
+                </p:cNvPr>
+                <p:cNvCxnSpPr/>
+                <p:nvPr/>
+              </p:nvCxnSpPr>
+              <p:spPr>
+                <a:xfrm>
+                  <a:off x="5594626" y="1033670"/>
+                  <a:ext cx="3917" cy="458700"/>
+                </a:xfrm>
+                <a:prstGeom prst="line">
+                  <a:avLst/>
+                </a:prstGeom>
+              </p:spPr>
+              <p:style>
+                <a:lnRef idx="2">
+                  <a:schemeClr val="accent2"/>
+                </a:lnRef>
+                <a:fillRef idx="0">
+                  <a:schemeClr val="accent2"/>
+                </a:fillRef>
+                <a:effectRef idx="1">
+                  <a:schemeClr val="accent2"/>
+                </a:effectRef>
+                <a:fontRef idx="minor">
+                  <a:schemeClr val="tx1"/>
+                </a:fontRef>
+              </p:style>
+            </p:cxnSp>
+            <p:grpSp>
+              <p:nvGrpSpPr>
+                <p:cNvPr id="241" name="Grupo 240">
+                  <a:extLst>
+                    <a:ext uri="{FF2B5EF4-FFF2-40B4-BE49-F238E27FC236}">
+                      <a16:creationId xmlns:a16="http://schemas.microsoft.com/office/drawing/2014/main" id="{E9251E24-D6E3-0E68-F204-79D998EC347A}"/>
+                    </a:ext>
+                  </a:extLst>
+                </p:cNvPr>
+                <p:cNvGrpSpPr/>
+                <p:nvPr/>
+              </p:nvGrpSpPr>
+              <p:grpSpPr>
+                <a:xfrm>
+                  <a:off x="2779540" y="1492370"/>
+                  <a:ext cx="5727501" cy="458700"/>
+                  <a:chOff x="2779540" y="1492370"/>
+                  <a:chExt cx="5727501" cy="458700"/>
+                </a:xfrm>
+              </p:grpSpPr>
+              <p:cxnSp>
+                <p:nvCxnSpPr>
+                  <p:cNvPr id="242" name="Conector recto 241">
+                    <a:extLst>
+                      <a:ext uri="{FF2B5EF4-FFF2-40B4-BE49-F238E27FC236}">
+                        <a16:creationId xmlns:a16="http://schemas.microsoft.com/office/drawing/2014/main" id="{97045FB1-48D7-65C6-4E2B-D628524291CB}"/>
+                      </a:ext>
+                    </a:extLst>
+                  </p:cNvPr>
+                  <p:cNvCxnSpPr>
+                    <a:cxnSpLocks/>
+                  </p:cNvCxnSpPr>
+                  <p:nvPr/>
+                </p:nvCxnSpPr>
+                <p:spPr>
+                  <a:xfrm>
+                    <a:off x="2779540" y="1492370"/>
+                    <a:ext cx="5726105" cy="0"/>
+                  </a:xfrm>
+                  <a:prstGeom prst="line">
+                    <a:avLst/>
+                  </a:prstGeom>
+                </p:spPr>
+                <p:style>
+                  <a:lnRef idx="2">
+                    <a:schemeClr val="accent2"/>
+                  </a:lnRef>
+                  <a:fillRef idx="0">
+                    <a:schemeClr val="accent2"/>
+                  </a:fillRef>
+                  <a:effectRef idx="1">
+                    <a:schemeClr val="accent2"/>
+                  </a:effectRef>
+                  <a:fontRef idx="minor">
+                    <a:schemeClr val="tx1"/>
+                  </a:fontRef>
+                </p:style>
+              </p:cxnSp>
+              <p:cxnSp>
+                <p:nvCxnSpPr>
+                  <p:cNvPr id="243" name="Conector recto 242">
+                    <a:extLst>
+                      <a:ext uri="{FF2B5EF4-FFF2-40B4-BE49-F238E27FC236}">
+                        <a16:creationId xmlns:a16="http://schemas.microsoft.com/office/drawing/2014/main" id="{D722934E-BFE1-6038-C252-31FFD67B68DA}"/>
+                      </a:ext>
+                    </a:extLst>
+                  </p:cNvPr>
+                  <p:cNvCxnSpPr/>
+                  <p:nvPr/>
+                </p:nvCxnSpPr>
+                <p:spPr>
+                  <a:xfrm>
+                    <a:off x="2779540" y="1492370"/>
+                    <a:ext cx="3917" cy="458700"/>
+                  </a:xfrm>
+                  <a:prstGeom prst="line">
+                    <a:avLst/>
+                  </a:prstGeom>
+                </p:spPr>
+                <p:style>
+                  <a:lnRef idx="2">
+                    <a:schemeClr val="accent2"/>
+                  </a:lnRef>
+                  <a:fillRef idx="0">
+                    <a:schemeClr val="accent2"/>
+                  </a:fillRef>
+                  <a:effectRef idx="1">
+                    <a:schemeClr val="accent2"/>
+                  </a:effectRef>
+                  <a:fontRef idx="minor">
+                    <a:schemeClr val="tx1"/>
+                  </a:fontRef>
+                </p:style>
+              </p:cxnSp>
+              <p:cxnSp>
+                <p:nvCxnSpPr>
+                  <p:cNvPr id="244" name="Conector recto 243">
+                    <a:extLst>
+                      <a:ext uri="{FF2B5EF4-FFF2-40B4-BE49-F238E27FC236}">
+                        <a16:creationId xmlns:a16="http://schemas.microsoft.com/office/drawing/2014/main" id="{6119A29A-4186-4666-AF74-83BB264F0934}"/>
+                      </a:ext>
+                    </a:extLst>
+                  </p:cNvPr>
+                  <p:cNvCxnSpPr>
+                    <a:cxnSpLocks/>
+                  </p:cNvCxnSpPr>
+                  <p:nvPr/>
+                </p:nvCxnSpPr>
+                <p:spPr>
+                  <a:xfrm>
+                    <a:off x="8503124" y="1492370"/>
+                    <a:ext cx="3917" cy="458700"/>
+                  </a:xfrm>
+                  <a:prstGeom prst="line">
+                    <a:avLst/>
+                  </a:prstGeom>
+                </p:spPr>
+                <p:style>
+                  <a:lnRef idx="2">
+                    <a:schemeClr val="accent2"/>
+                  </a:lnRef>
+                  <a:fillRef idx="0">
+                    <a:schemeClr val="accent2"/>
+                  </a:fillRef>
+                  <a:effectRef idx="1">
+                    <a:schemeClr val="accent2"/>
+                  </a:effectRef>
+                  <a:fontRef idx="minor">
+                    <a:schemeClr val="tx1"/>
+                  </a:fontRef>
+                </p:style>
+              </p:cxnSp>
+            </p:grpSp>
+          </p:grpSp>
+          <p:sp>
+            <p:nvSpPr>
+              <p:cNvPr id="214" name="Rectángulo redondeado 213">
+                <a:extLst>
+                  <a:ext uri="{FF2B5EF4-FFF2-40B4-BE49-F238E27FC236}">
+                    <a16:creationId xmlns:a16="http://schemas.microsoft.com/office/drawing/2014/main" id="{BE98E3DF-156F-CBA1-F83A-AA91938E3B5D}"/>
+                  </a:ext>
+                </a:extLst>
+              </p:cNvPr>
+              <p:cNvSpPr/>
+              <p:nvPr/>
+            </p:nvSpPr>
+            <p:spPr>
+              <a:xfrm>
+                <a:off x="633217" y="2918635"/>
+                <a:ext cx="1312804" cy="385233"/>
+              </a:xfrm>
+              <a:prstGeom prst="roundRect">
+                <a:avLst/>
+              </a:prstGeom>
+            </p:spPr>
+            <p:style>
+              <a:lnRef idx="2">
+                <a:schemeClr val="accent2"/>
+              </a:lnRef>
+              <a:fillRef idx="1">
+                <a:schemeClr val="lt1"/>
+              </a:fillRef>
+              <a:effectRef idx="0">
+                <a:schemeClr val="accent2"/>
+              </a:effectRef>
+              <a:fontRef idx="minor">
+                <a:schemeClr val="dk1"/>
+              </a:fontRef>
+            </p:style>
+            <p:txBody>
+              <a:bodyPr rtlCol="0" anchor="ctr"/>
+              <a:lstStyle/>
+              <a:p>
+                <a:pPr algn="ctr"/>
+                <a:endParaRPr lang="es-ES" sz="1200" b="1" i="0" dirty="0">
+                  <a:solidFill>
+                    <a:schemeClr val="tx1">
+                      <a:lumMod val="50000"/>
+                      <a:lumOff val="50000"/>
+                    </a:schemeClr>
+                  </a:solidFill>
+                  <a:effectLst/>
+                  <a:latin typeface="Geist Mono Bold" pitchFamily="2" charset="77"/>
+                  <a:ea typeface="Geist Mono Bold" pitchFamily="2" charset="77"/>
+                  <a:cs typeface="Geist Mono Bold" pitchFamily="2" charset="77"/>
+                </a:endParaRPr>
+              </a:p>
+            </p:txBody>
+          </p:sp>
+          <p:sp>
+            <p:nvSpPr>
+              <p:cNvPr id="215" name="Rectángulo redondeado 214">
+                <a:extLst>
+                  <a:ext uri="{FF2B5EF4-FFF2-40B4-BE49-F238E27FC236}">
+                    <a16:creationId xmlns:a16="http://schemas.microsoft.com/office/drawing/2014/main" id="{8A513192-C147-672C-B2F6-4C8DCCEC0966}"/>
+                  </a:ext>
+                </a:extLst>
+              </p:cNvPr>
+              <p:cNvSpPr/>
+              <p:nvPr/>
+            </p:nvSpPr>
+            <p:spPr>
+              <a:xfrm>
+                <a:off x="3671650" y="2924354"/>
+                <a:ext cx="1742230" cy="707363"/>
+              </a:xfrm>
+              <a:prstGeom prst="roundRect">
+                <a:avLst/>
+              </a:prstGeom>
+            </p:spPr>
+            <p:style>
+              <a:lnRef idx="2">
+                <a:schemeClr val="accent2"/>
+              </a:lnRef>
+              <a:fillRef idx="1">
+                <a:schemeClr val="lt1"/>
+              </a:fillRef>
+              <a:effectRef idx="0">
+                <a:schemeClr val="accent2"/>
+              </a:effectRef>
+              <a:fontRef idx="minor">
+                <a:schemeClr val="dk1"/>
+              </a:fontRef>
+            </p:style>
+            <p:txBody>
+              <a:bodyPr rtlCol="0" anchor="ctr"/>
+              <a:lstStyle/>
+              <a:p>
+                <a:pPr algn="ctr"/>
+                <a:endParaRPr lang="es-ES" sz="1000" b="1" i="0" dirty="0">
+                  <a:solidFill>
+                    <a:schemeClr val="tx1">
+                      <a:lumMod val="50000"/>
+                      <a:lumOff val="50000"/>
+                    </a:schemeClr>
+                  </a:solidFill>
+                  <a:effectLst/>
+                  <a:latin typeface="Geist Mono Bold" pitchFamily="2" charset="77"/>
+                  <a:ea typeface="Geist Mono Bold" pitchFamily="2" charset="77"/>
+                  <a:cs typeface="Geist Mono Bold" pitchFamily="2" charset="77"/>
+                </a:endParaRPr>
+              </a:p>
+            </p:txBody>
+          </p:sp>
+          <p:grpSp>
+            <p:nvGrpSpPr>
+              <p:cNvPr id="216" name="Grupo 215">
+                <a:extLst>
+                  <a:ext uri="{FF2B5EF4-FFF2-40B4-BE49-F238E27FC236}">
+                    <a16:creationId xmlns:a16="http://schemas.microsoft.com/office/drawing/2014/main" id="{EC2C7306-65B9-3025-59B1-03571F698D14}"/>
+                  </a:ext>
+                </a:extLst>
+              </p:cNvPr>
+              <p:cNvGrpSpPr/>
+              <p:nvPr/>
+            </p:nvGrpSpPr>
+            <p:grpSpPr>
+              <a:xfrm>
+                <a:off x="7037114" y="2298940"/>
+                <a:ext cx="3255372" cy="616788"/>
+                <a:chOff x="2779540" y="1033670"/>
+                <a:chExt cx="5727501" cy="917400"/>
+              </a:xfrm>
+            </p:grpSpPr>
+            <p:cxnSp>
+              <p:nvCxnSpPr>
+                <p:cNvPr id="235" name="Conector recto 234">
+                  <a:extLst>
+                    <a:ext uri="{FF2B5EF4-FFF2-40B4-BE49-F238E27FC236}">
+                      <a16:creationId xmlns:a16="http://schemas.microsoft.com/office/drawing/2014/main" id="{CBA19EFC-5F8A-BF0F-6BBB-78F24E03A4F8}"/>
+                    </a:ext>
+                  </a:extLst>
+                </p:cNvPr>
+                <p:cNvCxnSpPr/>
+                <p:nvPr/>
+              </p:nvCxnSpPr>
+              <p:spPr>
+                <a:xfrm>
+                  <a:off x="5594626" y="1033670"/>
+                  <a:ext cx="3917" cy="458700"/>
+                </a:xfrm>
+                <a:prstGeom prst="line">
+                  <a:avLst/>
+                </a:prstGeom>
+              </p:spPr>
+              <p:style>
+                <a:lnRef idx="2">
+                  <a:schemeClr val="accent2"/>
+                </a:lnRef>
+                <a:fillRef idx="0">
+                  <a:schemeClr val="accent2"/>
+                </a:fillRef>
+                <a:effectRef idx="1">
+                  <a:schemeClr val="accent2"/>
+                </a:effectRef>
+                <a:fontRef idx="minor">
+                  <a:schemeClr val="tx1"/>
+                </a:fontRef>
+              </p:style>
+            </p:cxnSp>
+            <p:grpSp>
+              <p:nvGrpSpPr>
+                <p:cNvPr id="236" name="Grupo 235">
+                  <a:extLst>
+                    <a:ext uri="{FF2B5EF4-FFF2-40B4-BE49-F238E27FC236}">
+                      <a16:creationId xmlns:a16="http://schemas.microsoft.com/office/drawing/2014/main" id="{E011A8BB-13E4-1BD8-4E79-8458B7D1CE8D}"/>
+                    </a:ext>
+                  </a:extLst>
+                </p:cNvPr>
+                <p:cNvGrpSpPr/>
+                <p:nvPr/>
+              </p:nvGrpSpPr>
+              <p:grpSpPr>
+                <a:xfrm>
+                  <a:off x="2779540" y="1492370"/>
+                  <a:ext cx="5727501" cy="458700"/>
+                  <a:chOff x="2779540" y="1492370"/>
+                  <a:chExt cx="5727501" cy="458700"/>
+                </a:xfrm>
+              </p:grpSpPr>
+              <p:cxnSp>
+                <p:nvCxnSpPr>
+                  <p:cNvPr id="237" name="Conector recto 236">
+                    <a:extLst>
+                      <a:ext uri="{FF2B5EF4-FFF2-40B4-BE49-F238E27FC236}">
+                        <a16:creationId xmlns:a16="http://schemas.microsoft.com/office/drawing/2014/main" id="{E974E9A9-CFA7-8E77-683B-BF5229B6A05C}"/>
+                      </a:ext>
+                    </a:extLst>
+                  </p:cNvPr>
+                  <p:cNvCxnSpPr>
+                    <a:cxnSpLocks/>
+                  </p:cNvCxnSpPr>
+                  <p:nvPr/>
+                </p:nvCxnSpPr>
+                <p:spPr>
+                  <a:xfrm>
+                    <a:off x="2779540" y="1492370"/>
+                    <a:ext cx="5726105" cy="0"/>
+                  </a:xfrm>
+                  <a:prstGeom prst="line">
+                    <a:avLst/>
+                  </a:prstGeom>
+                </p:spPr>
+                <p:style>
+                  <a:lnRef idx="2">
+                    <a:schemeClr val="accent2"/>
+                  </a:lnRef>
+                  <a:fillRef idx="0">
+                    <a:schemeClr val="accent2"/>
+                  </a:fillRef>
+                  <a:effectRef idx="1">
+                    <a:schemeClr val="accent2"/>
+                  </a:effectRef>
+                  <a:fontRef idx="minor">
+                    <a:schemeClr val="tx1"/>
+                  </a:fontRef>
+                </p:style>
+              </p:cxnSp>
+              <p:cxnSp>
+                <p:nvCxnSpPr>
+                  <p:cNvPr id="238" name="Conector recto 237">
+                    <a:extLst>
+                      <a:ext uri="{FF2B5EF4-FFF2-40B4-BE49-F238E27FC236}">
+                        <a16:creationId xmlns:a16="http://schemas.microsoft.com/office/drawing/2014/main" id="{B21C8210-009E-8A74-C466-C0DEE4577D1D}"/>
+                      </a:ext>
+                    </a:extLst>
+                  </p:cNvPr>
+                  <p:cNvCxnSpPr/>
+                  <p:nvPr/>
+                </p:nvCxnSpPr>
+                <p:spPr>
+                  <a:xfrm>
+                    <a:off x="2779540" y="1492370"/>
+                    <a:ext cx="3917" cy="458700"/>
+                  </a:xfrm>
+                  <a:prstGeom prst="line">
+                    <a:avLst/>
+                  </a:prstGeom>
+                </p:spPr>
+                <p:style>
+                  <a:lnRef idx="2">
+                    <a:schemeClr val="accent2"/>
+                  </a:lnRef>
+                  <a:fillRef idx="0">
+                    <a:schemeClr val="accent2"/>
+                  </a:fillRef>
+                  <a:effectRef idx="1">
+                    <a:schemeClr val="accent2"/>
+                  </a:effectRef>
+                  <a:fontRef idx="minor">
+                    <a:schemeClr val="tx1"/>
+                  </a:fontRef>
+                </p:style>
+              </p:cxnSp>
+              <p:cxnSp>
+                <p:nvCxnSpPr>
+                  <p:cNvPr id="239" name="Conector recto 238">
+                    <a:extLst>
+                      <a:ext uri="{FF2B5EF4-FFF2-40B4-BE49-F238E27FC236}">
+                        <a16:creationId xmlns:a16="http://schemas.microsoft.com/office/drawing/2014/main" id="{2A391967-DE50-4F63-387A-8DCF19F1A946}"/>
+                      </a:ext>
+                    </a:extLst>
+                  </p:cNvPr>
+                  <p:cNvCxnSpPr>
+                    <a:cxnSpLocks/>
+                  </p:cNvCxnSpPr>
+                  <p:nvPr/>
+                </p:nvCxnSpPr>
+                <p:spPr>
+                  <a:xfrm>
+                    <a:off x="8503124" y="1492370"/>
+                    <a:ext cx="3917" cy="458700"/>
+                  </a:xfrm>
+                  <a:prstGeom prst="line">
+                    <a:avLst/>
+                  </a:prstGeom>
+                </p:spPr>
+                <p:style>
+                  <a:lnRef idx="2">
+                    <a:schemeClr val="accent2"/>
+                  </a:lnRef>
+                  <a:fillRef idx="0">
+                    <a:schemeClr val="accent2"/>
+                  </a:fillRef>
+                  <a:effectRef idx="1">
+                    <a:schemeClr val="accent2"/>
+                  </a:effectRef>
+                  <a:fontRef idx="minor">
+                    <a:schemeClr val="tx1"/>
+                  </a:fontRef>
+                </p:style>
+              </p:cxnSp>
+            </p:grpSp>
+          </p:grpSp>
+          <p:sp>
+            <p:nvSpPr>
+              <p:cNvPr id="217" name="Rectángulo redondeado 216">
+                <a:extLst>
+                  <a:ext uri="{FF2B5EF4-FFF2-40B4-BE49-F238E27FC236}">
+                    <a16:creationId xmlns:a16="http://schemas.microsoft.com/office/drawing/2014/main" id="{7E8C0F74-D098-A414-9014-517EFC726D80}"/>
+                  </a:ext>
+                </a:extLst>
+              </p:cNvPr>
+              <p:cNvSpPr/>
+              <p:nvPr/>
+            </p:nvSpPr>
+            <p:spPr>
+              <a:xfrm>
+                <a:off x="6326867" y="2918635"/>
+                <a:ext cx="1466818" cy="385233"/>
+              </a:xfrm>
+              <a:prstGeom prst="roundRect">
+                <a:avLst/>
+              </a:prstGeom>
+            </p:spPr>
+            <p:style>
+              <a:lnRef idx="2">
+                <a:schemeClr val="accent2"/>
+              </a:lnRef>
+              <a:fillRef idx="1">
+                <a:schemeClr val="lt1"/>
+              </a:fillRef>
+              <a:effectRef idx="0">
+                <a:schemeClr val="accent2"/>
+              </a:effectRef>
+              <a:fontRef idx="minor">
+                <a:schemeClr val="dk1"/>
+              </a:fontRef>
+            </p:style>
+            <p:txBody>
+              <a:bodyPr rtlCol="0" anchor="ctr"/>
+              <a:lstStyle/>
+              <a:p>
+                <a:pPr algn="ctr"/>
+                <a:endParaRPr lang="es-ES" sz="1200" b="1" i="0" dirty="0">
+                  <a:solidFill>
+                    <a:schemeClr val="tx1">
+                      <a:lumMod val="50000"/>
+                      <a:lumOff val="50000"/>
+                    </a:schemeClr>
+                  </a:solidFill>
+                  <a:effectLst/>
+                  <a:latin typeface="Geist Mono Bold" pitchFamily="2" charset="77"/>
+                  <a:ea typeface="Geist Mono Bold" pitchFamily="2" charset="77"/>
+                  <a:cs typeface="Geist Mono Bold" pitchFamily="2" charset="77"/>
+                </a:endParaRPr>
+              </a:p>
+            </p:txBody>
+          </p:sp>
+          <p:sp>
+            <p:nvSpPr>
+              <p:cNvPr id="218" name="Rectángulo redondeado 217">
+                <a:extLst>
+                  <a:ext uri="{FF2B5EF4-FFF2-40B4-BE49-F238E27FC236}">
+                    <a16:creationId xmlns:a16="http://schemas.microsoft.com/office/drawing/2014/main" id="{73969D48-0C70-29BD-04EE-FF43E10E56B2}"/>
+                  </a:ext>
+                </a:extLst>
+              </p:cNvPr>
+              <p:cNvSpPr/>
+              <p:nvPr/>
+            </p:nvSpPr>
+            <p:spPr>
+              <a:xfrm>
+                <a:off x="9419145" y="2924355"/>
+                <a:ext cx="1742230" cy="379514"/>
+              </a:xfrm>
+              <a:prstGeom prst="roundRect">
+                <a:avLst/>
+              </a:prstGeom>
+            </p:spPr>
+            <p:style>
+              <a:lnRef idx="2">
+                <a:schemeClr val="accent2"/>
+              </a:lnRef>
+              <a:fillRef idx="1">
+                <a:schemeClr val="lt1"/>
+              </a:fillRef>
+              <a:effectRef idx="0">
+                <a:schemeClr val="accent2"/>
+              </a:effectRef>
+              <a:fontRef idx="minor">
+                <a:schemeClr val="dk1"/>
+              </a:fontRef>
+            </p:style>
+            <p:txBody>
+              <a:bodyPr rtlCol="0" anchor="ctr"/>
+              <a:lstStyle/>
+              <a:p>
+                <a:pPr algn="ctr"/>
+                <a:endParaRPr lang="es-ES" sz="1000" b="1" i="0" dirty="0">
+                  <a:solidFill>
+                    <a:schemeClr val="tx1">
+                      <a:lumMod val="50000"/>
+                      <a:lumOff val="50000"/>
+                    </a:schemeClr>
+                  </a:solidFill>
+                  <a:effectLst/>
+                  <a:latin typeface="Geist Mono Bold" pitchFamily="2" charset="77"/>
+                  <a:ea typeface="Geist Mono Bold" pitchFamily="2" charset="77"/>
+                  <a:cs typeface="Geist Mono Bold" pitchFamily="2" charset="77"/>
+                </a:endParaRPr>
+              </a:p>
+            </p:txBody>
+          </p:sp>
+          <p:grpSp>
+            <p:nvGrpSpPr>
+              <p:cNvPr id="219" name="Grupo 218">
+                <a:extLst>
+                  <a:ext uri="{FF2B5EF4-FFF2-40B4-BE49-F238E27FC236}">
+                    <a16:creationId xmlns:a16="http://schemas.microsoft.com/office/drawing/2014/main" id="{9A7B886E-4ABA-2C6F-1FE8-A50A4C03427B}"/>
+                  </a:ext>
+                </a:extLst>
+              </p:cNvPr>
+              <p:cNvGrpSpPr/>
+              <p:nvPr/>
+            </p:nvGrpSpPr>
+            <p:grpSpPr>
+              <a:xfrm>
+                <a:off x="5511823" y="3306773"/>
+                <a:ext cx="3255372" cy="868401"/>
+                <a:chOff x="2779540" y="1033670"/>
+                <a:chExt cx="5727501" cy="917400"/>
+              </a:xfrm>
+            </p:grpSpPr>
+            <p:cxnSp>
+              <p:nvCxnSpPr>
+                <p:cNvPr id="230" name="Conector recto 229">
+                  <a:extLst>
+                    <a:ext uri="{FF2B5EF4-FFF2-40B4-BE49-F238E27FC236}">
+                      <a16:creationId xmlns:a16="http://schemas.microsoft.com/office/drawing/2014/main" id="{F15630B3-65EA-9A61-F09A-DC3DC9F05FF5}"/>
+                    </a:ext>
+                  </a:extLst>
+                </p:cNvPr>
+                <p:cNvCxnSpPr/>
+                <p:nvPr/>
+              </p:nvCxnSpPr>
+              <p:spPr>
+                <a:xfrm>
+                  <a:off x="5594626" y="1033670"/>
+                  <a:ext cx="3917" cy="458700"/>
+                </a:xfrm>
+                <a:prstGeom prst="line">
+                  <a:avLst/>
+                </a:prstGeom>
+              </p:spPr>
+              <p:style>
+                <a:lnRef idx="2">
+                  <a:schemeClr val="accent2"/>
+                </a:lnRef>
+                <a:fillRef idx="0">
+                  <a:schemeClr val="accent2"/>
+                </a:fillRef>
+                <a:effectRef idx="1">
+                  <a:schemeClr val="accent2"/>
+                </a:effectRef>
+                <a:fontRef idx="minor">
+                  <a:schemeClr val="tx1"/>
+                </a:fontRef>
+              </p:style>
+            </p:cxnSp>
+            <p:grpSp>
+              <p:nvGrpSpPr>
+                <p:cNvPr id="231" name="Grupo 230">
+                  <a:extLst>
+                    <a:ext uri="{FF2B5EF4-FFF2-40B4-BE49-F238E27FC236}">
+                      <a16:creationId xmlns:a16="http://schemas.microsoft.com/office/drawing/2014/main" id="{CE574DE0-09A8-97DC-F7C6-EF0BB3278B7C}"/>
+                    </a:ext>
+                  </a:extLst>
+                </p:cNvPr>
+                <p:cNvGrpSpPr/>
+                <p:nvPr/>
+              </p:nvGrpSpPr>
+              <p:grpSpPr>
+                <a:xfrm>
+                  <a:off x="2779540" y="1492370"/>
+                  <a:ext cx="5727501" cy="458700"/>
+                  <a:chOff x="2779540" y="1492370"/>
+                  <a:chExt cx="5727501" cy="458700"/>
+                </a:xfrm>
+              </p:grpSpPr>
+              <p:cxnSp>
+                <p:nvCxnSpPr>
+                  <p:cNvPr id="232" name="Conector recto 231">
+                    <a:extLst>
+                      <a:ext uri="{FF2B5EF4-FFF2-40B4-BE49-F238E27FC236}">
+                        <a16:creationId xmlns:a16="http://schemas.microsoft.com/office/drawing/2014/main" id="{D6992954-0271-C341-0729-116E20FE6928}"/>
+                      </a:ext>
+                    </a:extLst>
+                  </p:cNvPr>
+                  <p:cNvCxnSpPr>
+                    <a:cxnSpLocks/>
+                  </p:cNvCxnSpPr>
+                  <p:nvPr/>
+                </p:nvCxnSpPr>
+                <p:spPr>
+                  <a:xfrm>
+                    <a:off x="2779540" y="1492370"/>
+                    <a:ext cx="5726105" cy="0"/>
+                  </a:xfrm>
+                  <a:prstGeom prst="line">
+                    <a:avLst/>
+                  </a:prstGeom>
+                </p:spPr>
+                <p:style>
+                  <a:lnRef idx="2">
+                    <a:schemeClr val="accent2"/>
+                  </a:lnRef>
+                  <a:fillRef idx="0">
+                    <a:schemeClr val="accent2"/>
+                  </a:fillRef>
+                  <a:effectRef idx="1">
+                    <a:schemeClr val="accent2"/>
+                  </a:effectRef>
+                  <a:fontRef idx="minor">
+                    <a:schemeClr val="tx1"/>
+                  </a:fontRef>
+                </p:style>
+              </p:cxnSp>
+              <p:cxnSp>
+                <p:nvCxnSpPr>
+                  <p:cNvPr id="233" name="Conector recto 232">
+                    <a:extLst>
+                      <a:ext uri="{FF2B5EF4-FFF2-40B4-BE49-F238E27FC236}">
+                        <a16:creationId xmlns:a16="http://schemas.microsoft.com/office/drawing/2014/main" id="{55E702E2-85E0-7094-53B7-DD31F42CE086}"/>
+                      </a:ext>
+                    </a:extLst>
+                  </p:cNvPr>
+                  <p:cNvCxnSpPr/>
+                  <p:nvPr/>
+                </p:nvCxnSpPr>
+                <p:spPr>
+                  <a:xfrm>
+                    <a:off x="2779540" y="1492370"/>
+                    <a:ext cx="3917" cy="458700"/>
+                  </a:xfrm>
+                  <a:prstGeom prst="line">
+                    <a:avLst/>
+                  </a:prstGeom>
+                </p:spPr>
+                <p:style>
+                  <a:lnRef idx="2">
+                    <a:schemeClr val="accent2"/>
+                  </a:lnRef>
+                  <a:fillRef idx="0">
+                    <a:schemeClr val="accent2"/>
+                  </a:fillRef>
+                  <a:effectRef idx="1">
+                    <a:schemeClr val="accent2"/>
+                  </a:effectRef>
+                  <a:fontRef idx="minor">
+                    <a:schemeClr val="tx1"/>
+                  </a:fontRef>
+                </p:style>
+              </p:cxnSp>
+              <p:cxnSp>
+                <p:nvCxnSpPr>
+                  <p:cNvPr id="234" name="Conector recto 233">
+                    <a:extLst>
+                      <a:ext uri="{FF2B5EF4-FFF2-40B4-BE49-F238E27FC236}">
+                        <a16:creationId xmlns:a16="http://schemas.microsoft.com/office/drawing/2014/main" id="{54588506-5297-E32B-1991-30E0890EAE0E}"/>
+                      </a:ext>
+                    </a:extLst>
+                  </p:cNvPr>
+                  <p:cNvCxnSpPr>
+                    <a:cxnSpLocks/>
+                  </p:cNvCxnSpPr>
+                  <p:nvPr/>
+                </p:nvCxnSpPr>
+                <p:spPr>
+                  <a:xfrm>
+                    <a:off x="8503124" y="1492370"/>
+                    <a:ext cx="3917" cy="458700"/>
+                  </a:xfrm>
+                  <a:prstGeom prst="line">
+                    <a:avLst/>
+                  </a:prstGeom>
+                </p:spPr>
+                <p:style>
+                  <a:lnRef idx="2">
+                    <a:schemeClr val="accent2"/>
+                  </a:lnRef>
+                  <a:fillRef idx="0">
+                    <a:schemeClr val="accent2"/>
+                  </a:fillRef>
+                  <a:effectRef idx="1">
+                    <a:schemeClr val="accent2"/>
+                  </a:effectRef>
+                  <a:fontRef idx="minor">
+                    <a:schemeClr val="tx1"/>
+                  </a:fontRef>
+                </p:style>
+              </p:cxnSp>
+            </p:grpSp>
+          </p:grpSp>
+          <p:sp>
+            <p:nvSpPr>
+              <p:cNvPr id="220" name="Rectángulo redondeado 219">
+                <a:extLst>
+                  <a:ext uri="{FF2B5EF4-FFF2-40B4-BE49-F238E27FC236}">
+                    <a16:creationId xmlns:a16="http://schemas.microsoft.com/office/drawing/2014/main" id="{DD15A30A-CA1D-7EF0-3288-C40CDED56B3C}"/>
+                  </a:ext>
+                </a:extLst>
+              </p:cNvPr>
+              <p:cNvSpPr/>
+              <p:nvPr/>
+            </p:nvSpPr>
+            <p:spPr>
+              <a:xfrm>
+                <a:off x="4778414" y="4175175"/>
+                <a:ext cx="1466818" cy="542385"/>
+              </a:xfrm>
+              <a:prstGeom prst="roundRect">
+                <a:avLst/>
+              </a:prstGeom>
+            </p:spPr>
+            <p:style>
+              <a:lnRef idx="2">
+                <a:schemeClr val="accent2"/>
+              </a:lnRef>
+              <a:fillRef idx="1">
+                <a:schemeClr val="lt1"/>
+              </a:fillRef>
+              <a:effectRef idx="0">
+                <a:schemeClr val="accent2"/>
+              </a:effectRef>
+              <a:fontRef idx="minor">
+                <a:schemeClr val="dk1"/>
+              </a:fontRef>
+            </p:style>
+            <p:txBody>
+              <a:bodyPr rtlCol="0" anchor="ctr"/>
+              <a:lstStyle/>
+              <a:p>
+                <a:pPr algn="ctr"/>
+                <a:endParaRPr lang="es-ES" sz="1200" b="1" dirty="0">
+                  <a:solidFill>
+                    <a:schemeClr val="tx1">
+                      <a:lumMod val="50000"/>
+                      <a:lumOff val="50000"/>
+                    </a:schemeClr>
+                  </a:solidFill>
+                  <a:latin typeface="Geist Mono Bold" pitchFamily="2" charset="77"/>
+                  <a:ea typeface="Geist Mono Bold" pitchFamily="2" charset="77"/>
+                  <a:cs typeface="Geist Mono Bold" pitchFamily="2" charset="77"/>
+                </a:endParaRPr>
+              </a:p>
+            </p:txBody>
+          </p:sp>
+          <p:sp>
+            <p:nvSpPr>
+              <p:cNvPr id="221" name="Rectángulo redondeado 220">
+                <a:extLst>
+                  <a:ext uri="{FF2B5EF4-FFF2-40B4-BE49-F238E27FC236}">
+                    <a16:creationId xmlns:a16="http://schemas.microsoft.com/office/drawing/2014/main" id="{CCCB0E15-D277-D3E1-08CA-88E9BA410C37}"/>
+                  </a:ext>
+                </a:extLst>
+              </p:cNvPr>
+              <p:cNvSpPr/>
+              <p:nvPr/>
+            </p:nvSpPr>
+            <p:spPr>
+              <a:xfrm>
+                <a:off x="7893853" y="4170341"/>
+                <a:ext cx="1853991" cy="534333"/>
+              </a:xfrm>
+              <a:prstGeom prst="roundRect">
+                <a:avLst/>
+              </a:prstGeom>
+            </p:spPr>
+            <p:style>
+              <a:lnRef idx="2">
+                <a:schemeClr val="accent2"/>
+              </a:lnRef>
+              <a:fillRef idx="1">
+                <a:schemeClr val="lt1"/>
+              </a:fillRef>
+              <a:effectRef idx="0">
+                <a:schemeClr val="accent2"/>
+              </a:effectRef>
+              <a:fontRef idx="minor">
+                <a:schemeClr val="dk1"/>
+              </a:fontRef>
+            </p:style>
+            <p:txBody>
+              <a:bodyPr rtlCol="0" anchor="ctr"/>
+              <a:lstStyle/>
+              <a:p>
+                <a:pPr algn="ctr"/>
+                <a:endParaRPr lang="es-ES" sz="1000" b="1" dirty="0">
+                  <a:solidFill>
+                    <a:schemeClr val="tx1">
+                      <a:lumMod val="50000"/>
+                      <a:lumOff val="50000"/>
+                    </a:schemeClr>
+                  </a:solidFill>
+                  <a:latin typeface="Geist Mono Bold" pitchFamily="2" charset="77"/>
+                  <a:ea typeface="Geist Mono Bold" pitchFamily="2" charset="77"/>
+                  <a:cs typeface="Geist Mono Bold" pitchFamily="2" charset="77"/>
+                </a:endParaRPr>
+              </a:p>
+            </p:txBody>
+          </p:sp>
+          <p:grpSp>
+            <p:nvGrpSpPr>
+              <p:cNvPr id="222" name="Grupo 221">
+                <a:extLst>
+                  <a:ext uri="{FF2B5EF4-FFF2-40B4-BE49-F238E27FC236}">
+                    <a16:creationId xmlns:a16="http://schemas.microsoft.com/office/drawing/2014/main" id="{45B4F8EE-50E1-345C-7632-7AA824D60F83}"/>
+                  </a:ext>
+                </a:extLst>
+              </p:cNvPr>
+              <p:cNvGrpSpPr/>
+              <p:nvPr/>
+            </p:nvGrpSpPr>
+            <p:grpSpPr>
+              <a:xfrm>
+                <a:off x="765612" y="3320595"/>
+                <a:ext cx="2226428" cy="2251543"/>
+                <a:chOff x="2779540" y="1033670"/>
+                <a:chExt cx="5727501" cy="917400"/>
+              </a:xfrm>
+            </p:grpSpPr>
+            <p:cxnSp>
+              <p:nvCxnSpPr>
+                <p:cNvPr id="225" name="Conector recto 224">
+                  <a:extLst>
+                    <a:ext uri="{FF2B5EF4-FFF2-40B4-BE49-F238E27FC236}">
+                      <a16:creationId xmlns:a16="http://schemas.microsoft.com/office/drawing/2014/main" id="{FB470C07-A693-55CA-470A-24A90F2FF6CB}"/>
+                    </a:ext>
+                  </a:extLst>
+                </p:cNvPr>
+                <p:cNvCxnSpPr/>
+                <p:nvPr/>
+              </p:nvCxnSpPr>
+              <p:spPr>
+                <a:xfrm>
+                  <a:off x="5594626" y="1033670"/>
+                  <a:ext cx="3917" cy="458700"/>
+                </a:xfrm>
+                <a:prstGeom prst="line">
+                  <a:avLst/>
+                </a:prstGeom>
+              </p:spPr>
+              <p:style>
+                <a:lnRef idx="2">
+                  <a:schemeClr val="accent2"/>
+                </a:lnRef>
+                <a:fillRef idx="0">
+                  <a:schemeClr val="accent2"/>
+                </a:fillRef>
+                <a:effectRef idx="1">
+                  <a:schemeClr val="accent2"/>
+                </a:effectRef>
+                <a:fontRef idx="minor">
+                  <a:schemeClr val="tx1"/>
+                </a:fontRef>
+              </p:style>
+            </p:cxnSp>
+            <p:grpSp>
+              <p:nvGrpSpPr>
+                <p:cNvPr id="226" name="Grupo 225">
+                  <a:extLst>
+                    <a:ext uri="{FF2B5EF4-FFF2-40B4-BE49-F238E27FC236}">
+                      <a16:creationId xmlns:a16="http://schemas.microsoft.com/office/drawing/2014/main" id="{DB98CE70-8031-E49F-BE5C-1FF9A28B4F7D}"/>
+                    </a:ext>
+                  </a:extLst>
+                </p:cNvPr>
+                <p:cNvGrpSpPr/>
+                <p:nvPr/>
+              </p:nvGrpSpPr>
+              <p:grpSpPr>
+                <a:xfrm>
+                  <a:off x="2779540" y="1492370"/>
+                  <a:ext cx="5727501" cy="458700"/>
+                  <a:chOff x="2779540" y="1492370"/>
+                  <a:chExt cx="5727501" cy="458700"/>
+                </a:xfrm>
+              </p:grpSpPr>
+              <p:cxnSp>
+                <p:nvCxnSpPr>
+                  <p:cNvPr id="227" name="Conector recto 226">
+                    <a:extLst>
+                      <a:ext uri="{FF2B5EF4-FFF2-40B4-BE49-F238E27FC236}">
+                        <a16:creationId xmlns:a16="http://schemas.microsoft.com/office/drawing/2014/main" id="{EC15BE55-E3A4-6DC7-154C-453036C5CE32}"/>
+                      </a:ext>
+                    </a:extLst>
+                  </p:cNvPr>
+                  <p:cNvCxnSpPr>
+                    <a:cxnSpLocks/>
+                  </p:cNvCxnSpPr>
+                  <p:nvPr/>
+                </p:nvCxnSpPr>
+                <p:spPr>
+                  <a:xfrm>
+                    <a:off x="2779540" y="1492370"/>
+                    <a:ext cx="5726105" cy="0"/>
+                  </a:xfrm>
+                  <a:prstGeom prst="line">
+                    <a:avLst/>
+                  </a:prstGeom>
+                </p:spPr>
+                <p:style>
+                  <a:lnRef idx="2">
+                    <a:schemeClr val="accent2"/>
+                  </a:lnRef>
+                  <a:fillRef idx="0">
+                    <a:schemeClr val="accent2"/>
+                  </a:fillRef>
+                  <a:effectRef idx="1">
+                    <a:schemeClr val="accent2"/>
+                  </a:effectRef>
+                  <a:fontRef idx="minor">
+                    <a:schemeClr val="tx1"/>
+                  </a:fontRef>
+                </p:style>
+              </p:cxnSp>
+              <p:cxnSp>
+                <p:nvCxnSpPr>
+                  <p:cNvPr id="228" name="Conector recto 227">
+                    <a:extLst>
+                      <a:ext uri="{FF2B5EF4-FFF2-40B4-BE49-F238E27FC236}">
+                        <a16:creationId xmlns:a16="http://schemas.microsoft.com/office/drawing/2014/main" id="{551FFC52-CA4D-30E1-878D-5FE15BD92899}"/>
+                      </a:ext>
+                    </a:extLst>
+                  </p:cNvPr>
+                  <p:cNvCxnSpPr/>
+                  <p:nvPr/>
+                </p:nvCxnSpPr>
+                <p:spPr>
+                  <a:xfrm>
+                    <a:off x="2779540" y="1492370"/>
+                    <a:ext cx="3917" cy="458700"/>
+                  </a:xfrm>
+                  <a:prstGeom prst="line">
+                    <a:avLst/>
+                  </a:prstGeom>
+                </p:spPr>
+                <p:style>
+                  <a:lnRef idx="2">
+                    <a:schemeClr val="accent2"/>
+                  </a:lnRef>
+                  <a:fillRef idx="0">
+                    <a:schemeClr val="accent2"/>
+                  </a:fillRef>
+                  <a:effectRef idx="1">
+                    <a:schemeClr val="accent2"/>
+                  </a:effectRef>
+                  <a:fontRef idx="minor">
+                    <a:schemeClr val="tx1"/>
+                  </a:fontRef>
+                </p:style>
+              </p:cxnSp>
+              <p:cxnSp>
+                <p:nvCxnSpPr>
+                  <p:cNvPr id="229" name="Conector recto 228">
+                    <a:extLst>
+                      <a:ext uri="{FF2B5EF4-FFF2-40B4-BE49-F238E27FC236}">
+                        <a16:creationId xmlns:a16="http://schemas.microsoft.com/office/drawing/2014/main" id="{18E12AEA-CC2F-7D4A-BA81-DABAF3619EDB}"/>
+                      </a:ext>
+                    </a:extLst>
+                  </p:cNvPr>
+                  <p:cNvCxnSpPr>
+                    <a:cxnSpLocks/>
+                  </p:cNvCxnSpPr>
+                  <p:nvPr/>
+                </p:nvCxnSpPr>
+                <p:spPr>
+                  <a:xfrm>
+                    <a:off x="8503124" y="1492370"/>
+                    <a:ext cx="3917" cy="458700"/>
+                  </a:xfrm>
+                  <a:prstGeom prst="line">
+                    <a:avLst/>
+                  </a:prstGeom>
+                </p:spPr>
+                <p:style>
+                  <a:lnRef idx="2">
+                    <a:schemeClr val="accent2"/>
+                  </a:lnRef>
+                  <a:fillRef idx="0">
+                    <a:schemeClr val="accent2"/>
+                  </a:fillRef>
+                  <a:effectRef idx="1">
+                    <a:schemeClr val="accent2"/>
+                  </a:effectRef>
+                  <a:fontRef idx="minor">
+                    <a:schemeClr val="tx1"/>
+                  </a:fontRef>
+                </p:style>
+              </p:cxnSp>
+            </p:grpSp>
+          </p:grpSp>
+          <p:sp>
+            <p:nvSpPr>
+              <p:cNvPr id="223" name="Rectángulo redondeado 222">
+                <a:extLst>
+                  <a:ext uri="{FF2B5EF4-FFF2-40B4-BE49-F238E27FC236}">
+                    <a16:creationId xmlns:a16="http://schemas.microsoft.com/office/drawing/2014/main" id="{46F9EFAC-349F-1EF2-7D2D-7821E8D9E991}"/>
+                  </a:ext>
+                </a:extLst>
+              </p:cNvPr>
+              <p:cNvSpPr/>
+              <p:nvPr/>
+            </p:nvSpPr>
+            <p:spPr>
+              <a:xfrm>
+                <a:off x="112138" y="5561381"/>
+                <a:ext cx="2081501" cy="339088"/>
+              </a:xfrm>
+              <a:prstGeom prst="roundRect">
+                <a:avLst/>
+              </a:prstGeom>
+            </p:spPr>
+            <p:style>
+              <a:lnRef idx="2">
+                <a:schemeClr val="accent2"/>
+              </a:lnRef>
+              <a:fillRef idx="1">
+                <a:schemeClr val="lt1"/>
+              </a:fillRef>
+              <a:effectRef idx="0">
+                <a:schemeClr val="accent2"/>
+              </a:effectRef>
+              <a:fontRef idx="minor">
+                <a:schemeClr val="dk1"/>
+              </a:fontRef>
+            </p:style>
+            <p:txBody>
+              <a:bodyPr rtlCol="0" anchor="ctr"/>
+              <a:lstStyle/>
+              <a:p>
+                <a:pPr algn="ctr"/>
+                <a:endParaRPr lang="es-ES" sz="1200" b="1" dirty="0">
+                  <a:solidFill>
+                    <a:schemeClr val="tx1">
+                      <a:lumMod val="50000"/>
+                      <a:lumOff val="50000"/>
+                    </a:schemeClr>
+                  </a:solidFill>
+                  <a:latin typeface="Geist Mono Bold" pitchFamily="2" charset="77"/>
+                  <a:ea typeface="Geist Mono Bold" pitchFamily="2" charset="77"/>
+                  <a:cs typeface="Geist Mono Bold" pitchFamily="2" charset="77"/>
+                </a:endParaRPr>
+              </a:p>
+            </p:txBody>
+          </p:sp>
+          <p:sp>
+            <p:nvSpPr>
+              <p:cNvPr id="224" name="Rectángulo redondeado 223">
+                <a:extLst>
+                  <a:ext uri="{FF2B5EF4-FFF2-40B4-BE49-F238E27FC236}">
+                    <a16:creationId xmlns:a16="http://schemas.microsoft.com/office/drawing/2014/main" id="{C75F306D-43CB-622A-5B35-B3F35ABD0EC4}"/>
+                  </a:ext>
+                </a:extLst>
+              </p:cNvPr>
+              <p:cNvSpPr/>
+              <p:nvPr/>
+            </p:nvSpPr>
+            <p:spPr>
+              <a:xfrm>
+                <a:off x="2415392" y="5569433"/>
+                <a:ext cx="1992702" cy="331036"/>
+              </a:xfrm>
+              <a:prstGeom prst="roundRect">
+                <a:avLst/>
+              </a:prstGeom>
+            </p:spPr>
+            <p:style>
+              <a:lnRef idx="2">
+                <a:schemeClr val="accent2"/>
+              </a:lnRef>
+              <a:fillRef idx="1">
+                <a:schemeClr val="lt1"/>
+              </a:fillRef>
+              <a:effectRef idx="0">
+                <a:schemeClr val="accent2"/>
+              </a:effectRef>
+              <a:fontRef idx="minor">
+                <a:schemeClr val="dk1"/>
+              </a:fontRef>
+            </p:style>
+            <p:txBody>
+              <a:bodyPr rtlCol="0" anchor="ctr"/>
+              <a:lstStyle/>
+              <a:p>
+                <a:pPr algn="ctr"/>
+                <a:endParaRPr lang="es-ES" sz="1200" b="1" dirty="0">
+                  <a:solidFill>
+                    <a:schemeClr val="tx1">
+                      <a:lumMod val="50000"/>
+                      <a:lumOff val="50000"/>
+                    </a:schemeClr>
+                  </a:solidFill>
+                  <a:latin typeface="Geist Mono Bold" pitchFamily="2" charset="77"/>
+                  <a:ea typeface="Geist Mono Bold" pitchFamily="2" charset="77"/>
+                  <a:cs typeface="Geist Mono Bold" pitchFamily="2" charset="77"/>
+                </a:endParaRPr>
+              </a:p>
+            </p:txBody>
+          </p:sp>
+        </p:grpSp>
+        <p:sp>
+          <p:nvSpPr>
+            <p:cNvPr id="110" name="CuadroTexto 109">
+              <a:extLst>
+                <a:ext uri="{FF2B5EF4-FFF2-40B4-BE49-F238E27FC236}">
+                  <a16:creationId xmlns:a16="http://schemas.microsoft.com/office/drawing/2014/main" id="{E00D0A6D-C159-89A9-C45E-D98A41A94123}"/>
+                </a:ext>
+              </a:extLst>
+            </p:cNvPr>
+            <p:cNvSpPr txBox="1"/>
+            <p:nvPr/>
+          </p:nvSpPr>
+          <p:spPr>
+            <a:xfrm>
+              <a:off x="479257" y="2768986"/>
+              <a:ext cx="1498318" cy="261610"/>
+            </a:xfrm>
+            <a:prstGeom prst="rect">
+              <a:avLst/>
+            </a:prstGeom>
+            <a:noFill/>
+          </p:spPr>
+          <p:txBody>
+            <a:bodyPr wrap="square" rtlCol="0">
+              <a:spAutoFit/>
+            </a:bodyPr>
+            <a:lstStyle/>
+            <a:p>
+              <a:pPr algn="ctr"/>
+              <a:r>
+                <a:rPr lang="es-ES" sz="1100" b="1" dirty="0">
+                  <a:latin typeface="Geist Mono Bold" pitchFamily="2" charset="77"/>
+                  <a:ea typeface="Geist Mono Bold" pitchFamily="2" charset="77"/>
+                  <a:cs typeface="Geist Mono Bold" pitchFamily="2" charset="77"/>
+                </a:rPr>
+                <a:t>Árbol 2</a:t>
+              </a:r>
+            </a:p>
+          </p:txBody>
+        </p:sp>
+      </p:grpSp>
+      <p:sp>
+        <p:nvSpPr>
+          <p:cNvPr id="250" name="Flecha abajo 249">
+            <a:extLst>
+              <a:ext uri="{FF2B5EF4-FFF2-40B4-BE49-F238E27FC236}">
+                <a16:creationId xmlns:a16="http://schemas.microsoft.com/office/drawing/2014/main" id="{A36D83DB-CF6D-58A8-AA2B-519BE7321817}"/>
+              </a:ext>
+            </a:extLst>
+          </p:cNvPr>
+          <p:cNvSpPr/>
+          <p:nvPr/>
+        </p:nvSpPr>
+        <p:spPr>
+          <a:xfrm>
+            <a:off x="3774431" y="2487174"/>
+            <a:ext cx="254564" cy="690113"/>
+          </a:xfrm>
+          <a:prstGeom prst="downArrow">
+            <a:avLst/>
+          </a:prstGeom>
+        </p:spPr>
+        <p:style>
+          <a:lnRef idx="2">
+            <a:schemeClr val="accent3">
+              <a:shade val="15000"/>
+            </a:schemeClr>
+          </a:lnRef>
+          <a:fillRef idx="1">
+            <a:schemeClr val="accent3"/>
+          </a:fillRef>
+          <a:effectRef idx="0">
+            <a:schemeClr val="accent3"/>
+          </a:effectRef>
+          <a:fontRef idx="minor">
+            <a:schemeClr val="lt1"/>
+          </a:fontRef>
+        </p:style>
+        <p:txBody>
+          <a:bodyPr rtlCol="0" anchor="ctr"/>
+          <a:lstStyle/>
+          <a:p>
+            <a:pPr algn="ctr"/>
+            <a:endParaRPr lang="es-ES"/>
+          </a:p>
+        </p:txBody>
+      </p:sp>
+      <p:sp>
+        <p:nvSpPr>
+          <p:cNvPr id="251" name="CuadroTexto 250">
+            <a:extLst>
+              <a:ext uri="{FF2B5EF4-FFF2-40B4-BE49-F238E27FC236}">
+                <a16:creationId xmlns:a16="http://schemas.microsoft.com/office/drawing/2014/main" id="{F7A30A79-B448-5AAF-5DB7-64FEA68FAD3E}"/>
+              </a:ext>
+            </a:extLst>
+          </p:cNvPr>
+          <p:cNvSpPr txBox="1"/>
+          <p:nvPr/>
+        </p:nvSpPr>
+        <p:spPr>
+          <a:xfrm>
+            <a:off x="3019915" y="2586918"/>
+            <a:ext cx="802213" cy="261610"/>
+          </a:xfrm>
+          <a:prstGeom prst="rect">
+            <a:avLst/>
+          </a:prstGeom>
+          <a:noFill/>
+        </p:spPr>
+        <p:txBody>
+          <a:bodyPr wrap="square" rtlCol="0">
+            <a:spAutoFit/>
+          </a:bodyPr>
+          <a:lstStyle/>
+          <a:p>
+            <a:pPr algn="ctr"/>
+            <a:r>
+              <a:rPr lang="es-ES" sz="1100" b="1" dirty="0">
+                <a:latin typeface="Geist Mono Bold" pitchFamily="2" charset="77"/>
+                <a:ea typeface="Geist Mono Bold" pitchFamily="2" charset="77"/>
+                <a:cs typeface="Geist Mono Bold" pitchFamily="2" charset="77"/>
+              </a:rPr>
+              <a:t>Train</a:t>
+            </a:r>
+          </a:p>
+        </p:txBody>
+      </p:sp>
+      <p:sp>
+        <p:nvSpPr>
+          <p:cNvPr id="252" name="Flecha abajo 251">
+            <a:extLst>
+              <a:ext uri="{FF2B5EF4-FFF2-40B4-BE49-F238E27FC236}">
+                <a16:creationId xmlns:a16="http://schemas.microsoft.com/office/drawing/2014/main" id="{153AA123-1E0A-2D51-FB3A-0AA171454CC9}"/>
+              </a:ext>
+            </a:extLst>
+          </p:cNvPr>
+          <p:cNvSpPr/>
+          <p:nvPr/>
+        </p:nvSpPr>
+        <p:spPr>
+          <a:xfrm rot="13527141">
+            <a:off x="4894817" y="2500721"/>
+            <a:ext cx="254564" cy="690113"/>
+          </a:xfrm>
+          <a:prstGeom prst="downArrow">
+            <a:avLst/>
+          </a:prstGeom>
+        </p:spPr>
+        <p:style>
+          <a:lnRef idx="2">
+            <a:schemeClr val="accent3">
+              <a:shade val="15000"/>
+            </a:schemeClr>
+          </a:lnRef>
+          <a:fillRef idx="1">
+            <a:schemeClr val="accent3"/>
+          </a:fillRef>
+          <a:effectRef idx="0">
+            <a:schemeClr val="accent3"/>
+          </a:effectRef>
+          <a:fontRef idx="minor">
+            <a:schemeClr val="lt1"/>
+          </a:fontRef>
+        </p:style>
+        <p:txBody>
+          <a:bodyPr rtlCol="0" anchor="ctr"/>
+          <a:lstStyle/>
+          <a:p>
+            <a:pPr algn="ctr"/>
+            <a:endParaRPr lang="es-ES"/>
+          </a:p>
+        </p:txBody>
+      </p:sp>
+      <p:sp>
+        <p:nvSpPr>
+          <p:cNvPr id="253" name="CuadroTexto 252">
+            <a:extLst>
+              <a:ext uri="{FF2B5EF4-FFF2-40B4-BE49-F238E27FC236}">
+                <a16:creationId xmlns:a16="http://schemas.microsoft.com/office/drawing/2014/main" id="{84590515-2EC1-1A27-7453-8266C1A4A6DF}"/>
+              </a:ext>
+            </a:extLst>
+          </p:cNvPr>
+          <p:cNvSpPr txBox="1"/>
+          <p:nvPr/>
+        </p:nvSpPr>
+        <p:spPr>
+          <a:xfrm>
+            <a:off x="4306049" y="2643622"/>
+            <a:ext cx="802213" cy="261610"/>
+          </a:xfrm>
+          <a:prstGeom prst="rect">
+            <a:avLst/>
+          </a:prstGeom>
+          <a:noFill/>
+        </p:spPr>
+        <p:txBody>
+          <a:bodyPr wrap="square" rtlCol="0">
+            <a:spAutoFit/>
+          </a:bodyPr>
+          <a:lstStyle/>
+          <a:p>
+            <a:pPr algn="ctr"/>
+            <a:r>
+              <a:rPr lang="es-ES" sz="1100" b="1" dirty="0">
+                <a:latin typeface="Geist Mono Bold" pitchFamily="2" charset="77"/>
+                <a:ea typeface="Geist Mono Bold" pitchFamily="2" charset="77"/>
+                <a:cs typeface="Geist Mono Bold" pitchFamily="2" charset="77"/>
+              </a:rPr>
+              <a:t>Test</a:t>
+            </a:r>
+          </a:p>
+        </p:txBody>
+      </p:sp>
+      <p:grpSp>
+        <p:nvGrpSpPr>
+          <p:cNvPr id="254" name="Grupo 253">
+            <a:extLst>
+              <a:ext uri="{FF2B5EF4-FFF2-40B4-BE49-F238E27FC236}">
+                <a16:creationId xmlns:a16="http://schemas.microsoft.com/office/drawing/2014/main" id="{66A80D26-BF75-27D3-3694-F9942B18015B}"/>
+              </a:ext>
+            </a:extLst>
+          </p:cNvPr>
+          <p:cNvGrpSpPr/>
+          <p:nvPr/>
+        </p:nvGrpSpPr>
+        <p:grpSpPr>
+          <a:xfrm>
+            <a:off x="8849699" y="3478563"/>
+            <a:ext cx="1498318" cy="1400556"/>
+            <a:chOff x="479257" y="2768986"/>
+            <a:chExt cx="1498318" cy="1400556"/>
+          </a:xfrm>
+        </p:grpSpPr>
+        <p:grpSp>
+          <p:nvGrpSpPr>
+            <p:cNvPr id="255" name="Grupo 254">
+              <a:extLst>
+                <a:ext uri="{FF2B5EF4-FFF2-40B4-BE49-F238E27FC236}">
+                  <a16:creationId xmlns:a16="http://schemas.microsoft.com/office/drawing/2014/main" id="{DD3C2D9C-028F-F989-B157-D1B61DD50992}"/>
+                </a:ext>
+              </a:extLst>
+            </p:cNvPr>
+            <p:cNvGrpSpPr/>
+            <p:nvPr/>
+          </p:nvGrpSpPr>
+          <p:grpSpPr>
+            <a:xfrm>
+              <a:off x="605780" y="3049758"/>
+              <a:ext cx="1186794" cy="1119784"/>
+              <a:chOff x="112138" y="685800"/>
+              <a:chExt cx="11049237" cy="5214669"/>
+            </a:xfrm>
+          </p:grpSpPr>
+          <p:sp>
+            <p:nvSpPr>
+              <p:cNvPr id="257" name="Rectángulo redondeado 256">
+                <a:extLst>
+                  <a:ext uri="{FF2B5EF4-FFF2-40B4-BE49-F238E27FC236}">
+                    <a16:creationId xmlns:a16="http://schemas.microsoft.com/office/drawing/2014/main" id="{1EDE6E72-6CF2-037C-00FD-70015E6D0C6B}"/>
+                  </a:ext>
+                </a:extLst>
+              </p:cNvPr>
+              <p:cNvSpPr/>
+              <p:nvPr/>
+            </p:nvSpPr>
+            <p:spPr>
+              <a:xfrm>
+                <a:off x="4544991" y="685800"/>
+                <a:ext cx="2323548" cy="347870"/>
+              </a:xfrm>
+              <a:prstGeom prst="roundRect">
+                <a:avLst/>
+              </a:prstGeom>
+            </p:spPr>
+            <p:style>
+              <a:lnRef idx="2">
+                <a:schemeClr val="accent2"/>
+              </a:lnRef>
+              <a:fillRef idx="1">
+                <a:schemeClr val="lt1"/>
+              </a:fillRef>
+              <a:effectRef idx="0">
+                <a:schemeClr val="accent2"/>
+              </a:effectRef>
+              <a:fontRef idx="minor">
+                <a:schemeClr val="dk1"/>
+              </a:fontRef>
+            </p:style>
+            <p:txBody>
+              <a:bodyPr rtlCol="0" anchor="ctr"/>
+              <a:lstStyle/>
+              <a:p>
+                <a:pPr algn="ctr"/>
+                <a:endParaRPr lang="es-ES" dirty="0">
+                  <a:latin typeface="Geist Mono" pitchFamily="2" charset="77"/>
+                  <a:ea typeface="Geist Mono" pitchFamily="2" charset="77"/>
+                  <a:cs typeface="Geist Mono" pitchFamily="2" charset="77"/>
+                </a:endParaRPr>
+              </a:p>
+            </p:txBody>
+          </p:sp>
+          <p:grpSp>
+            <p:nvGrpSpPr>
+              <p:cNvPr id="258" name="Grupo 257">
+                <a:extLst>
+                  <a:ext uri="{FF2B5EF4-FFF2-40B4-BE49-F238E27FC236}">
+                    <a16:creationId xmlns:a16="http://schemas.microsoft.com/office/drawing/2014/main" id="{D375FBCD-D354-D981-5E20-93C615BC3141}"/>
+                  </a:ext>
+                </a:extLst>
+              </p:cNvPr>
+              <p:cNvGrpSpPr/>
+              <p:nvPr/>
+            </p:nvGrpSpPr>
+            <p:grpSpPr>
+              <a:xfrm>
+                <a:off x="2891679" y="1033670"/>
+                <a:ext cx="5727501" cy="917400"/>
+                <a:chOff x="2779540" y="1033670"/>
+                <a:chExt cx="5727501" cy="917400"/>
+              </a:xfrm>
+            </p:grpSpPr>
+            <p:cxnSp>
+              <p:nvCxnSpPr>
+                <p:cNvPr id="293" name="Conector recto 292">
+                  <a:extLst>
+                    <a:ext uri="{FF2B5EF4-FFF2-40B4-BE49-F238E27FC236}">
+                      <a16:creationId xmlns:a16="http://schemas.microsoft.com/office/drawing/2014/main" id="{661B079B-207B-3405-4829-F845380362E3}"/>
+                    </a:ext>
+                  </a:extLst>
+                </p:cNvPr>
+                <p:cNvCxnSpPr>
+                  <a:stCxn id="257" idx="2"/>
+                </p:cNvCxnSpPr>
+                <p:nvPr/>
+              </p:nvCxnSpPr>
+              <p:spPr>
+                <a:xfrm>
+                  <a:off x="5706765" y="1033670"/>
+                  <a:ext cx="3917" cy="458700"/>
+                </a:xfrm>
+                <a:prstGeom prst="line">
+                  <a:avLst/>
+                </a:prstGeom>
+              </p:spPr>
+              <p:style>
+                <a:lnRef idx="2">
+                  <a:schemeClr val="accent2"/>
+                </a:lnRef>
+                <a:fillRef idx="0">
+                  <a:schemeClr val="accent2"/>
+                </a:fillRef>
+                <a:effectRef idx="1">
+                  <a:schemeClr val="accent2"/>
+                </a:effectRef>
+                <a:fontRef idx="minor">
+                  <a:schemeClr val="tx1"/>
+                </a:fontRef>
+              </p:style>
+            </p:cxnSp>
+            <p:grpSp>
+              <p:nvGrpSpPr>
+                <p:cNvPr id="294" name="Grupo 293">
+                  <a:extLst>
+                    <a:ext uri="{FF2B5EF4-FFF2-40B4-BE49-F238E27FC236}">
+                      <a16:creationId xmlns:a16="http://schemas.microsoft.com/office/drawing/2014/main" id="{38557A92-BC52-480B-8520-F4694DBD856C}"/>
+                    </a:ext>
+                  </a:extLst>
+                </p:cNvPr>
+                <p:cNvGrpSpPr/>
+                <p:nvPr/>
+              </p:nvGrpSpPr>
+              <p:grpSpPr>
+                <a:xfrm>
+                  <a:off x="2779540" y="1492370"/>
+                  <a:ext cx="5727501" cy="458700"/>
+                  <a:chOff x="2779540" y="1492370"/>
+                  <a:chExt cx="5727501" cy="458700"/>
+                </a:xfrm>
+              </p:grpSpPr>
+              <p:cxnSp>
+                <p:nvCxnSpPr>
+                  <p:cNvPr id="295" name="Conector recto 294">
+                    <a:extLst>
+                      <a:ext uri="{FF2B5EF4-FFF2-40B4-BE49-F238E27FC236}">
+                        <a16:creationId xmlns:a16="http://schemas.microsoft.com/office/drawing/2014/main" id="{F832F337-01B6-42E0-1F26-18A61B0E0559}"/>
+                      </a:ext>
+                    </a:extLst>
+                  </p:cNvPr>
+                  <p:cNvCxnSpPr>
+                    <a:cxnSpLocks/>
+                  </p:cNvCxnSpPr>
+                  <p:nvPr/>
+                </p:nvCxnSpPr>
+                <p:spPr>
+                  <a:xfrm>
+                    <a:off x="2779540" y="1492370"/>
+                    <a:ext cx="5726105" cy="0"/>
+                  </a:xfrm>
+                  <a:prstGeom prst="line">
+                    <a:avLst/>
+                  </a:prstGeom>
+                </p:spPr>
+                <p:style>
+                  <a:lnRef idx="2">
+                    <a:schemeClr val="accent2"/>
+                  </a:lnRef>
+                  <a:fillRef idx="0">
+                    <a:schemeClr val="accent2"/>
+                  </a:fillRef>
+                  <a:effectRef idx="1">
+                    <a:schemeClr val="accent2"/>
+                  </a:effectRef>
+                  <a:fontRef idx="minor">
+                    <a:schemeClr val="tx1"/>
+                  </a:fontRef>
+                </p:style>
+              </p:cxnSp>
+              <p:cxnSp>
+                <p:nvCxnSpPr>
+                  <p:cNvPr id="296" name="Conector recto 295">
+                    <a:extLst>
+                      <a:ext uri="{FF2B5EF4-FFF2-40B4-BE49-F238E27FC236}">
+                        <a16:creationId xmlns:a16="http://schemas.microsoft.com/office/drawing/2014/main" id="{8A94EA01-C055-9B82-6A16-90A7C9F45787}"/>
+                      </a:ext>
+                    </a:extLst>
+                  </p:cNvPr>
+                  <p:cNvCxnSpPr/>
+                  <p:nvPr/>
+                </p:nvCxnSpPr>
+                <p:spPr>
+                  <a:xfrm>
+                    <a:off x="2779540" y="1492370"/>
+                    <a:ext cx="3917" cy="458700"/>
+                  </a:xfrm>
+                  <a:prstGeom prst="line">
+                    <a:avLst/>
+                  </a:prstGeom>
+                </p:spPr>
+                <p:style>
+                  <a:lnRef idx="2">
+                    <a:schemeClr val="accent2"/>
+                  </a:lnRef>
+                  <a:fillRef idx="0">
+                    <a:schemeClr val="accent2"/>
+                  </a:fillRef>
+                  <a:effectRef idx="1">
+                    <a:schemeClr val="accent2"/>
+                  </a:effectRef>
+                  <a:fontRef idx="minor">
+                    <a:schemeClr val="tx1"/>
+                  </a:fontRef>
+                </p:style>
+              </p:cxnSp>
+              <p:cxnSp>
+                <p:nvCxnSpPr>
+                  <p:cNvPr id="297" name="Conector recto 296">
+                    <a:extLst>
+                      <a:ext uri="{FF2B5EF4-FFF2-40B4-BE49-F238E27FC236}">
+                        <a16:creationId xmlns:a16="http://schemas.microsoft.com/office/drawing/2014/main" id="{02FB2E30-DA6E-F901-42C6-403A6FEC673F}"/>
+                      </a:ext>
+                    </a:extLst>
+                  </p:cNvPr>
+                  <p:cNvCxnSpPr>
+                    <a:cxnSpLocks/>
+                  </p:cNvCxnSpPr>
+                  <p:nvPr/>
+                </p:nvCxnSpPr>
+                <p:spPr>
+                  <a:xfrm>
+                    <a:off x="8503124" y="1492370"/>
+                    <a:ext cx="3917" cy="458700"/>
+                  </a:xfrm>
+                  <a:prstGeom prst="line">
+                    <a:avLst/>
+                  </a:prstGeom>
+                </p:spPr>
+                <p:style>
+                  <a:lnRef idx="2">
+                    <a:schemeClr val="accent2"/>
+                  </a:lnRef>
+                  <a:fillRef idx="0">
+                    <a:schemeClr val="accent2"/>
+                  </a:fillRef>
+                  <a:effectRef idx="1">
+                    <a:schemeClr val="accent2"/>
+                  </a:effectRef>
+                  <a:fontRef idx="minor">
+                    <a:schemeClr val="tx1"/>
+                  </a:fontRef>
+                </p:style>
+              </p:cxnSp>
+            </p:grpSp>
+          </p:grpSp>
+          <p:sp>
+            <p:nvSpPr>
+              <p:cNvPr id="259" name="Rectángulo redondeado 258">
+                <a:extLst>
+                  <a:ext uri="{FF2B5EF4-FFF2-40B4-BE49-F238E27FC236}">
+                    <a16:creationId xmlns:a16="http://schemas.microsoft.com/office/drawing/2014/main" id="{4051A507-886B-80E6-4FB8-09C57658E3E0}"/>
+                  </a:ext>
+                </a:extLst>
+              </p:cNvPr>
+              <p:cNvSpPr/>
+              <p:nvPr/>
+            </p:nvSpPr>
+            <p:spPr>
+              <a:xfrm>
+                <a:off x="1531112" y="1951070"/>
+                <a:ext cx="2816212" cy="347870"/>
+              </a:xfrm>
+              <a:prstGeom prst="roundRect">
+                <a:avLst/>
+              </a:prstGeom>
+            </p:spPr>
+            <p:style>
+              <a:lnRef idx="2">
+                <a:schemeClr val="accent2"/>
+              </a:lnRef>
+              <a:fillRef idx="1">
+                <a:schemeClr val="lt1"/>
+              </a:fillRef>
+              <a:effectRef idx="0">
+                <a:schemeClr val="accent2"/>
+              </a:effectRef>
+              <a:fontRef idx="minor">
+                <a:schemeClr val="dk1"/>
+              </a:fontRef>
+            </p:style>
+            <p:txBody>
+              <a:bodyPr rtlCol="0" anchor="ctr"/>
+              <a:lstStyle/>
+              <a:p>
+                <a:pPr algn="ctr"/>
+                <a:endParaRPr lang="es-ES" sz="1200" dirty="0">
+                  <a:solidFill>
+                    <a:schemeClr val="tx1">
+                      <a:lumMod val="50000"/>
+                      <a:lumOff val="50000"/>
+                    </a:schemeClr>
+                  </a:solidFill>
+                  <a:latin typeface="Geist Mono" pitchFamily="2" charset="77"/>
+                  <a:ea typeface="Geist Mono" pitchFamily="2" charset="77"/>
+                  <a:cs typeface="Geist Mono" pitchFamily="2" charset="77"/>
+                </a:endParaRPr>
+              </a:p>
+            </p:txBody>
+          </p:sp>
+          <p:sp>
+            <p:nvSpPr>
+              <p:cNvPr id="260" name="Rectángulo redondeado 259">
+                <a:extLst>
+                  <a:ext uri="{FF2B5EF4-FFF2-40B4-BE49-F238E27FC236}">
+                    <a16:creationId xmlns:a16="http://schemas.microsoft.com/office/drawing/2014/main" id="{2493E874-8161-D752-55DB-C57BD54D50FB}"/>
+                  </a:ext>
+                </a:extLst>
+              </p:cNvPr>
+              <p:cNvSpPr/>
+              <p:nvPr/>
+            </p:nvSpPr>
+            <p:spPr>
+              <a:xfrm>
+                <a:off x="7207157" y="1951070"/>
+                <a:ext cx="2816212" cy="347870"/>
+              </a:xfrm>
+              <a:prstGeom prst="roundRect">
+                <a:avLst/>
+              </a:prstGeom>
+            </p:spPr>
+            <p:style>
+              <a:lnRef idx="2">
+                <a:schemeClr val="accent2"/>
+              </a:lnRef>
+              <a:fillRef idx="1">
+                <a:schemeClr val="lt1"/>
+              </a:fillRef>
+              <a:effectRef idx="0">
+                <a:schemeClr val="accent2"/>
+              </a:effectRef>
+              <a:fontRef idx="minor">
+                <a:schemeClr val="dk1"/>
+              </a:fontRef>
+            </p:style>
+            <p:txBody>
+              <a:bodyPr rtlCol="0" anchor="ctr"/>
+              <a:lstStyle/>
+              <a:p>
+                <a:pPr algn="ctr"/>
+                <a:endParaRPr lang="es-ES" sz="1200" dirty="0">
+                  <a:solidFill>
+                    <a:schemeClr val="tx1">
+                      <a:lumMod val="50000"/>
+                      <a:lumOff val="50000"/>
+                    </a:schemeClr>
+                  </a:solidFill>
+                  <a:latin typeface="Geist Mono" pitchFamily="2" charset="77"/>
+                  <a:ea typeface="Geist Mono" pitchFamily="2" charset="77"/>
+                  <a:cs typeface="Geist Mono" pitchFamily="2" charset="77"/>
+                </a:endParaRPr>
+              </a:p>
+            </p:txBody>
+          </p:sp>
+          <p:grpSp>
+            <p:nvGrpSpPr>
+              <p:cNvPr id="261" name="Grupo 260">
+                <a:extLst>
+                  <a:ext uri="{FF2B5EF4-FFF2-40B4-BE49-F238E27FC236}">
+                    <a16:creationId xmlns:a16="http://schemas.microsoft.com/office/drawing/2014/main" id="{4A862F46-2978-074E-CE69-E99D385CE201}"/>
+                  </a:ext>
+                </a:extLst>
+              </p:cNvPr>
+              <p:cNvGrpSpPr/>
+              <p:nvPr/>
+            </p:nvGrpSpPr>
+            <p:grpSpPr>
+              <a:xfrm>
+                <a:off x="1289619" y="2298940"/>
+                <a:ext cx="3255372" cy="616788"/>
+                <a:chOff x="2779540" y="1033670"/>
+                <a:chExt cx="5727501" cy="917400"/>
+              </a:xfrm>
+            </p:grpSpPr>
+            <p:cxnSp>
+              <p:nvCxnSpPr>
+                <p:cNvPr id="288" name="Conector recto 287">
+                  <a:extLst>
+                    <a:ext uri="{FF2B5EF4-FFF2-40B4-BE49-F238E27FC236}">
+                      <a16:creationId xmlns:a16="http://schemas.microsoft.com/office/drawing/2014/main" id="{34EB40E7-C74B-D411-8B4A-C9421C116754}"/>
+                    </a:ext>
+                  </a:extLst>
+                </p:cNvPr>
+                <p:cNvCxnSpPr/>
+                <p:nvPr/>
+              </p:nvCxnSpPr>
+              <p:spPr>
+                <a:xfrm>
+                  <a:off x="5594626" y="1033670"/>
+                  <a:ext cx="3917" cy="458700"/>
+                </a:xfrm>
+                <a:prstGeom prst="line">
+                  <a:avLst/>
+                </a:prstGeom>
+              </p:spPr>
+              <p:style>
+                <a:lnRef idx="2">
+                  <a:schemeClr val="accent2"/>
+                </a:lnRef>
+                <a:fillRef idx="0">
+                  <a:schemeClr val="accent2"/>
+                </a:fillRef>
+                <a:effectRef idx="1">
+                  <a:schemeClr val="accent2"/>
+                </a:effectRef>
+                <a:fontRef idx="minor">
+                  <a:schemeClr val="tx1"/>
+                </a:fontRef>
+              </p:style>
+            </p:cxnSp>
+            <p:grpSp>
+              <p:nvGrpSpPr>
+                <p:cNvPr id="289" name="Grupo 288">
+                  <a:extLst>
+                    <a:ext uri="{FF2B5EF4-FFF2-40B4-BE49-F238E27FC236}">
+                      <a16:creationId xmlns:a16="http://schemas.microsoft.com/office/drawing/2014/main" id="{0D977795-27D1-8C2C-6A71-5BCFD09C1F6D}"/>
+                    </a:ext>
+                  </a:extLst>
+                </p:cNvPr>
+                <p:cNvGrpSpPr/>
+                <p:nvPr/>
+              </p:nvGrpSpPr>
+              <p:grpSpPr>
+                <a:xfrm>
+                  <a:off x="2779540" y="1492370"/>
+                  <a:ext cx="5727501" cy="458700"/>
+                  <a:chOff x="2779540" y="1492370"/>
+                  <a:chExt cx="5727501" cy="458700"/>
+                </a:xfrm>
+              </p:grpSpPr>
+              <p:cxnSp>
+                <p:nvCxnSpPr>
+                  <p:cNvPr id="290" name="Conector recto 289">
+                    <a:extLst>
+                      <a:ext uri="{FF2B5EF4-FFF2-40B4-BE49-F238E27FC236}">
+                        <a16:creationId xmlns:a16="http://schemas.microsoft.com/office/drawing/2014/main" id="{77CC0264-8F05-8783-4735-C1E95369045E}"/>
+                      </a:ext>
+                    </a:extLst>
+                  </p:cNvPr>
+                  <p:cNvCxnSpPr>
+                    <a:cxnSpLocks/>
+                  </p:cNvCxnSpPr>
+                  <p:nvPr/>
+                </p:nvCxnSpPr>
+                <p:spPr>
+                  <a:xfrm>
+                    <a:off x="2779540" y="1492370"/>
+                    <a:ext cx="5726105" cy="0"/>
+                  </a:xfrm>
+                  <a:prstGeom prst="line">
+                    <a:avLst/>
+                  </a:prstGeom>
+                </p:spPr>
+                <p:style>
+                  <a:lnRef idx="2">
+                    <a:schemeClr val="accent2"/>
+                  </a:lnRef>
+                  <a:fillRef idx="0">
+                    <a:schemeClr val="accent2"/>
+                  </a:fillRef>
+                  <a:effectRef idx="1">
+                    <a:schemeClr val="accent2"/>
+                  </a:effectRef>
+                  <a:fontRef idx="minor">
+                    <a:schemeClr val="tx1"/>
+                  </a:fontRef>
+                </p:style>
+              </p:cxnSp>
+              <p:cxnSp>
+                <p:nvCxnSpPr>
+                  <p:cNvPr id="291" name="Conector recto 290">
+                    <a:extLst>
+                      <a:ext uri="{FF2B5EF4-FFF2-40B4-BE49-F238E27FC236}">
+                        <a16:creationId xmlns:a16="http://schemas.microsoft.com/office/drawing/2014/main" id="{48C29745-37DC-6D7B-B283-0664AC4C2F13}"/>
+                      </a:ext>
+                    </a:extLst>
+                  </p:cNvPr>
+                  <p:cNvCxnSpPr/>
+                  <p:nvPr/>
+                </p:nvCxnSpPr>
+                <p:spPr>
+                  <a:xfrm>
+                    <a:off x="2779540" y="1492370"/>
+                    <a:ext cx="3917" cy="458700"/>
+                  </a:xfrm>
+                  <a:prstGeom prst="line">
+                    <a:avLst/>
+                  </a:prstGeom>
+                </p:spPr>
+                <p:style>
+                  <a:lnRef idx="2">
+                    <a:schemeClr val="accent2"/>
+                  </a:lnRef>
+                  <a:fillRef idx="0">
+                    <a:schemeClr val="accent2"/>
+                  </a:fillRef>
+                  <a:effectRef idx="1">
+                    <a:schemeClr val="accent2"/>
+                  </a:effectRef>
+                  <a:fontRef idx="minor">
+                    <a:schemeClr val="tx1"/>
+                  </a:fontRef>
+                </p:style>
+              </p:cxnSp>
+              <p:cxnSp>
+                <p:nvCxnSpPr>
+                  <p:cNvPr id="292" name="Conector recto 291">
+                    <a:extLst>
+                      <a:ext uri="{FF2B5EF4-FFF2-40B4-BE49-F238E27FC236}">
+                        <a16:creationId xmlns:a16="http://schemas.microsoft.com/office/drawing/2014/main" id="{81D02A43-1351-A47C-2394-2237352D422E}"/>
+                      </a:ext>
+                    </a:extLst>
+                  </p:cNvPr>
+                  <p:cNvCxnSpPr>
+                    <a:cxnSpLocks/>
+                  </p:cNvCxnSpPr>
+                  <p:nvPr/>
+                </p:nvCxnSpPr>
+                <p:spPr>
+                  <a:xfrm>
+                    <a:off x="8503124" y="1492370"/>
+                    <a:ext cx="3917" cy="458700"/>
+                  </a:xfrm>
+                  <a:prstGeom prst="line">
+                    <a:avLst/>
+                  </a:prstGeom>
+                </p:spPr>
+                <p:style>
+                  <a:lnRef idx="2">
+                    <a:schemeClr val="accent2"/>
+                  </a:lnRef>
+                  <a:fillRef idx="0">
+                    <a:schemeClr val="accent2"/>
+                  </a:fillRef>
+                  <a:effectRef idx="1">
+                    <a:schemeClr val="accent2"/>
+                  </a:effectRef>
+                  <a:fontRef idx="minor">
+                    <a:schemeClr val="tx1"/>
+                  </a:fontRef>
+                </p:style>
+              </p:cxnSp>
+            </p:grpSp>
+          </p:grpSp>
+          <p:sp>
+            <p:nvSpPr>
+              <p:cNvPr id="262" name="Rectángulo redondeado 261">
+                <a:extLst>
+                  <a:ext uri="{FF2B5EF4-FFF2-40B4-BE49-F238E27FC236}">
+                    <a16:creationId xmlns:a16="http://schemas.microsoft.com/office/drawing/2014/main" id="{C2BE77D7-FB41-6BD1-E440-BAA18407812C}"/>
+                  </a:ext>
+                </a:extLst>
+              </p:cNvPr>
+              <p:cNvSpPr/>
+              <p:nvPr/>
+            </p:nvSpPr>
+            <p:spPr>
+              <a:xfrm>
+                <a:off x="633217" y="2918635"/>
+                <a:ext cx="1312804" cy="385233"/>
+              </a:xfrm>
+              <a:prstGeom prst="roundRect">
+                <a:avLst/>
+              </a:prstGeom>
+            </p:spPr>
+            <p:style>
+              <a:lnRef idx="2">
+                <a:schemeClr val="accent2"/>
+              </a:lnRef>
+              <a:fillRef idx="1">
+                <a:schemeClr val="lt1"/>
+              </a:fillRef>
+              <a:effectRef idx="0">
+                <a:schemeClr val="accent2"/>
+              </a:effectRef>
+              <a:fontRef idx="minor">
+                <a:schemeClr val="dk1"/>
+              </a:fontRef>
+            </p:style>
+            <p:txBody>
+              <a:bodyPr rtlCol="0" anchor="ctr"/>
+              <a:lstStyle/>
+              <a:p>
+                <a:pPr algn="ctr"/>
+                <a:endParaRPr lang="es-ES" sz="1200" b="1" i="0" dirty="0">
+                  <a:solidFill>
+                    <a:schemeClr val="tx1">
+                      <a:lumMod val="50000"/>
+                      <a:lumOff val="50000"/>
+                    </a:schemeClr>
+                  </a:solidFill>
+                  <a:effectLst/>
+                  <a:latin typeface="Geist Mono Bold" pitchFamily="2" charset="77"/>
+                  <a:ea typeface="Geist Mono Bold" pitchFamily="2" charset="77"/>
+                  <a:cs typeface="Geist Mono Bold" pitchFamily="2" charset="77"/>
+                </a:endParaRPr>
+              </a:p>
+            </p:txBody>
+          </p:sp>
+          <p:sp>
+            <p:nvSpPr>
+              <p:cNvPr id="263" name="Rectángulo redondeado 262">
+                <a:extLst>
+                  <a:ext uri="{FF2B5EF4-FFF2-40B4-BE49-F238E27FC236}">
+                    <a16:creationId xmlns:a16="http://schemas.microsoft.com/office/drawing/2014/main" id="{DE0ED59F-3CA6-D57A-E92B-A561F540BE0B}"/>
+                  </a:ext>
+                </a:extLst>
+              </p:cNvPr>
+              <p:cNvSpPr/>
+              <p:nvPr/>
+            </p:nvSpPr>
+            <p:spPr>
+              <a:xfrm>
+                <a:off x="3671650" y="2924354"/>
+                <a:ext cx="1742230" cy="707363"/>
+              </a:xfrm>
+              <a:prstGeom prst="roundRect">
+                <a:avLst/>
+              </a:prstGeom>
+            </p:spPr>
+            <p:style>
+              <a:lnRef idx="2">
+                <a:schemeClr val="accent2"/>
+              </a:lnRef>
+              <a:fillRef idx="1">
+                <a:schemeClr val="lt1"/>
+              </a:fillRef>
+              <a:effectRef idx="0">
+                <a:schemeClr val="accent2"/>
+              </a:effectRef>
+              <a:fontRef idx="minor">
+                <a:schemeClr val="dk1"/>
+              </a:fontRef>
+            </p:style>
+            <p:txBody>
+              <a:bodyPr rtlCol="0" anchor="ctr"/>
+              <a:lstStyle/>
+              <a:p>
+                <a:pPr algn="ctr"/>
+                <a:endParaRPr lang="es-ES" sz="1000" b="1" i="0" dirty="0">
+                  <a:solidFill>
+                    <a:schemeClr val="tx1">
+                      <a:lumMod val="50000"/>
+                      <a:lumOff val="50000"/>
+                    </a:schemeClr>
+                  </a:solidFill>
+                  <a:effectLst/>
+                  <a:latin typeface="Geist Mono Bold" pitchFamily="2" charset="77"/>
+                  <a:ea typeface="Geist Mono Bold" pitchFamily="2" charset="77"/>
+                  <a:cs typeface="Geist Mono Bold" pitchFamily="2" charset="77"/>
+                </a:endParaRPr>
+              </a:p>
+            </p:txBody>
+          </p:sp>
+          <p:grpSp>
+            <p:nvGrpSpPr>
+              <p:cNvPr id="264" name="Grupo 263">
+                <a:extLst>
+                  <a:ext uri="{FF2B5EF4-FFF2-40B4-BE49-F238E27FC236}">
+                    <a16:creationId xmlns:a16="http://schemas.microsoft.com/office/drawing/2014/main" id="{95D771B1-6F97-BC1D-AC1F-BC898E336862}"/>
+                  </a:ext>
+                </a:extLst>
+              </p:cNvPr>
+              <p:cNvGrpSpPr/>
+              <p:nvPr/>
+            </p:nvGrpSpPr>
+            <p:grpSpPr>
+              <a:xfrm>
+                <a:off x="7037114" y="2298940"/>
+                <a:ext cx="3255372" cy="616788"/>
+                <a:chOff x="2779540" y="1033670"/>
+                <a:chExt cx="5727501" cy="917400"/>
+              </a:xfrm>
+            </p:grpSpPr>
+            <p:cxnSp>
+              <p:nvCxnSpPr>
+                <p:cNvPr id="283" name="Conector recto 282">
+                  <a:extLst>
+                    <a:ext uri="{FF2B5EF4-FFF2-40B4-BE49-F238E27FC236}">
+                      <a16:creationId xmlns:a16="http://schemas.microsoft.com/office/drawing/2014/main" id="{A3EA327F-729A-B724-1AA3-D6E95D928A8D}"/>
+                    </a:ext>
+                  </a:extLst>
+                </p:cNvPr>
+                <p:cNvCxnSpPr/>
+                <p:nvPr/>
+              </p:nvCxnSpPr>
+              <p:spPr>
+                <a:xfrm>
+                  <a:off x="5594626" y="1033670"/>
+                  <a:ext cx="3917" cy="458700"/>
+                </a:xfrm>
+                <a:prstGeom prst="line">
+                  <a:avLst/>
+                </a:prstGeom>
+              </p:spPr>
+              <p:style>
+                <a:lnRef idx="2">
+                  <a:schemeClr val="accent2"/>
+                </a:lnRef>
+                <a:fillRef idx="0">
+                  <a:schemeClr val="accent2"/>
+                </a:fillRef>
+                <a:effectRef idx="1">
+                  <a:schemeClr val="accent2"/>
+                </a:effectRef>
+                <a:fontRef idx="minor">
+                  <a:schemeClr val="tx1"/>
+                </a:fontRef>
+              </p:style>
+            </p:cxnSp>
+            <p:grpSp>
+              <p:nvGrpSpPr>
+                <p:cNvPr id="284" name="Grupo 283">
+                  <a:extLst>
+                    <a:ext uri="{FF2B5EF4-FFF2-40B4-BE49-F238E27FC236}">
+                      <a16:creationId xmlns:a16="http://schemas.microsoft.com/office/drawing/2014/main" id="{4E61FB54-6839-6B63-3693-A3646863E974}"/>
+                    </a:ext>
+                  </a:extLst>
+                </p:cNvPr>
+                <p:cNvGrpSpPr/>
+                <p:nvPr/>
+              </p:nvGrpSpPr>
+              <p:grpSpPr>
+                <a:xfrm>
+                  <a:off x="2779540" y="1492370"/>
+                  <a:ext cx="5727501" cy="458700"/>
+                  <a:chOff x="2779540" y="1492370"/>
+                  <a:chExt cx="5727501" cy="458700"/>
+                </a:xfrm>
+              </p:grpSpPr>
+              <p:cxnSp>
+                <p:nvCxnSpPr>
+                  <p:cNvPr id="285" name="Conector recto 284">
+                    <a:extLst>
+                      <a:ext uri="{FF2B5EF4-FFF2-40B4-BE49-F238E27FC236}">
+                        <a16:creationId xmlns:a16="http://schemas.microsoft.com/office/drawing/2014/main" id="{0DBEA2F3-5069-7487-08C1-AFEAEA42DF26}"/>
+                      </a:ext>
+                    </a:extLst>
+                  </p:cNvPr>
+                  <p:cNvCxnSpPr>
+                    <a:cxnSpLocks/>
+                  </p:cNvCxnSpPr>
+                  <p:nvPr/>
+                </p:nvCxnSpPr>
+                <p:spPr>
+                  <a:xfrm>
+                    <a:off x="2779540" y="1492370"/>
+                    <a:ext cx="5726105" cy="0"/>
+                  </a:xfrm>
+                  <a:prstGeom prst="line">
+                    <a:avLst/>
+                  </a:prstGeom>
+                </p:spPr>
+                <p:style>
+                  <a:lnRef idx="2">
+                    <a:schemeClr val="accent2"/>
+                  </a:lnRef>
+                  <a:fillRef idx="0">
+                    <a:schemeClr val="accent2"/>
+                  </a:fillRef>
+                  <a:effectRef idx="1">
+                    <a:schemeClr val="accent2"/>
+                  </a:effectRef>
+                  <a:fontRef idx="minor">
+                    <a:schemeClr val="tx1"/>
+                  </a:fontRef>
+                </p:style>
+              </p:cxnSp>
+              <p:cxnSp>
+                <p:nvCxnSpPr>
+                  <p:cNvPr id="286" name="Conector recto 285">
+                    <a:extLst>
+                      <a:ext uri="{FF2B5EF4-FFF2-40B4-BE49-F238E27FC236}">
+                        <a16:creationId xmlns:a16="http://schemas.microsoft.com/office/drawing/2014/main" id="{D5AF8B2E-EB9E-073C-CA5E-4088DAFDA382}"/>
+                      </a:ext>
+                    </a:extLst>
+                  </p:cNvPr>
+                  <p:cNvCxnSpPr/>
+                  <p:nvPr/>
+                </p:nvCxnSpPr>
+                <p:spPr>
+                  <a:xfrm>
+                    <a:off x="2779540" y="1492370"/>
+                    <a:ext cx="3917" cy="458700"/>
+                  </a:xfrm>
+                  <a:prstGeom prst="line">
+                    <a:avLst/>
+                  </a:prstGeom>
+                </p:spPr>
+                <p:style>
+                  <a:lnRef idx="2">
+                    <a:schemeClr val="accent2"/>
+                  </a:lnRef>
+                  <a:fillRef idx="0">
+                    <a:schemeClr val="accent2"/>
+                  </a:fillRef>
+                  <a:effectRef idx="1">
+                    <a:schemeClr val="accent2"/>
+                  </a:effectRef>
+                  <a:fontRef idx="minor">
+                    <a:schemeClr val="tx1"/>
+                  </a:fontRef>
+                </p:style>
+              </p:cxnSp>
+              <p:cxnSp>
+                <p:nvCxnSpPr>
+                  <p:cNvPr id="287" name="Conector recto 286">
+                    <a:extLst>
+                      <a:ext uri="{FF2B5EF4-FFF2-40B4-BE49-F238E27FC236}">
+                        <a16:creationId xmlns:a16="http://schemas.microsoft.com/office/drawing/2014/main" id="{FCDE15F1-462E-899A-FFDB-8286AC008D7B}"/>
+                      </a:ext>
+                    </a:extLst>
+                  </p:cNvPr>
+                  <p:cNvCxnSpPr>
+                    <a:cxnSpLocks/>
+                  </p:cNvCxnSpPr>
+                  <p:nvPr/>
+                </p:nvCxnSpPr>
+                <p:spPr>
+                  <a:xfrm>
+                    <a:off x="8503124" y="1492370"/>
+                    <a:ext cx="3917" cy="458700"/>
+                  </a:xfrm>
+                  <a:prstGeom prst="line">
+                    <a:avLst/>
+                  </a:prstGeom>
+                </p:spPr>
+                <p:style>
+                  <a:lnRef idx="2">
+                    <a:schemeClr val="accent2"/>
+                  </a:lnRef>
+                  <a:fillRef idx="0">
+                    <a:schemeClr val="accent2"/>
+                  </a:fillRef>
+                  <a:effectRef idx="1">
+                    <a:schemeClr val="accent2"/>
+                  </a:effectRef>
+                  <a:fontRef idx="minor">
+                    <a:schemeClr val="tx1"/>
+                  </a:fontRef>
+                </p:style>
+              </p:cxnSp>
+            </p:grpSp>
+          </p:grpSp>
+          <p:sp>
+            <p:nvSpPr>
+              <p:cNvPr id="265" name="Rectángulo redondeado 264">
+                <a:extLst>
+                  <a:ext uri="{FF2B5EF4-FFF2-40B4-BE49-F238E27FC236}">
+                    <a16:creationId xmlns:a16="http://schemas.microsoft.com/office/drawing/2014/main" id="{CF11CCC4-575C-E1C3-D5F3-65600BDF2D3D}"/>
+                  </a:ext>
+                </a:extLst>
+              </p:cNvPr>
+              <p:cNvSpPr/>
+              <p:nvPr/>
+            </p:nvSpPr>
+            <p:spPr>
+              <a:xfrm>
+                <a:off x="6326867" y="2918635"/>
+                <a:ext cx="1466818" cy="385233"/>
+              </a:xfrm>
+              <a:prstGeom prst="roundRect">
+                <a:avLst/>
+              </a:prstGeom>
+            </p:spPr>
+            <p:style>
+              <a:lnRef idx="2">
+                <a:schemeClr val="accent2"/>
+              </a:lnRef>
+              <a:fillRef idx="1">
+                <a:schemeClr val="lt1"/>
+              </a:fillRef>
+              <a:effectRef idx="0">
+                <a:schemeClr val="accent2"/>
+              </a:effectRef>
+              <a:fontRef idx="minor">
+                <a:schemeClr val="dk1"/>
+              </a:fontRef>
+            </p:style>
+            <p:txBody>
+              <a:bodyPr rtlCol="0" anchor="ctr"/>
+              <a:lstStyle/>
+              <a:p>
+                <a:pPr algn="ctr"/>
+                <a:endParaRPr lang="es-ES" sz="1200" b="1" i="0" dirty="0">
+                  <a:solidFill>
+                    <a:schemeClr val="tx1">
+                      <a:lumMod val="50000"/>
+                      <a:lumOff val="50000"/>
+                    </a:schemeClr>
+                  </a:solidFill>
+                  <a:effectLst/>
+                  <a:latin typeface="Geist Mono Bold" pitchFamily="2" charset="77"/>
+                  <a:ea typeface="Geist Mono Bold" pitchFamily="2" charset="77"/>
+                  <a:cs typeface="Geist Mono Bold" pitchFamily="2" charset="77"/>
+                </a:endParaRPr>
+              </a:p>
+            </p:txBody>
+          </p:sp>
+          <p:sp>
+            <p:nvSpPr>
+              <p:cNvPr id="266" name="Rectángulo redondeado 265">
+                <a:extLst>
+                  <a:ext uri="{FF2B5EF4-FFF2-40B4-BE49-F238E27FC236}">
+                    <a16:creationId xmlns:a16="http://schemas.microsoft.com/office/drawing/2014/main" id="{860EB2B9-3EB7-ADA3-8686-A7966DAA489F}"/>
+                  </a:ext>
+                </a:extLst>
+              </p:cNvPr>
+              <p:cNvSpPr/>
+              <p:nvPr/>
+            </p:nvSpPr>
+            <p:spPr>
+              <a:xfrm>
+                <a:off x="9419145" y="2924355"/>
+                <a:ext cx="1742230" cy="379514"/>
+              </a:xfrm>
+              <a:prstGeom prst="roundRect">
+                <a:avLst/>
+              </a:prstGeom>
+            </p:spPr>
+            <p:style>
+              <a:lnRef idx="2">
+                <a:schemeClr val="accent2"/>
+              </a:lnRef>
+              <a:fillRef idx="1">
+                <a:schemeClr val="lt1"/>
+              </a:fillRef>
+              <a:effectRef idx="0">
+                <a:schemeClr val="accent2"/>
+              </a:effectRef>
+              <a:fontRef idx="minor">
+                <a:schemeClr val="dk1"/>
+              </a:fontRef>
+            </p:style>
+            <p:txBody>
+              <a:bodyPr rtlCol="0" anchor="ctr"/>
+              <a:lstStyle/>
+              <a:p>
+                <a:pPr algn="ctr"/>
+                <a:endParaRPr lang="es-ES" sz="1000" b="1" i="0" dirty="0">
+                  <a:solidFill>
+                    <a:schemeClr val="tx1">
+                      <a:lumMod val="50000"/>
+                      <a:lumOff val="50000"/>
+                    </a:schemeClr>
+                  </a:solidFill>
+                  <a:effectLst/>
+                  <a:latin typeface="Geist Mono Bold" pitchFamily="2" charset="77"/>
+                  <a:ea typeface="Geist Mono Bold" pitchFamily="2" charset="77"/>
+                  <a:cs typeface="Geist Mono Bold" pitchFamily="2" charset="77"/>
+                </a:endParaRPr>
+              </a:p>
+            </p:txBody>
+          </p:sp>
+          <p:grpSp>
+            <p:nvGrpSpPr>
+              <p:cNvPr id="267" name="Grupo 266">
+                <a:extLst>
+                  <a:ext uri="{FF2B5EF4-FFF2-40B4-BE49-F238E27FC236}">
+                    <a16:creationId xmlns:a16="http://schemas.microsoft.com/office/drawing/2014/main" id="{67C52842-7784-7A01-A345-8B0E104E5BE8}"/>
+                  </a:ext>
+                </a:extLst>
+              </p:cNvPr>
+              <p:cNvGrpSpPr/>
+              <p:nvPr/>
+            </p:nvGrpSpPr>
+            <p:grpSpPr>
+              <a:xfrm>
+                <a:off x="5511823" y="3306773"/>
+                <a:ext cx="3255372" cy="868401"/>
+                <a:chOff x="2779540" y="1033670"/>
+                <a:chExt cx="5727501" cy="917400"/>
+              </a:xfrm>
+            </p:grpSpPr>
+            <p:cxnSp>
+              <p:nvCxnSpPr>
+                <p:cNvPr id="278" name="Conector recto 277">
+                  <a:extLst>
+                    <a:ext uri="{FF2B5EF4-FFF2-40B4-BE49-F238E27FC236}">
+                      <a16:creationId xmlns:a16="http://schemas.microsoft.com/office/drawing/2014/main" id="{07116ECA-C6A8-BBBB-FF30-CB72D1D728F9}"/>
+                    </a:ext>
+                  </a:extLst>
+                </p:cNvPr>
+                <p:cNvCxnSpPr/>
+                <p:nvPr/>
+              </p:nvCxnSpPr>
+              <p:spPr>
+                <a:xfrm>
+                  <a:off x="5594626" y="1033670"/>
+                  <a:ext cx="3917" cy="458700"/>
+                </a:xfrm>
+                <a:prstGeom prst="line">
+                  <a:avLst/>
+                </a:prstGeom>
+              </p:spPr>
+              <p:style>
+                <a:lnRef idx="2">
+                  <a:schemeClr val="accent2"/>
+                </a:lnRef>
+                <a:fillRef idx="0">
+                  <a:schemeClr val="accent2"/>
+                </a:fillRef>
+                <a:effectRef idx="1">
+                  <a:schemeClr val="accent2"/>
+                </a:effectRef>
+                <a:fontRef idx="minor">
+                  <a:schemeClr val="tx1"/>
+                </a:fontRef>
+              </p:style>
+            </p:cxnSp>
+            <p:grpSp>
+              <p:nvGrpSpPr>
+                <p:cNvPr id="279" name="Grupo 278">
+                  <a:extLst>
+                    <a:ext uri="{FF2B5EF4-FFF2-40B4-BE49-F238E27FC236}">
+                      <a16:creationId xmlns:a16="http://schemas.microsoft.com/office/drawing/2014/main" id="{FD3816F9-BC3E-52A7-F6BF-5FA7EC84BE63}"/>
+                    </a:ext>
+                  </a:extLst>
+                </p:cNvPr>
+                <p:cNvGrpSpPr/>
+                <p:nvPr/>
+              </p:nvGrpSpPr>
+              <p:grpSpPr>
+                <a:xfrm>
+                  <a:off x="2779540" y="1492370"/>
+                  <a:ext cx="5727501" cy="458700"/>
+                  <a:chOff x="2779540" y="1492370"/>
+                  <a:chExt cx="5727501" cy="458700"/>
+                </a:xfrm>
+              </p:grpSpPr>
+              <p:cxnSp>
+                <p:nvCxnSpPr>
+                  <p:cNvPr id="280" name="Conector recto 279">
+                    <a:extLst>
+                      <a:ext uri="{FF2B5EF4-FFF2-40B4-BE49-F238E27FC236}">
+                        <a16:creationId xmlns:a16="http://schemas.microsoft.com/office/drawing/2014/main" id="{74D2CE6C-F401-42AC-8650-B1E049783455}"/>
+                      </a:ext>
+                    </a:extLst>
+                  </p:cNvPr>
+                  <p:cNvCxnSpPr>
+                    <a:cxnSpLocks/>
+                  </p:cNvCxnSpPr>
+                  <p:nvPr/>
+                </p:nvCxnSpPr>
+                <p:spPr>
+                  <a:xfrm>
+                    <a:off x="2779540" y="1492370"/>
+                    <a:ext cx="5726105" cy="0"/>
+                  </a:xfrm>
+                  <a:prstGeom prst="line">
+                    <a:avLst/>
+                  </a:prstGeom>
+                </p:spPr>
+                <p:style>
+                  <a:lnRef idx="2">
+                    <a:schemeClr val="accent2"/>
+                  </a:lnRef>
+                  <a:fillRef idx="0">
+                    <a:schemeClr val="accent2"/>
+                  </a:fillRef>
+                  <a:effectRef idx="1">
+                    <a:schemeClr val="accent2"/>
+                  </a:effectRef>
+                  <a:fontRef idx="minor">
+                    <a:schemeClr val="tx1"/>
+                  </a:fontRef>
+                </p:style>
+              </p:cxnSp>
+              <p:cxnSp>
+                <p:nvCxnSpPr>
+                  <p:cNvPr id="281" name="Conector recto 280">
+                    <a:extLst>
+                      <a:ext uri="{FF2B5EF4-FFF2-40B4-BE49-F238E27FC236}">
+                        <a16:creationId xmlns:a16="http://schemas.microsoft.com/office/drawing/2014/main" id="{EEBA447C-976A-C888-C10B-EC03B228B00C}"/>
+                      </a:ext>
+                    </a:extLst>
+                  </p:cNvPr>
+                  <p:cNvCxnSpPr/>
+                  <p:nvPr/>
+                </p:nvCxnSpPr>
+                <p:spPr>
+                  <a:xfrm>
+                    <a:off x="2779540" y="1492370"/>
+                    <a:ext cx="3917" cy="458700"/>
+                  </a:xfrm>
+                  <a:prstGeom prst="line">
+                    <a:avLst/>
+                  </a:prstGeom>
+                </p:spPr>
+                <p:style>
+                  <a:lnRef idx="2">
+                    <a:schemeClr val="accent2"/>
+                  </a:lnRef>
+                  <a:fillRef idx="0">
+                    <a:schemeClr val="accent2"/>
+                  </a:fillRef>
+                  <a:effectRef idx="1">
+                    <a:schemeClr val="accent2"/>
+                  </a:effectRef>
+                  <a:fontRef idx="minor">
+                    <a:schemeClr val="tx1"/>
+                  </a:fontRef>
+                </p:style>
+              </p:cxnSp>
+              <p:cxnSp>
+                <p:nvCxnSpPr>
+                  <p:cNvPr id="282" name="Conector recto 281">
+                    <a:extLst>
+                      <a:ext uri="{FF2B5EF4-FFF2-40B4-BE49-F238E27FC236}">
+                        <a16:creationId xmlns:a16="http://schemas.microsoft.com/office/drawing/2014/main" id="{D6715A53-AB70-BCDC-FB7F-286C010A27A4}"/>
+                      </a:ext>
+                    </a:extLst>
+                  </p:cNvPr>
+                  <p:cNvCxnSpPr>
+                    <a:cxnSpLocks/>
+                  </p:cNvCxnSpPr>
+                  <p:nvPr/>
+                </p:nvCxnSpPr>
+                <p:spPr>
+                  <a:xfrm>
+                    <a:off x="8503124" y="1492370"/>
+                    <a:ext cx="3917" cy="458700"/>
+                  </a:xfrm>
+                  <a:prstGeom prst="line">
+                    <a:avLst/>
+                  </a:prstGeom>
+                </p:spPr>
+                <p:style>
+                  <a:lnRef idx="2">
+                    <a:schemeClr val="accent2"/>
+                  </a:lnRef>
+                  <a:fillRef idx="0">
+                    <a:schemeClr val="accent2"/>
+                  </a:fillRef>
+                  <a:effectRef idx="1">
+                    <a:schemeClr val="accent2"/>
+                  </a:effectRef>
+                  <a:fontRef idx="minor">
+                    <a:schemeClr val="tx1"/>
+                  </a:fontRef>
+                </p:style>
+              </p:cxnSp>
+            </p:grpSp>
+          </p:grpSp>
+          <p:sp>
+            <p:nvSpPr>
+              <p:cNvPr id="268" name="Rectángulo redondeado 267">
+                <a:extLst>
+                  <a:ext uri="{FF2B5EF4-FFF2-40B4-BE49-F238E27FC236}">
+                    <a16:creationId xmlns:a16="http://schemas.microsoft.com/office/drawing/2014/main" id="{98C3F372-18C8-6799-7CFC-46B773C8343C}"/>
+                  </a:ext>
+                </a:extLst>
+              </p:cNvPr>
+              <p:cNvSpPr/>
+              <p:nvPr/>
+            </p:nvSpPr>
+            <p:spPr>
+              <a:xfrm>
+                <a:off x="4778414" y="4175175"/>
+                <a:ext cx="1466818" cy="542385"/>
+              </a:xfrm>
+              <a:prstGeom prst="roundRect">
+                <a:avLst/>
+              </a:prstGeom>
+            </p:spPr>
+            <p:style>
+              <a:lnRef idx="2">
+                <a:schemeClr val="accent2"/>
+              </a:lnRef>
+              <a:fillRef idx="1">
+                <a:schemeClr val="lt1"/>
+              </a:fillRef>
+              <a:effectRef idx="0">
+                <a:schemeClr val="accent2"/>
+              </a:effectRef>
+              <a:fontRef idx="minor">
+                <a:schemeClr val="dk1"/>
+              </a:fontRef>
+            </p:style>
+            <p:txBody>
+              <a:bodyPr rtlCol="0" anchor="ctr"/>
+              <a:lstStyle/>
+              <a:p>
+                <a:pPr algn="ctr"/>
+                <a:endParaRPr lang="es-ES" sz="1200" b="1" dirty="0">
+                  <a:solidFill>
+                    <a:schemeClr val="tx1">
+                      <a:lumMod val="50000"/>
+                      <a:lumOff val="50000"/>
+                    </a:schemeClr>
+                  </a:solidFill>
+                  <a:latin typeface="Geist Mono Bold" pitchFamily="2" charset="77"/>
+                  <a:ea typeface="Geist Mono Bold" pitchFamily="2" charset="77"/>
+                  <a:cs typeface="Geist Mono Bold" pitchFamily="2" charset="77"/>
+                </a:endParaRPr>
+              </a:p>
+            </p:txBody>
+          </p:sp>
+          <p:sp>
+            <p:nvSpPr>
+              <p:cNvPr id="269" name="Rectángulo redondeado 268">
+                <a:extLst>
+                  <a:ext uri="{FF2B5EF4-FFF2-40B4-BE49-F238E27FC236}">
+                    <a16:creationId xmlns:a16="http://schemas.microsoft.com/office/drawing/2014/main" id="{58B66936-BD7A-8CE5-D1A4-63BBD5F928BF}"/>
+                  </a:ext>
+                </a:extLst>
+              </p:cNvPr>
+              <p:cNvSpPr/>
+              <p:nvPr/>
+            </p:nvSpPr>
+            <p:spPr>
+              <a:xfrm>
+                <a:off x="7893853" y="4170341"/>
+                <a:ext cx="1853991" cy="534333"/>
+              </a:xfrm>
+              <a:prstGeom prst="roundRect">
+                <a:avLst/>
+              </a:prstGeom>
+            </p:spPr>
+            <p:style>
+              <a:lnRef idx="2">
+                <a:schemeClr val="accent2"/>
+              </a:lnRef>
+              <a:fillRef idx="1">
+                <a:schemeClr val="lt1"/>
+              </a:fillRef>
+              <a:effectRef idx="0">
+                <a:schemeClr val="accent2"/>
+              </a:effectRef>
+              <a:fontRef idx="minor">
+                <a:schemeClr val="dk1"/>
+              </a:fontRef>
+            </p:style>
+            <p:txBody>
+              <a:bodyPr rtlCol="0" anchor="ctr"/>
+              <a:lstStyle/>
+              <a:p>
+                <a:pPr algn="ctr"/>
+                <a:endParaRPr lang="es-ES" sz="1000" b="1" dirty="0">
+                  <a:solidFill>
+                    <a:schemeClr val="tx1">
+                      <a:lumMod val="50000"/>
+                      <a:lumOff val="50000"/>
+                    </a:schemeClr>
+                  </a:solidFill>
+                  <a:latin typeface="Geist Mono Bold" pitchFamily="2" charset="77"/>
+                  <a:ea typeface="Geist Mono Bold" pitchFamily="2" charset="77"/>
+                  <a:cs typeface="Geist Mono Bold" pitchFamily="2" charset="77"/>
+                </a:endParaRPr>
+              </a:p>
+            </p:txBody>
+          </p:sp>
+          <p:grpSp>
+            <p:nvGrpSpPr>
+              <p:cNvPr id="270" name="Grupo 269">
+                <a:extLst>
+                  <a:ext uri="{FF2B5EF4-FFF2-40B4-BE49-F238E27FC236}">
+                    <a16:creationId xmlns:a16="http://schemas.microsoft.com/office/drawing/2014/main" id="{DDA3A9CB-B2C0-764E-4DC2-BEED1A02BA0D}"/>
+                  </a:ext>
+                </a:extLst>
+              </p:cNvPr>
+              <p:cNvGrpSpPr/>
+              <p:nvPr/>
+            </p:nvGrpSpPr>
+            <p:grpSpPr>
+              <a:xfrm>
+                <a:off x="765612" y="3320595"/>
+                <a:ext cx="2226428" cy="2251543"/>
+                <a:chOff x="2779540" y="1033670"/>
+                <a:chExt cx="5727501" cy="917400"/>
+              </a:xfrm>
+            </p:grpSpPr>
+            <p:cxnSp>
+              <p:nvCxnSpPr>
+                <p:cNvPr id="273" name="Conector recto 272">
+                  <a:extLst>
+                    <a:ext uri="{FF2B5EF4-FFF2-40B4-BE49-F238E27FC236}">
+                      <a16:creationId xmlns:a16="http://schemas.microsoft.com/office/drawing/2014/main" id="{211078B6-740A-963F-79B1-A2543D15B4A6}"/>
+                    </a:ext>
+                  </a:extLst>
+                </p:cNvPr>
+                <p:cNvCxnSpPr/>
+                <p:nvPr/>
+              </p:nvCxnSpPr>
+              <p:spPr>
+                <a:xfrm>
+                  <a:off x="5594626" y="1033670"/>
+                  <a:ext cx="3917" cy="458700"/>
+                </a:xfrm>
+                <a:prstGeom prst="line">
+                  <a:avLst/>
+                </a:prstGeom>
+              </p:spPr>
+              <p:style>
+                <a:lnRef idx="2">
+                  <a:schemeClr val="accent2"/>
+                </a:lnRef>
+                <a:fillRef idx="0">
+                  <a:schemeClr val="accent2"/>
+                </a:fillRef>
+                <a:effectRef idx="1">
+                  <a:schemeClr val="accent2"/>
+                </a:effectRef>
+                <a:fontRef idx="minor">
+                  <a:schemeClr val="tx1"/>
+                </a:fontRef>
+              </p:style>
+            </p:cxnSp>
+            <p:grpSp>
+              <p:nvGrpSpPr>
+                <p:cNvPr id="274" name="Grupo 273">
+                  <a:extLst>
+                    <a:ext uri="{FF2B5EF4-FFF2-40B4-BE49-F238E27FC236}">
+                      <a16:creationId xmlns:a16="http://schemas.microsoft.com/office/drawing/2014/main" id="{96D37EF6-A47C-4E76-D095-A99AD7CC821A}"/>
+                    </a:ext>
+                  </a:extLst>
+                </p:cNvPr>
+                <p:cNvGrpSpPr/>
+                <p:nvPr/>
+              </p:nvGrpSpPr>
+              <p:grpSpPr>
+                <a:xfrm>
+                  <a:off x="2779540" y="1492370"/>
+                  <a:ext cx="5727501" cy="458700"/>
+                  <a:chOff x="2779540" y="1492370"/>
+                  <a:chExt cx="5727501" cy="458700"/>
+                </a:xfrm>
+              </p:grpSpPr>
+              <p:cxnSp>
+                <p:nvCxnSpPr>
+                  <p:cNvPr id="275" name="Conector recto 274">
+                    <a:extLst>
+                      <a:ext uri="{FF2B5EF4-FFF2-40B4-BE49-F238E27FC236}">
+                        <a16:creationId xmlns:a16="http://schemas.microsoft.com/office/drawing/2014/main" id="{96F897AA-7ADC-0D0B-A04D-1A014B33A8E1}"/>
+                      </a:ext>
+                    </a:extLst>
+                  </p:cNvPr>
+                  <p:cNvCxnSpPr>
+                    <a:cxnSpLocks/>
+                  </p:cNvCxnSpPr>
+                  <p:nvPr/>
+                </p:nvCxnSpPr>
+                <p:spPr>
+                  <a:xfrm>
+                    <a:off x="2779540" y="1492370"/>
+                    <a:ext cx="5726105" cy="0"/>
+                  </a:xfrm>
+                  <a:prstGeom prst="line">
+                    <a:avLst/>
+                  </a:prstGeom>
+                </p:spPr>
+                <p:style>
+                  <a:lnRef idx="2">
+                    <a:schemeClr val="accent2"/>
+                  </a:lnRef>
+                  <a:fillRef idx="0">
+                    <a:schemeClr val="accent2"/>
+                  </a:fillRef>
+                  <a:effectRef idx="1">
+                    <a:schemeClr val="accent2"/>
+                  </a:effectRef>
+                  <a:fontRef idx="minor">
+                    <a:schemeClr val="tx1"/>
+                  </a:fontRef>
+                </p:style>
+              </p:cxnSp>
+              <p:cxnSp>
+                <p:nvCxnSpPr>
+                  <p:cNvPr id="276" name="Conector recto 275">
+                    <a:extLst>
+                      <a:ext uri="{FF2B5EF4-FFF2-40B4-BE49-F238E27FC236}">
+                        <a16:creationId xmlns:a16="http://schemas.microsoft.com/office/drawing/2014/main" id="{37962365-A46D-B9B8-C60F-A5D45EE2C4AC}"/>
+                      </a:ext>
+                    </a:extLst>
+                  </p:cNvPr>
+                  <p:cNvCxnSpPr/>
+                  <p:nvPr/>
+                </p:nvCxnSpPr>
+                <p:spPr>
+                  <a:xfrm>
+                    <a:off x="2779540" y="1492370"/>
+                    <a:ext cx="3917" cy="458700"/>
+                  </a:xfrm>
+                  <a:prstGeom prst="line">
+                    <a:avLst/>
+                  </a:prstGeom>
+                </p:spPr>
+                <p:style>
+                  <a:lnRef idx="2">
+                    <a:schemeClr val="accent2"/>
+                  </a:lnRef>
+                  <a:fillRef idx="0">
+                    <a:schemeClr val="accent2"/>
+                  </a:fillRef>
+                  <a:effectRef idx="1">
+                    <a:schemeClr val="accent2"/>
+                  </a:effectRef>
+                  <a:fontRef idx="minor">
+                    <a:schemeClr val="tx1"/>
+                  </a:fontRef>
+                </p:style>
+              </p:cxnSp>
+              <p:cxnSp>
+                <p:nvCxnSpPr>
+                  <p:cNvPr id="277" name="Conector recto 276">
+                    <a:extLst>
+                      <a:ext uri="{FF2B5EF4-FFF2-40B4-BE49-F238E27FC236}">
+                        <a16:creationId xmlns:a16="http://schemas.microsoft.com/office/drawing/2014/main" id="{975640F5-43F8-D979-F946-8DA5DE011E0D}"/>
+                      </a:ext>
+                    </a:extLst>
+                  </p:cNvPr>
+                  <p:cNvCxnSpPr>
+                    <a:cxnSpLocks/>
+                  </p:cNvCxnSpPr>
+                  <p:nvPr/>
+                </p:nvCxnSpPr>
+                <p:spPr>
+                  <a:xfrm>
+                    <a:off x="8503124" y="1492370"/>
+                    <a:ext cx="3917" cy="458700"/>
+                  </a:xfrm>
+                  <a:prstGeom prst="line">
+                    <a:avLst/>
+                  </a:prstGeom>
+                </p:spPr>
+                <p:style>
+                  <a:lnRef idx="2">
+                    <a:schemeClr val="accent2"/>
+                  </a:lnRef>
+                  <a:fillRef idx="0">
+                    <a:schemeClr val="accent2"/>
+                  </a:fillRef>
+                  <a:effectRef idx="1">
+                    <a:schemeClr val="accent2"/>
+                  </a:effectRef>
+                  <a:fontRef idx="minor">
+                    <a:schemeClr val="tx1"/>
+                  </a:fontRef>
+                </p:style>
+              </p:cxnSp>
+            </p:grpSp>
+          </p:grpSp>
+          <p:sp>
+            <p:nvSpPr>
+              <p:cNvPr id="271" name="Rectángulo redondeado 270">
+                <a:extLst>
+                  <a:ext uri="{FF2B5EF4-FFF2-40B4-BE49-F238E27FC236}">
+                    <a16:creationId xmlns:a16="http://schemas.microsoft.com/office/drawing/2014/main" id="{6AB151FD-B0CE-D201-B4D6-4877B0A87543}"/>
+                  </a:ext>
+                </a:extLst>
+              </p:cNvPr>
+              <p:cNvSpPr/>
+              <p:nvPr/>
+            </p:nvSpPr>
+            <p:spPr>
+              <a:xfrm>
+                <a:off x="112138" y="5561381"/>
+                <a:ext cx="2081501" cy="339088"/>
+              </a:xfrm>
+              <a:prstGeom prst="roundRect">
+                <a:avLst/>
+              </a:prstGeom>
+            </p:spPr>
+            <p:style>
+              <a:lnRef idx="2">
+                <a:schemeClr val="accent2"/>
+              </a:lnRef>
+              <a:fillRef idx="1">
+                <a:schemeClr val="lt1"/>
+              </a:fillRef>
+              <a:effectRef idx="0">
+                <a:schemeClr val="accent2"/>
+              </a:effectRef>
+              <a:fontRef idx="minor">
+                <a:schemeClr val="dk1"/>
+              </a:fontRef>
+            </p:style>
+            <p:txBody>
+              <a:bodyPr rtlCol="0" anchor="ctr"/>
+              <a:lstStyle/>
+              <a:p>
+                <a:pPr algn="ctr"/>
+                <a:endParaRPr lang="es-ES" sz="1200" b="1" dirty="0">
+                  <a:solidFill>
+                    <a:schemeClr val="tx1">
+                      <a:lumMod val="50000"/>
+                      <a:lumOff val="50000"/>
+                    </a:schemeClr>
+                  </a:solidFill>
+                  <a:latin typeface="Geist Mono Bold" pitchFamily="2" charset="77"/>
+                  <a:ea typeface="Geist Mono Bold" pitchFamily="2" charset="77"/>
+                  <a:cs typeface="Geist Mono Bold" pitchFamily="2" charset="77"/>
+                </a:endParaRPr>
+              </a:p>
+            </p:txBody>
+          </p:sp>
+          <p:sp>
+            <p:nvSpPr>
+              <p:cNvPr id="272" name="Rectángulo redondeado 271">
+                <a:extLst>
+                  <a:ext uri="{FF2B5EF4-FFF2-40B4-BE49-F238E27FC236}">
+                    <a16:creationId xmlns:a16="http://schemas.microsoft.com/office/drawing/2014/main" id="{00E6D791-1BF3-C0A0-1266-ECC1474CC51B}"/>
+                  </a:ext>
+                </a:extLst>
+              </p:cNvPr>
+              <p:cNvSpPr/>
+              <p:nvPr/>
+            </p:nvSpPr>
+            <p:spPr>
+              <a:xfrm>
+                <a:off x="2415392" y="5569433"/>
+                <a:ext cx="1992702" cy="331036"/>
+              </a:xfrm>
+              <a:prstGeom prst="roundRect">
+                <a:avLst/>
+              </a:prstGeom>
+            </p:spPr>
+            <p:style>
+              <a:lnRef idx="2">
+                <a:schemeClr val="accent2"/>
+              </a:lnRef>
+              <a:fillRef idx="1">
+                <a:schemeClr val="lt1"/>
+              </a:fillRef>
+              <a:effectRef idx="0">
+                <a:schemeClr val="accent2"/>
+              </a:effectRef>
+              <a:fontRef idx="minor">
+                <a:schemeClr val="dk1"/>
+              </a:fontRef>
+            </p:style>
+            <p:txBody>
+              <a:bodyPr rtlCol="0" anchor="ctr"/>
+              <a:lstStyle/>
+              <a:p>
+                <a:pPr algn="ctr"/>
+                <a:endParaRPr lang="es-ES" sz="1200" b="1" dirty="0">
+                  <a:solidFill>
+                    <a:schemeClr val="tx1">
+                      <a:lumMod val="50000"/>
+                      <a:lumOff val="50000"/>
+                    </a:schemeClr>
+                  </a:solidFill>
+                  <a:latin typeface="Geist Mono Bold" pitchFamily="2" charset="77"/>
+                  <a:ea typeface="Geist Mono Bold" pitchFamily="2" charset="77"/>
+                  <a:cs typeface="Geist Mono Bold" pitchFamily="2" charset="77"/>
+                </a:endParaRPr>
+              </a:p>
+            </p:txBody>
+          </p:sp>
+        </p:grpSp>
+        <p:sp>
+          <p:nvSpPr>
+            <p:cNvPr id="256" name="CuadroTexto 255">
+              <a:extLst>
+                <a:ext uri="{FF2B5EF4-FFF2-40B4-BE49-F238E27FC236}">
+                  <a16:creationId xmlns:a16="http://schemas.microsoft.com/office/drawing/2014/main" id="{E953DFBE-A75B-3C0C-A83B-78737C752B8E}"/>
+                </a:ext>
+              </a:extLst>
+            </p:cNvPr>
+            <p:cNvSpPr txBox="1"/>
+            <p:nvPr/>
+          </p:nvSpPr>
+          <p:spPr>
+            <a:xfrm>
+              <a:off x="479257" y="2768986"/>
+              <a:ext cx="1498318" cy="261610"/>
+            </a:xfrm>
+            <a:prstGeom prst="rect">
+              <a:avLst/>
+            </a:prstGeom>
+            <a:noFill/>
+          </p:spPr>
+          <p:txBody>
+            <a:bodyPr wrap="square" rtlCol="0">
+              <a:spAutoFit/>
+            </a:bodyPr>
+            <a:lstStyle/>
+            <a:p>
+              <a:pPr algn="ctr"/>
+              <a:r>
+                <a:rPr lang="es-ES" sz="1100" b="1" dirty="0">
+                  <a:latin typeface="Geist Mono Bold" pitchFamily="2" charset="77"/>
+                  <a:ea typeface="Geist Mono Bold" pitchFamily="2" charset="77"/>
+                  <a:cs typeface="Geist Mono Bold" pitchFamily="2" charset="77"/>
+                </a:rPr>
+                <a:t>Árbol n</a:t>
+              </a:r>
+            </a:p>
+          </p:txBody>
+        </p:sp>
+      </p:grpSp>
+      <p:sp>
+        <p:nvSpPr>
+          <p:cNvPr id="298" name="Flecha abajo 297">
+            <a:extLst>
+              <a:ext uri="{FF2B5EF4-FFF2-40B4-BE49-F238E27FC236}">
+                <a16:creationId xmlns:a16="http://schemas.microsoft.com/office/drawing/2014/main" id="{B4A2AB3A-2226-6432-44C1-33A568BEFB2B}"/>
+              </a:ext>
+            </a:extLst>
+          </p:cNvPr>
+          <p:cNvSpPr/>
+          <p:nvPr/>
+        </p:nvSpPr>
+        <p:spPr>
+          <a:xfrm>
+            <a:off x="9471576" y="2459088"/>
+            <a:ext cx="254564" cy="690113"/>
+          </a:xfrm>
+          <a:prstGeom prst="downArrow">
+            <a:avLst/>
+          </a:prstGeom>
+        </p:spPr>
+        <p:style>
+          <a:lnRef idx="2">
+            <a:schemeClr val="accent3">
+              <a:shade val="15000"/>
+            </a:schemeClr>
+          </a:lnRef>
+          <a:fillRef idx="1">
+            <a:schemeClr val="accent3"/>
+          </a:fillRef>
+          <a:effectRef idx="0">
+            <a:schemeClr val="accent3"/>
+          </a:effectRef>
+          <a:fontRef idx="minor">
+            <a:schemeClr val="lt1"/>
+          </a:fontRef>
+        </p:style>
+        <p:txBody>
+          <a:bodyPr rtlCol="0" anchor="ctr"/>
+          <a:lstStyle/>
+          <a:p>
+            <a:pPr algn="ctr"/>
+            <a:endParaRPr lang="es-ES"/>
+          </a:p>
+        </p:txBody>
+      </p:sp>
+      <p:sp>
+        <p:nvSpPr>
+          <p:cNvPr id="299" name="CuadroTexto 298">
+            <a:extLst>
+              <a:ext uri="{FF2B5EF4-FFF2-40B4-BE49-F238E27FC236}">
+                <a16:creationId xmlns:a16="http://schemas.microsoft.com/office/drawing/2014/main" id="{BA132C6D-63A3-8B63-E8A3-1F8A1D0F5AA3}"/>
+              </a:ext>
+            </a:extLst>
+          </p:cNvPr>
+          <p:cNvSpPr txBox="1"/>
+          <p:nvPr/>
+        </p:nvSpPr>
+        <p:spPr>
+          <a:xfrm>
+            <a:off x="8717060" y="2558832"/>
+            <a:ext cx="802213" cy="261610"/>
+          </a:xfrm>
+          <a:prstGeom prst="rect">
+            <a:avLst/>
+          </a:prstGeom>
+          <a:noFill/>
+        </p:spPr>
+        <p:txBody>
+          <a:bodyPr wrap="square" rtlCol="0">
+            <a:spAutoFit/>
+          </a:bodyPr>
+          <a:lstStyle/>
+          <a:p>
+            <a:pPr algn="ctr"/>
+            <a:r>
+              <a:rPr lang="es-ES" sz="1100" b="1" dirty="0">
+                <a:latin typeface="Geist Mono Bold" pitchFamily="2" charset="77"/>
+                <a:ea typeface="Geist Mono Bold" pitchFamily="2" charset="77"/>
+                <a:cs typeface="Geist Mono Bold" pitchFamily="2" charset="77"/>
+              </a:rPr>
+              <a:t>Train</a:t>
+            </a:r>
+          </a:p>
+        </p:txBody>
+      </p:sp>
+      <p:grpSp>
+        <p:nvGrpSpPr>
+          <p:cNvPr id="368" name="Grupo 367">
+            <a:extLst>
+              <a:ext uri="{FF2B5EF4-FFF2-40B4-BE49-F238E27FC236}">
+                <a16:creationId xmlns:a16="http://schemas.microsoft.com/office/drawing/2014/main" id="{253FD9EB-66A2-34E3-F7FB-82FDBA7BC2ED}"/>
+              </a:ext>
+            </a:extLst>
+          </p:cNvPr>
+          <p:cNvGrpSpPr/>
+          <p:nvPr/>
+        </p:nvGrpSpPr>
+        <p:grpSpPr>
+          <a:xfrm>
+            <a:off x="8627761" y="889286"/>
+            <a:ext cx="1898754" cy="1524914"/>
+            <a:chOff x="324762" y="1027308"/>
+            <a:chExt cx="1898754" cy="1524914"/>
+          </a:xfrm>
+        </p:grpSpPr>
+        <p:sp>
+          <p:nvSpPr>
+            <p:cNvPr id="369" name="Rectángulo redondeado 368">
+              <a:extLst>
+                <a:ext uri="{FF2B5EF4-FFF2-40B4-BE49-F238E27FC236}">
+                  <a16:creationId xmlns:a16="http://schemas.microsoft.com/office/drawing/2014/main" id="{9503B90D-E617-698B-EB46-42CA380FC723}"/>
+                </a:ext>
+              </a:extLst>
+            </p:cNvPr>
+            <p:cNvSpPr/>
+            <p:nvPr/>
+          </p:nvSpPr>
+          <p:spPr>
+            <a:xfrm>
+              <a:off x="324762" y="1027308"/>
+              <a:ext cx="1898754" cy="1524914"/>
+            </a:xfrm>
+            <a:prstGeom prst="roundRect">
+              <a:avLst/>
+            </a:prstGeom>
+          </p:spPr>
+          <p:style>
+            <a:lnRef idx="2">
+              <a:schemeClr val="accent6"/>
+            </a:lnRef>
+            <a:fillRef idx="1">
+              <a:schemeClr val="lt1"/>
+            </a:fillRef>
+            <a:effectRef idx="0">
+              <a:schemeClr val="accent6"/>
+            </a:effectRef>
+            <a:fontRef idx="minor">
+              <a:schemeClr val="dk1"/>
+            </a:fontRef>
+          </p:style>
+          <p:txBody>
+            <a:bodyPr rtlCol="0" anchor="ctr"/>
+            <a:lstStyle/>
+            <a:p>
+              <a:pPr algn="ctr"/>
+              <a:endParaRPr lang="es-ES" sz="1200" b="1" dirty="0">
+                <a:solidFill>
+                  <a:schemeClr val="dk1"/>
+                </a:solidFill>
+                <a:latin typeface="Geist Mono Bold" pitchFamily="2" charset="77"/>
+                <a:ea typeface="Geist Mono Bold" pitchFamily="2" charset="77"/>
+                <a:cs typeface="Geist Mono Bold" pitchFamily="2" charset="77"/>
+              </a:endParaRPr>
+            </a:p>
+          </p:txBody>
+        </p:sp>
+        <p:sp>
+          <p:nvSpPr>
+            <p:cNvPr id="370" name="Elipse 369">
+              <a:extLst>
+                <a:ext uri="{FF2B5EF4-FFF2-40B4-BE49-F238E27FC236}">
+                  <a16:creationId xmlns:a16="http://schemas.microsoft.com/office/drawing/2014/main" id="{4C8769C6-7D7A-BCCC-9024-37A78EFDFC8D}"/>
+                </a:ext>
+              </a:extLst>
+            </p:cNvPr>
+            <p:cNvSpPr/>
+            <p:nvPr/>
+          </p:nvSpPr>
+          <p:spPr>
+            <a:xfrm>
+              <a:off x="605780" y="1276709"/>
+              <a:ext cx="136800" cy="138023"/>
+            </a:xfrm>
+            <a:prstGeom prst="ellipse">
+              <a:avLst/>
+            </a:prstGeom>
+          </p:spPr>
+          <p:style>
+            <a:lnRef idx="2">
+              <a:schemeClr val="accent1">
+                <a:shade val="15000"/>
+              </a:schemeClr>
+            </a:lnRef>
+            <a:fillRef idx="1">
+              <a:schemeClr val="accent1"/>
+            </a:fillRef>
+            <a:effectRef idx="0">
+              <a:schemeClr val="accent1"/>
+            </a:effectRef>
+            <a:fontRef idx="minor">
+              <a:schemeClr val="lt1"/>
+            </a:fontRef>
+          </p:style>
+          <p:txBody>
+            <a:bodyPr rtlCol="0" anchor="ctr"/>
+            <a:lstStyle/>
+            <a:p>
+              <a:pPr algn="ctr"/>
+              <a:endParaRPr lang="es-ES"/>
+            </a:p>
+          </p:txBody>
+        </p:sp>
+        <p:sp>
+          <p:nvSpPr>
+            <p:cNvPr id="371" name="Elipse 370">
+              <a:extLst>
+                <a:ext uri="{FF2B5EF4-FFF2-40B4-BE49-F238E27FC236}">
+                  <a16:creationId xmlns:a16="http://schemas.microsoft.com/office/drawing/2014/main" id="{8281EFDC-393A-AC0D-437B-317335A98939}"/>
+                </a:ext>
+              </a:extLst>
+            </p:cNvPr>
+            <p:cNvSpPr/>
+            <p:nvPr/>
+          </p:nvSpPr>
+          <p:spPr>
+            <a:xfrm>
+              <a:off x="758180" y="1429109"/>
+              <a:ext cx="136800" cy="138023"/>
+            </a:xfrm>
+            <a:prstGeom prst="ellipse">
+              <a:avLst/>
+            </a:prstGeom>
+          </p:spPr>
+          <p:style>
+            <a:lnRef idx="2">
+              <a:schemeClr val="accent1">
+                <a:shade val="15000"/>
+              </a:schemeClr>
+            </a:lnRef>
+            <a:fillRef idx="1">
+              <a:schemeClr val="accent1"/>
+            </a:fillRef>
+            <a:effectRef idx="0">
+              <a:schemeClr val="accent1"/>
+            </a:effectRef>
+            <a:fontRef idx="minor">
+              <a:schemeClr val="lt1"/>
+            </a:fontRef>
+          </p:style>
+          <p:txBody>
+            <a:bodyPr rtlCol="0" anchor="ctr"/>
+            <a:lstStyle/>
+            <a:p>
+              <a:pPr algn="ctr"/>
+              <a:endParaRPr lang="es-ES"/>
+            </a:p>
+          </p:txBody>
+        </p:sp>
+        <p:sp>
+          <p:nvSpPr>
+            <p:cNvPr id="372" name="Elipse 371">
+              <a:extLst>
+                <a:ext uri="{FF2B5EF4-FFF2-40B4-BE49-F238E27FC236}">
+                  <a16:creationId xmlns:a16="http://schemas.microsoft.com/office/drawing/2014/main" id="{A9A4EA7A-F785-948D-789E-5194A06BB04D}"/>
+                </a:ext>
+              </a:extLst>
+            </p:cNvPr>
+            <p:cNvSpPr/>
+            <p:nvPr/>
+          </p:nvSpPr>
+          <p:spPr>
+            <a:xfrm>
+              <a:off x="1091616" y="1207697"/>
+              <a:ext cx="136800" cy="138023"/>
+            </a:xfrm>
+            <a:prstGeom prst="ellipse">
+              <a:avLst/>
+            </a:prstGeom>
+          </p:spPr>
+          <p:style>
+            <a:lnRef idx="2">
+              <a:schemeClr val="accent1">
+                <a:shade val="15000"/>
+              </a:schemeClr>
+            </a:lnRef>
+            <a:fillRef idx="1">
+              <a:schemeClr val="accent1"/>
+            </a:fillRef>
+            <a:effectRef idx="0">
+              <a:schemeClr val="accent1"/>
+            </a:effectRef>
+            <a:fontRef idx="minor">
+              <a:schemeClr val="lt1"/>
+            </a:fontRef>
+          </p:style>
+          <p:txBody>
+            <a:bodyPr rtlCol="0" anchor="ctr"/>
+            <a:lstStyle/>
+            <a:p>
+              <a:pPr algn="ctr"/>
+              <a:endParaRPr lang="es-ES"/>
+            </a:p>
+          </p:txBody>
+        </p:sp>
+        <p:sp>
+          <p:nvSpPr>
+            <p:cNvPr id="373" name="Elipse 372">
+              <a:extLst>
+                <a:ext uri="{FF2B5EF4-FFF2-40B4-BE49-F238E27FC236}">
+                  <a16:creationId xmlns:a16="http://schemas.microsoft.com/office/drawing/2014/main" id="{7601D01E-24A0-AAC4-6218-22E7046FFDEF}"/>
+                </a:ext>
+              </a:extLst>
+            </p:cNvPr>
+            <p:cNvSpPr/>
+            <p:nvPr/>
+          </p:nvSpPr>
+          <p:spPr>
+            <a:xfrm>
+              <a:off x="1925621" y="1781138"/>
+              <a:ext cx="136800" cy="138023"/>
+            </a:xfrm>
+            <a:prstGeom prst="ellipse">
+              <a:avLst/>
+            </a:prstGeom>
+          </p:spPr>
+          <p:style>
+            <a:lnRef idx="2">
+              <a:schemeClr val="accent1">
+                <a:shade val="15000"/>
+              </a:schemeClr>
+            </a:lnRef>
+            <a:fillRef idx="1">
+              <a:schemeClr val="accent1"/>
+            </a:fillRef>
+            <a:effectRef idx="0">
+              <a:schemeClr val="accent1"/>
+            </a:effectRef>
+            <a:fontRef idx="minor">
+              <a:schemeClr val="lt1"/>
+            </a:fontRef>
+          </p:style>
+          <p:txBody>
+            <a:bodyPr rtlCol="0" anchor="ctr"/>
+            <a:lstStyle/>
+            <a:p>
+              <a:pPr algn="ctr"/>
+              <a:endParaRPr lang="es-ES"/>
+            </a:p>
+          </p:txBody>
+        </p:sp>
+        <p:sp>
+          <p:nvSpPr>
+            <p:cNvPr id="374" name="Elipse 373">
+              <a:extLst>
+                <a:ext uri="{FF2B5EF4-FFF2-40B4-BE49-F238E27FC236}">
+                  <a16:creationId xmlns:a16="http://schemas.microsoft.com/office/drawing/2014/main" id="{D8E7E6A0-075B-021B-30FA-B0F3E6D0816C}"/>
+                </a:ext>
+              </a:extLst>
+            </p:cNvPr>
+            <p:cNvSpPr/>
+            <p:nvPr/>
+          </p:nvSpPr>
+          <p:spPr>
+            <a:xfrm>
+              <a:off x="1569063" y="1213447"/>
+              <a:ext cx="136800" cy="138023"/>
+            </a:xfrm>
+            <a:prstGeom prst="ellipse">
+              <a:avLst/>
+            </a:prstGeom>
+          </p:spPr>
+          <p:style>
+            <a:lnRef idx="2">
+              <a:schemeClr val="accent1">
+                <a:shade val="15000"/>
+              </a:schemeClr>
+            </a:lnRef>
+            <a:fillRef idx="1">
+              <a:schemeClr val="accent1"/>
+            </a:fillRef>
+            <a:effectRef idx="0">
+              <a:schemeClr val="accent1"/>
+            </a:effectRef>
+            <a:fontRef idx="minor">
+              <a:schemeClr val="lt1"/>
+            </a:fontRef>
+          </p:style>
+          <p:txBody>
+            <a:bodyPr rtlCol="0" anchor="ctr"/>
+            <a:lstStyle/>
+            <a:p>
+              <a:pPr algn="ctr"/>
+              <a:endParaRPr lang="es-ES"/>
+            </a:p>
+          </p:txBody>
+        </p:sp>
+        <p:sp>
+          <p:nvSpPr>
+            <p:cNvPr id="375" name="Elipse 374">
+              <a:extLst>
+                <a:ext uri="{FF2B5EF4-FFF2-40B4-BE49-F238E27FC236}">
+                  <a16:creationId xmlns:a16="http://schemas.microsoft.com/office/drawing/2014/main" id="{1B79E304-8F2F-19A1-4468-969D48D36568}"/>
+                </a:ext>
+              </a:extLst>
+            </p:cNvPr>
+            <p:cNvSpPr/>
+            <p:nvPr/>
+          </p:nvSpPr>
+          <p:spPr>
+            <a:xfrm>
+              <a:off x="445680" y="2262899"/>
+              <a:ext cx="136800" cy="138023"/>
+            </a:xfrm>
+            <a:prstGeom prst="ellipse">
+              <a:avLst/>
+            </a:prstGeom>
+          </p:spPr>
+          <p:style>
+            <a:lnRef idx="2">
+              <a:schemeClr val="accent1">
+                <a:shade val="15000"/>
+              </a:schemeClr>
+            </a:lnRef>
+            <a:fillRef idx="1">
+              <a:schemeClr val="accent1"/>
+            </a:fillRef>
+            <a:effectRef idx="0">
+              <a:schemeClr val="accent1"/>
+            </a:effectRef>
+            <a:fontRef idx="minor">
+              <a:schemeClr val="lt1"/>
+            </a:fontRef>
+          </p:style>
+          <p:txBody>
+            <a:bodyPr rtlCol="0" anchor="ctr"/>
+            <a:lstStyle/>
+            <a:p>
+              <a:pPr algn="ctr"/>
+              <a:endParaRPr lang="es-ES"/>
+            </a:p>
+          </p:txBody>
+        </p:sp>
+        <p:sp>
+          <p:nvSpPr>
+            <p:cNvPr id="376" name="Elipse 375">
+              <a:extLst>
+                <a:ext uri="{FF2B5EF4-FFF2-40B4-BE49-F238E27FC236}">
+                  <a16:creationId xmlns:a16="http://schemas.microsoft.com/office/drawing/2014/main" id="{F9B0EB07-C917-4246-FAAC-106A207BFA05}"/>
+                </a:ext>
+              </a:extLst>
+            </p:cNvPr>
+            <p:cNvSpPr/>
+            <p:nvPr/>
+          </p:nvSpPr>
+          <p:spPr>
+            <a:xfrm>
+              <a:off x="926819" y="2102297"/>
+              <a:ext cx="136800" cy="138023"/>
+            </a:xfrm>
+            <a:prstGeom prst="ellipse">
+              <a:avLst/>
+            </a:prstGeom>
+          </p:spPr>
+          <p:style>
+            <a:lnRef idx="2">
+              <a:schemeClr val="accent1">
+                <a:shade val="15000"/>
+              </a:schemeClr>
+            </a:lnRef>
+            <a:fillRef idx="1">
+              <a:schemeClr val="accent1"/>
+            </a:fillRef>
+            <a:effectRef idx="0">
+              <a:schemeClr val="accent1"/>
+            </a:effectRef>
+            <a:fontRef idx="minor">
+              <a:schemeClr val="lt1"/>
+            </a:fontRef>
+          </p:style>
+          <p:txBody>
+            <a:bodyPr rtlCol="0" anchor="ctr"/>
+            <a:lstStyle/>
+            <a:p>
+              <a:pPr algn="ctr"/>
+              <a:endParaRPr lang="es-ES"/>
+            </a:p>
+          </p:txBody>
+        </p:sp>
+        <p:sp>
+          <p:nvSpPr>
+            <p:cNvPr id="377" name="Elipse 376">
+              <a:extLst>
+                <a:ext uri="{FF2B5EF4-FFF2-40B4-BE49-F238E27FC236}">
+                  <a16:creationId xmlns:a16="http://schemas.microsoft.com/office/drawing/2014/main" id="{112F56A4-6DD8-FBA6-2711-7701F2BD674A}"/>
+                </a:ext>
+              </a:extLst>
+            </p:cNvPr>
+            <p:cNvSpPr/>
+            <p:nvPr/>
+          </p:nvSpPr>
+          <p:spPr>
+            <a:xfrm>
+              <a:off x="1567048" y="2226156"/>
+              <a:ext cx="136800" cy="138023"/>
+            </a:xfrm>
+            <a:prstGeom prst="ellipse">
+              <a:avLst/>
+            </a:prstGeom>
+          </p:spPr>
+          <p:style>
+            <a:lnRef idx="2">
+              <a:schemeClr val="accent1">
+                <a:shade val="15000"/>
+              </a:schemeClr>
+            </a:lnRef>
+            <a:fillRef idx="1">
+              <a:schemeClr val="accent1"/>
+            </a:fillRef>
+            <a:effectRef idx="0">
+              <a:schemeClr val="accent1"/>
+            </a:effectRef>
+            <a:fontRef idx="minor">
+              <a:schemeClr val="lt1"/>
+            </a:fontRef>
+          </p:style>
+          <p:txBody>
+            <a:bodyPr rtlCol="0" anchor="ctr"/>
+            <a:lstStyle/>
+            <a:p>
+              <a:pPr algn="ctr"/>
+              <a:endParaRPr lang="es-ES"/>
+            </a:p>
+          </p:txBody>
+        </p:sp>
+        <p:sp>
+          <p:nvSpPr>
+            <p:cNvPr id="378" name="Elipse 377">
+              <a:extLst>
+                <a:ext uri="{FF2B5EF4-FFF2-40B4-BE49-F238E27FC236}">
+                  <a16:creationId xmlns:a16="http://schemas.microsoft.com/office/drawing/2014/main" id="{A4D08F75-7BCE-B094-4A62-2A8FD98CDAFE}"/>
+                </a:ext>
+              </a:extLst>
+            </p:cNvPr>
+            <p:cNvSpPr/>
+            <p:nvPr/>
+          </p:nvSpPr>
+          <p:spPr>
+            <a:xfrm>
+              <a:off x="1569063" y="1899032"/>
+              <a:ext cx="136800" cy="138023"/>
+            </a:xfrm>
+            <a:prstGeom prst="ellipse">
+              <a:avLst/>
+            </a:prstGeom>
+          </p:spPr>
+          <p:style>
+            <a:lnRef idx="2">
+              <a:schemeClr val="accent1">
+                <a:shade val="15000"/>
+              </a:schemeClr>
+            </a:lnRef>
+            <a:fillRef idx="1">
+              <a:schemeClr val="accent1"/>
+            </a:fillRef>
+            <a:effectRef idx="0">
+              <a:schemeClr val="accent1"/>
+            </a:effectRef>
+            <a:fontRef idx="minor">
+              <a:schemeClr val="lt1"/>
+            </a:fontRef>
+          </p:style>
+          <p:txBody>
+            <a:bodyPr rtlCol="0" anchor="ctr"/>
+            <a:lstStyle/>
+            <a:p>
+              <a:pPr algn="ctr"/>
+              <a:endParaRPr lang="es-ES"/>
+            </a:p>
+          </p:txBody>
+        </p:sp>
+        <p:sp>
+          <p:nvSpPr>
+            <p:cNvPr id="379" name="Elipse 378">
+              <a:extLst>
+                <a:ext uri="{FF2B5EF4-FFF2-40B4-BE49-F238E27FC236}">
+                  <a16:creationId xmlns:a16="http://schemas.microsoft.com/office/drawing/2014/main" id="{06CDC2D9-4627-CD22-B001-E6E9DCBBB3CE}"/>
+                </a:ext>
+              </a:extLst>
+            </p:cNvPr>
+            <p:cNvSpPr/>
+            <p:nvPr/>
+          </p:nvSpPr>
+          <p:spPr>
+            <a:xfrm>
+              <a:off x="1430248" y="1524844"/>
+              <a:ext cx="136800" cy="138023"/>
+            </a:xfrm>
+            <a:prstGeom prst="ellipse">
+              <a:avLst/>
+            </a:prstGeom>
+          </p:spPr>
+          <p:style>
+            <a:lnRef idx="2">
+              <a:schemeClr val="accent1">
+                <a:shade val="15000"/>
+              </a:schemeClr>
+            </a:lnRef>
+            <a:fillRef idx="1">
+              <a:schemeClr val="accent1"/>
+            </a:fillRef>
+            <a:effectRef idx="0">
+              <a:schemeClr val="accent1"/>
+            </a:effectRef>
+            <a:fontRef idx="minor">
+              <a:schemeClr val="lt1"/>
+            </a:fontRef>
+          </p:style>
+          <p:txBody>
+            <a:bodyPr rtlCol="0" anchor="ctr"/>
+            <a:lstStyle/>
+            <a:p>
+              <a:pPr algn="ctr"/>
+              <a:endParaRPr lang="es-ES"/>
+            </a:p>
+          </p:txBody>
+        </p:sp>
+        <p:sp>
+          <p:nvSpPr>
+            <p:cNvPr id="380" name="Elipse 379">
+              <a:extLst>
+                <a:ext uri="{FF2B5EF4-FFF2-40B4-BE49-F238E27FC236}">
+                  <a16:creationId xmlns:a16="http://schemas.microsoft.com/office/drawing/2014/main" id="{81475C76-14F5-4A14-41B7-7FD9632CE212}"/>
+                </a:ext>
+              </a:extLst>
+            </p:cNvPr>
+            <p:cNvSpPr/>
+            <p:nvPr/>
+          </p:nvSpPr>
+          <p:spPr>
+            <a:xfrm>
+              <a:off x="427303" y="1729968"/>
+              <a:ext cx="136800" cy="138023"/>
+            </a:xfrm>
+            <a:prstGeom prst="ellipse">
+              <a:avLst/>
+            </a:prstGeom>
+          </p:spPr>
+          <p:style>
+            <a:lnRef idx="2">
+              <a:schemeClr val="accent1">
+                <a:shade val="15000"/>
+              </a:schemeClr>
+            </a:lnRef>
+            <a:fillRef idx="1">
+              <a:schemeClr val="accent1"/>
+            </a:fillRef>
+            <a:effectRef idx="0">
+              <a:schemeClr val="accent1"/>
+            </a:effectRef>
+            <a:fontRef idx="minor">
+              <a:schemeClr val="lt1"/>
+            </a:fontRef>
+          </p:style>
+          <p:txBody>
+            <a:bodyPr rtlCol="0" anchor="ctr"/>
+            <a:lstStyle/>
+            <a:p>
+              <a:pPr algn="ctr"/>
+              <a:endParaRPr lang="es-ES"/>
+            </a:p>
+          </p:txBody>
+        </p:sp>
+        <p:sp>
+          <p:nvSpPr>
+            <p:cNvPr id="381" name="Elipse 380">
+              <a:extLst>
+                <a:ext uri="{FF2B5EF4-FFF2-40B4-BE49-F238E27FC236}">
+                  <a16:creationId xmlns:a16="http://schemas.microsoft.com/office/drawing/2014/main" id="{9B0CAA66-6F3D-9051-EC2C-419A8A3D4BAF}"/>
+                </a:ext>
+              </a:extLst>
+            </p:cNvPr>
+            <p:cNvSpPr/>
+            <p:nvPr/>
+          </p:nvSpPr>
+          <p:spPr>
+            <a:xfrm>
+              <a:off x="1194449" y="1899032"/>
+              <a:ext cx="136800" cy="138023"/>
+            </a:xfrm>
+            <a:prstGeom prst="ellipse">
+              <a:avLst/>
+            </a:prstGeom>
+          </p:spPr>
+          <p:style>
+            <a:lnRef idx="2">
+              <a:schemeClr val="accent1">
+                <a:shade val="15000"/>
+              </a:schemeClr>
+            </a:lnRef>
+            <a:fillRef idx="1">
+              <a:schemeClr val="accent1"/>
+            </a:fillRef>
+            <a:effectRef idx="0">
+              <a:schemeClr val="accent1"/>
+            </a:effectRef>
+            <a:fontRef idx="minor">
+              <a:schemeClr val="lt1"/>
+            </a:fontRef>
+          </p:style>
+          <p:txBody>
+            <a:bodyPr rtlCol="0" anchor="ctr"/>
+            <a:lstStyle/>
+            <a:p>
+              <a:pPr algn="ctr"/>
+              <a:endParaRPr lang="es-ES"/>
+            </a:p>
+          </p:txBody>
+        </p:sp>
+      </p:grpSp>
+      <p:sp>
+        <p:nvSpPr>
+          <p:cNvPr id="386" name="Elipse 385">
+            <a:extLst>
+              <a:ext uri="{FF2B5EF4-FFF2-40B4-BE49-F238E27FC236}">
+                <a16:creationId xmlns:a16="http://schemas.microsoft.com/office/drawing/2014/main" id="{89C555F8-3EFD-E192-B26F-793F4463CF2F}"/>
+              </a:ext>
+            </a:extLst>
+          </p:cNvPr>
+          <p:cNvSpPr/>
+          <p:nvPr/>
+        </p:nvSpPr>
+        <p:spPr>
+          <a:xfrm>
+            <a:off x="9134101" y="1503299"/>
+            <a:ext cx="136800" cy="138023"/>
+          </a:xfrm>
+          <a:prstGeom prst="ellipse">
+            <a:avLst/>
+          </a:prstGeom>
+        </p:spPr>
+        <p:style>
+          <a:lnRef idx="2">
+            <a:schemeClr val="accent1">
+              <a:shade val="15000"/>
+            </a:schemeClr>
+          </a:lnRef>
+          <a:fillRef idx="1">
+            <a:schemeClr val="accent1"/>
+          </a:fillRef>
+          <a:effectRef idx="0">
+            <a:schemeClr val="accent1"/>
+          </a:effectRef>
+          <a:fontRef idx="minor">
+            <a:schemeClr val="lt1"/>
+          </a:fontRef>
+        </p:style>
+        <p:txBody>
+          <a:bodyPr rtlCol="0" anchor="ctr"/>
+          <a:lstStyle/>
+          <a:p>
+            <a:pPr algn="ctr"/>
+            <a:endParaRPr lang="es-ES"/>
+          </a:p>
+        </p:txBody>
+      </p:sp>
+      <p:sp>
+        <p:nvSpPr>
+          <p:cNvPr id="387" name="Elipse 386">
+            <a:extLst>
+              <a:ext uri="{FF2B5EF4-FFF2-40B4-BE49-F238E27FC236}">
+                <a16:creationId xmlns:a16="http://schemas.microsoft.com/office/drawing/2014/main" id="{535E5709-C0F2-FD40-0998-B398FE090F8D}"/>
+              </a:ext>
+            </a:extLst>
+          </p:cNvPr>
+          <p:cNvSpPr/>
+          <p:nvPr/>
+        </p:nvSpPr>
+        <p:spPr>
+          <a:xfrm>
+            <a:off x="9445304" y="1283506"/>
+            <a:ext cx="136800" cy="138023"/>
+          </a:xfrm>
+          <a:prstGeom prst="ellipse">
+            <a:avLst/>
+          </a:prstGeom>
+        </p:spPr>
+        <p:style>
+          <a:lnRef idx="2">
+            <a:schemeClr val="accent1">
+              <a:shade val="15000"/>
+            </a:schemeClr>
+          </a:lnRef>
+          <a:fillRef idx="1">
+            <a:schemeClr val="accent1"/>
+          </a:fillRef>
+          <a:effectRef idx="0">
+            <a:schemeClr val="accent1"/>
+          </a:effectRef>
+          <a:fontRef idx="minor">
+            <a:schemeClr val="lt1"/>
+          </a:fontRef>
+        </p:style>
+        <p:txBody>
+          <a:bodyPr rtlCol="0" anchor="ctr"/>
+          <a:lstStyle/>
+          <a:p>
+            <a:pPr algn="ctr"/>
+            <a:endParaRPr lang="es-ES"/>
+          </a:p>
+        </p:txBody>
+      </p:sp>
+      <p:sp>
+        <p:nvSpPr>
+          <p:cNvPr id="388" name="Elipse 387">
+            <a:extLst>
+              <a:ext uri="{FF2B5EF4-FFF2-40B4-BE49-F238E27FC236}">
+                <a16:creationId xmlns:a16="http://schemas.microsoft.com/office/drawing/2014/main" id="{2B3B7D56-5645-4225-FDA1-EE22D2497822}"/>
+              </a:ext>
+            </a:extLst>
+          </p:cNvPr>
+          <p:cNvSpPr/>
+          <p:nvPr/>
+        </p:nvSpPr>
+        <p:spPr>
+          <a:xfrm>
+            <a:off x="10171528" y="1194824"/>
+            <a:ext cx="136800" cy="138023"/>
+          </a:xfrm>
+          <a:prstGeom prst="ellipse">
+            <a:avLst/>
+          </a:prstGeom>
+        </p:spPr>
+        <p:style>
+          <a:lnRef idx="2">
+            <a:schemeClr val="accent1">
+              <a:shade val="15000"/>
+            </a:schemeClr>
+          </a:lnRef>
+          <a:fillRef idx="1">
+            <a:schemeClr val="accent1"/>
+          </a:fillRef>
+          <a:effectRef idx="0">
+            <a:schemeClr val="accent1"/>
+          </a:effectRef>
+          <a:fontRef idx="minor">
+            <a:schemeClr val="lt1"/>
+          </a:fontRef>
+        </p:style>
+        <p:txBody>
+          <a:bodyPr rtlCol="0" anchor="ctr"/>
+          <a:lstStyle/>
+          <a:p>
+            <a:pPr algn="ctr"/>
+            <a:endParaRPr lang="es-ES"/>
+          </a:p>
+        </p:txBody>
+      </p:sp>
+      <p:sp>
+        <p:nvSpPr>
+          <p:cNvPr id="389" name="Elipse 388">
+            <a:extLst>
+              <a:ext uri="{FF2B5EF4-FFF2-40B4-BE49-F238E27FC236}">
+                <a16:creationId xmlns:a16="http://schemas.microsoft.com/office/drawing/2014/main" id="{C1325446-C13A-DFC7-CC91-BC0CA132E8BB}"/>
+              </a:ext>
+            </a:extLst>
+          </p:cNvPr>
+          <p:cNvSpPr/>
+          <p:nvPr/>
+        </p:nvSpPr>
+        <p:spPr>
+          <a:xfrm>
+            <a:off x="10239928" y="2029039"/>
+            <a:ext cx="136800" cy="138023"/>
+          </a:xfrm>
+          <a:prstGeom prst="ellipse">
+            <a:avLst/>
+          </a:prstGeom>
+        </p:spPr>
+        <p:style>
+          <a:lnRef idx="2">
+            <a:schemeClr val="accent1">
+              <a:shade val="15000"/>
+            </a:schemeClr>
+          </a:lnRef>
+          <a:fillRef idx="1">
+            <a:schemeClr val="accent1"/>
+          </a:fillRef>
+          <a:effectRef idx="0">
+            <a:schemeClr val="accent1"/>
+          </a:effectRef>
+          <a:fontRef idx="minor">
+            <a:schemeClr val="lt1"/>
+          </a:fontRef>
+        </p:style>
+        <p:txBody>
+          <a:bodyPr rtlCol="0" anchor="ctr"/>
+          <a:lstStyle/>
+          <a:p>
+            <a:pPr algn="ctr"/>
+            <a:endParaRPr lang="es-ES"/>
+          </a:p>
+        </p:txBody>
+      </p:sp>
+      <p:sp>
+        <p:nvSpPr>
+          <p:cNvPr id="390" name="Elipse 389">
+            <a:extLst>
+              <a:ext uri="{FF2B5EF4-FFF2-40B4-BE49-F238E27FC236}">
+                <a16:creationId xmlns:a16="http://schemas.microsoft.com/office/drawing/2014/main" id="{7D7B89B5-BE9D-8C94-FFD0-FE550EB6E146}"/>
+              </a:ext>
+            </a:extLst>
+          </p:cNvPr>
+          <p:cNvSpPr/>
+          <p:nvPr/>
+        </p:nvSpPr>
+        <p:spPr>
+          <a:xfrm>
+            <a:off x="3743182" y="1399037"/>
+            <a:ext cx="136800" cy="138023"/>
+          </a:xfrm>
+          <a:prstGeom prst="ellipse">
+            <a:avLst/>
+          </a:prstGeom>
+        </p:spPr>
+        <p:style>
+          <a:lnRef idx="2">
+            <a:schemeClr val="accent1">
+              <a:shade val="15000"/>
+            </a:schemeClr>
+          </a:lnRef>
+          <a:fillRef idx="1">
+            <a:schemeClr val="accent1"/>
+          </a:fillRef>
+          <a:effectRef idx="0">
+            <a:schemeClr val="accent1"/>
+          </a:effectRef>
+          <a:fontRef idx="minor">
+            <a:schemeClr val="lt1"/>
+          </a:fontRef>
+        </p:style>
+        <p:txBody>
+          <a:bodyPr rtlCol="0" anchor="ctr"/>
+          <a:lstStyle/>
+          <a:p>
+            <a:pPr algn="ctr"/>
+            <a:endParaRPr lang="es-ES"/>
+          </a:p>
+        </p:txBody>
+      </p:sp>
+      <p:sp>
+        <p:nvSpPr>
+          <p:cNvPr id="392" name="Rectángulo redondeado 391">
+            <a:extLst>
+              <a:ext uri="{FF2B5EF4-FFF2-40B4-BE49-F238E27FC236}">
+                <a16:creationId xmlns:a16="http://schemas.microsoft.com/office/drawing/2014/main" id="{BA318E16-7F0B-C6EB-D28A-06293FF00BB5}"/>
+              </a:ext>
+            </a:extLst>
+          </p:cNvPr>
+          <p:cNvSpPr/>
+          <p:nvPr/>
+        </p:nvSpPr>
+        <p:spPr>
+          <a:xfrm>
+            <a:off x="6617592" y="1498224"/>
+            <a:ext cx="550960" cy="268942"/>
+          </a:xfrm>
+          <a:prstGeom prst="roundRect">
+            <a:avLst/>
+          </a:prstGeom>
+        </p:spPr>
+        <p:style>
+          <a:lnRef idx="2">
+            <a:schemeClr val="accent6"/>
+          </a:lnRef>
+          <a:fillRef idx="1">
+            <a:schemeClr val="lt1"/>
+          </a:fillRef>
+          <a:effectRef idx="0">
+            <a:schemeClr val="accent6"/>
+          </a:effectRef>
+          <a:fontRef idx="minor">
+            <a:schemeClr val="dk1"/>
+          </a:fontRef>
+        </p:style>
+        <p:txBody>
+          <a:bodyPr rtlCol="0" anchor="ctr"/>
+          <a:lstStyle/>
+          <a:p>
+            <a:pPr algn="ctr"/>
+            <a:r>
+              <a:rPr lang="es-ES" sz="1200" b="1" dirty="0">
+                <a:solidFill>
+                  <a:schemeClr val="dk1"/>
+                </a:solidFill>
+                <a:latin typeface="Geist Mono Bold" pitchFamily="2" charset="77"/>
+                <a:ea typeface="Geist Mono Bold" pitchFamily="2" charset="77"/>
+                <a:cs typeface="Geist Mono Bold" pitchFamily="2" charset="77"/>
+              </a:rPr>
+              <a:t>…</a:t>
+            </a:r>
+          </a:p>
+        </p:txBody>
+      </p:sp>
+      <p:sp>
+        <p:nvSpPr>
+          <p:cNvPr id="409" name="Elipse 408">
+            <a:extLst>
+              <a:ext uri="{FF2B5EF4-FFF2-40B4-BE49-F238E27FC236}">
+                <a16:creationId xmlns:a16="http://schemas.microsoft.com/office/drawing/2014/main" id="{9DDA29C3-DDB0-C87E-7F61-98DB64DFFB63}"/>
+              </a:ext>
+            </a:extLst>
+          </p:cNvPr>
+          <p:cNvSpPr/>
+          <p:nvPr/>
+        </p:nvSpPr>
+        <p:spPr>
+          <a:xfrm>
+            <a:off x="9502164" y="5455694"/>
+            <a:ext cx="236131" cy="237600"/>
+          </a:xfrm>
+          <a:prstGeom prst="ellipse">
+            <a:avLst/>
+          </a:prstGeom>
+          <a:solidFill>
+            <a:srgbClr val="FF0000">
+              <a:alpha val="50588"/>
+            </a:srgbClr>
+          </a:solidFill>
+        </p:spPr>
+        <p:style>
+          <a:lnRef idx="2">
+            <a:schemeClr val="accent1">
+              <a:shade val="15000"/>
+            </a:schemeClr>
+          </a:lnRef>
+          <a:fillRef idx="1">
+            <a:schemeClr val="accent1"/>
+          </a:fillRef>
+          <a:effectRef idx="0">
+            <a:schemeClr val="accent1"/>
+          </a:effectRef>
+          <a:fontRef idx="minor">
+            <a:schemeClr val="lt1"/>
+          </a:fontRef>
+        </p:style>
+        <p:txBody>
+          <a:bodyPr rtlCol="0" anchor="ctr"/>
+          <a:lstStyle/>
+          <a:p>
+            <a:pPr algn="ctr"/>
+            <a:endParaRPr lang="es-ES"/>
+          </a:p>
+        </p:txBody>
+      </p:sp>
+      <p:sp>
+        <p:nvSpPr>
+          <p:cNvPr id="410" name="Elipse 409">
+            <a:extLst>
+              <a:ext uri="{FF2B5EF4-FFF2-40B4-BE49-F238E27FC236}">
+                <a16:creationId xmlns:a16="http://schemas.microsoft.com/office/drawing/2014/main" id="{568AA9DC-37DE-B4E8-18CF-0B23C30694E0}"/>
+              </a:ext>
+            </a:extLst>
+          </p:cNvPr>
+          <p:cNvSpPr/>
+          <p:nvPr/>
+        </p:nvSpPr>
+        <p:spPr>
+          <a:xfrm>
+            <a:off x="9564929" y="5899702"/>
+            <a:ext cx="136800" cy="138023"/>
+          </a:xfrm>
+          <a:prstGeom prst="ellipse">
+            <a:avLst/>
+          </a:prstGeom>
+        </p:spPr>
+        <p:style>
+          <a:lnRef idx="2">
+            <a:schemeClr val="accent1">
+              <a:shade val="15000"/>
+            </a:schemeClr>
+          </a:lnRef>
+          <a:fillRef idx="1">
+            <a:schemeClr val="accent1"/>
+          </a:fillRef>
+          <a:effectRef idx="0">
+            <a:schemeClr val="accent1"/>
+          </a:effectRef>
+          <a:fontRef idx="minor">
+            <a:schemeClr val="lt1"/>
+          </a:fontRef>
+        </p:style>
+        <p:txBody>
+          <a:bodyPr rtlCol="0" anchor="ctr"/>
+          <a:lstStyle/>
+          <a:p>
+            <a:pPr algn="ctr"/>
+            <a:endParaRPr lang="es-ES"/>
+          </a:p>
+        </p:txBody>
+      </p:sp>
+      <p:grpSp>
+        <p:nvGrpSpPr>
+          <p:cNvPr id="411" name="Grupo 410">
+            <a:extLst>
+              <a:ext uri="{FF2B5EF4-FFF2-40B4-BE49-F238E27FC236}">
+                <a16:creationId xmlns:a16="http://schemas.microsoft.com/office/drawing/2014/main" id="{CE567FF9-E49B-2B93-252C-2F6F2A7CBA3F}"/>
+              </a:ext>
+            </a:extLst>
+          </p:cNvPr>
+          <p:cNvGrpSpPr/>
+          <p:nvPr/>
+        </p:nvGrpSpPr>
+        <p:grpSpPr>
+          <a:xfrm>
+            <a:off x="517542" y="878865"/>
+            <a:ext cx="1898754" cy="1524914"/>
+            <a:chOff x="324762" y="1027308"/>
+            <a:chExt cx="1898754" cy="1524914"/>
+          </a:xfrm>
+        </p:grpSpPr>
+        <p:sp>
+          <p:nvSpPr>
+            <p:cNvPr id="412" name="Rectángulo redondeado 411">
+              <a:extLst>
+                <a:ext uri="{FF2B5EF4-FFF2-40B4-BE49-F238E27FC236}">
+                  <a16:creationId xmlns:a16="http://schemas.microsoft.com/office/drawing/2014/main" id="{CF20B3F2-7E1A-FA0A-AB58-A5E6B23F917A}"/>
+                </a:ext>
+              </a:extLst>
+            </p:cNvPr>
+            <p:cNvSpPr/>
+            <p:nvPr/>
+          </p:nvSpPr>
+          <p:spPr>
+            <a:xfrm>
+              <a:off x="324762" y="1027308"/>
+              <a:ext cx="1898754" cy="1524914"/>
+            </a:xfrm>
+            <a:prstGeom prst="roundRect">
+              <a:avLst/>
+            </a:prstGeom>
+          </p:spPr>
+          <p:style>
+            <a:lnRef idx="2">
+              <a:schemeClr val="accent6"/>
+            </a:lnRef>
+            <a:fillRef idx="1">
+              <a:schemeClr val="lt1"/>
+            </a:fillRef>
+            <a:effectRef idx="0">
+              <a:schemeClr val="accent6"/>
+            </a:effectRef>
+            <a:fontRef idx="minor">
+              <a:schemeClr val="dk1"/>
+            </a:fontRef>
+          </p:style>
+          <p:txBody>
+            <a:bodyPr rtlCol="0" anchor="ctr"/>
+            <a:lstStyle/>
+            <a:p>
+              <a:pPr algn="ctr"/>
+              <a:endParaRPr lang="es-ES" sz="1200" b="1" dirty="0">
+                <a:solidFill>
+                  <a:schemeClr val="dk1"/>
+                </a:solidFill>
+                <a:latin typeface="Geist Mono Bold" pitchFamily="2" charset="77"/>
+                <a:ea typeface="Geist Mono Bold" pitchFamily="2" charset="77"/>
+                <a:cs typeface="Geist Mono Bold" pitchFamily="2" charset="77"/>
+              </a:endParaRPr>
+            </a:p>
+          </p:txBody>
+        </p:sp>
+        <p:sp>
+          <p:nvSpPr>
+            <p:cNvPr id="413" name="Elipse 412">
+              <a:extLst>
+                <a:ext uri="{FF2B5EF4-FFF2-40B4-BE49-F238E27FC236}">
+                  <a16:creationId xmlns:a16="http://schemas.microsoft.com/office/drawing/2014/main" id="{0789BB6A-1B18-6333-2470-86714C0168E3}"/>
+                </a:ext>
+              </a:extLst>
+            </p:cNvPr>
+            <p:cNvSpPr/>
+            <p:nvPr/>
+          </p:nvSpPr>
+          <p:spPr>
+            <a:xfrm>
+              <a:off x="605780" y="1276709"/>
+              <a:ext cx="136800" cy="138023"/>
+            </a:xfrm>
+            <a:prstGeom prst="ellipse">
+              <a:avLst/>
+            </a:prstGeom>
+          </p:spPr>
+          <p:style>
+            <a:lnRef idx="2">
+              <a:schemeClr val="accent1">
+                <a:shade val="15000"/>
+              </a:schemeClr>
+            </a:lnRef>
+            <a:fillRef idx="1">
+              <a:schemeClr val="accent1"/>
+            </a:fillRef>
+            <a:effectRef idx="0">
+              <a:schemeClr val="accent1"/>
+            </a:effectRef>
+            <a:fontRef idx="minor">
+              <a:schemeClr val="lt1"/>
+            </a:fontRef>
+          </p:style>
+          <p:txBody>
+            <a:bodyPr rtlCol="0" anchor="ctr"/>
+            <a:lstStyle/>
+            <a:p>
+              <a:pPr algn="ctr"/>
+              <a:endParaRPr lang="es-ES"/>
+            </a:p>
+          </p:txBody>
+        </p:sp>
+        <p:sp>
+          <p:nvSpPr>
+            <p:cNvPr id="414" name="Elipse 413">
+              <a:extLst>
+                <a:ext uri="{FF2B5EF4-FFF2-40B4-BE49-F238E27FC236}">
+                  <a16:creationId xmlns:a16="http://schemas.microsoft.com/office/drawing/2014/main" id="{D5D1E688-3E89-9D32-376F-495DD025ECDE}"/>
+                </a:ext>
+              </a:extLst>
+            </p:cNvPr>
+            <p:cNvSpPr/>
+            <p:nvPr/>
+          </p:nvSpPr>
+          <p:spPr>
+            <a:xfrm>
+              <a:off x="758180" y="1429109"/>
+              <a:ext cx="136800" cy="138023"/>
+            </a:xfrm>
+            <a:prstGeom prst="ellipse">
+              <a:avLst/>
+            </a:prstGeom>
+          </p:spPr>
+          <p:style>
+            <a:lnRef idx="2">
+              <a:schemeClr val="accent1">
+                <a:shade val="15000"/>
+              </a:schemeClr>
+            </a:lnRef>
+            <a:fillRef idx="1">
+              <a:schemeClr val="accent1"/>
+            </a:fillRef>
+            <a:effectRef idx="0">
+              <a:schemeClr val="accent1"/>
+            </a:effectRef>
+            <a:fontRef idx="minor">
+              <a:schemeClr val="lt1"/>
+            </a:fontRef>
+          </p:style>
+          <p:txBody>
+            <a:bodyPr rtlCol="0" anchor="ctr"/>
+            <a:lstStyle/>
+            <a:p>
+              <a:pPr algn="ctr"/>
+              <a:endParaRPr lang="es-ES"/>
+            </a:p>
+          </p:txBody>
+        </p:sp>
+        <p:sp>
+          <p:nvSpPr>
+            <p:cNvPr id="415" name="Elipse 414">
+              <a:extLst>
+                <a:ext uri="{FF2B5EF4-FFF2-40B4-BE49-F238E27FC236}">
+                  <a16:creationId xmlns:a16="http://schemas.microsoft.com/office/drawing/2014/main" id="{2BA79634-14D0-A3DE-7817-D68579959967}"/>
+                </a:ext>
+              </a:extLst>
+            </p:cNvPr>
+            <p:cNvSpPr/>
+            <p:nvPr/>
+          </p:nvSpPr>
+          <p:spPr>
+            <a:xfrm>
+              <a:off x="1091616" y="1207697"/>
+              <a:ext cx="136800" cy="138023"/>
+            </a:xfrm>
+            <a:prstGeom prst="ellipse">
+              <a:avLst/>
+            </a:prstGeom>
+          </p:spPr>
+          <p:style>
+            <a:lnRef idx="2">
+              <a:schemeClr val="accent1">
+                <a:shade val="15000"/>
+              </a:schemeClr>
+            </a:lnRef>
+            <a:fillRef idx="1">
+              <a:schemeClr val="accent1"/>
+            </a:fillRef>
+            <a:effectRef idx="0">
+              <a:schemeClr val="accent1"/>
+            </a:effectRef>
+            <a:fontRef idx="minor">
+              <a:schemeClr val="lt1"/>
+            </a:fontRef>
+          </p:style>
+          <p:txBody>
+            <a:bodyPr rtlCol="0" anchor="ctr"/>
+            <a:lstStyle/>
+            <a:p>
+              <a:pPr algn="ctr"/>
+              <a:endParaRPr lang="es-ES"/>
+            </a:p>
+          </p:txBody>
+        </p:sp>
+        <p:sp>
+          <p:nvSpPr>
+            <p:cNvPr id="416" name="Elipse 415">
+              <a:extLst>
+                <a:ext uri="{FF2B5EF4-FFF2-40B4-BE49-F238E27FC236}">
+                  <a16:creationId xmlns:a16="http://schemas.microsoft.com/office/drawing/2014/main" id="{965D5679-098F-7EEB-811D-DBD3E0A9995D}"/>
+                </a:ext>
+              </a:extLst>
+            </p:cNvPr>
+            <p:cNvSpPr/>
+            <p:nvPr/>
+          </p:nvSpPr>
+          <p:spPr>
+            <a:xfrm>
+              <a:off x="1925621" y="1781138"/>
+              <a:ext cx="136800" cy="138023"/>
+            </a:xfrm>
+            <a:prstGeom prst="ellipse">
+              <a:avLst/>
+            </a:prstGeom>
+          </p:spPr>
+          <p:style>
+            <a:lnRef idx="2">
+              <a:schemeClr val="accent1">
+                <a:shade val="15000"/>
+              </a:schemeClr>
+            </a:lnRef>
+            <a:fillRef idx="1">
+              <a:schemeClr val="accent1"/>
+            </a:fillRef>
+            <a:effectRef idx="0">
+              <a:schemeClr val="accent1"/>
+            </a:effectRef>
+            <a:fontRef idx="minor">
+              <a:schemeClr val="lt1"/>
+            </a:fontRef>
+          </p:style>
+          <p:txBody>
+            <a:bodyPr rtlCol="0" anchor="ctr"/>
+            <a:lstStyle/>
+            <a:p>
+              <a:pPr algn="ctr"/>
+              <a:endParaRPr lang="es-ES"/>
+            </a:p>
+          </p:txBody>
+        </p:sp>
+        <p:sp>
+          <p:nvSpPr>
+            <p:cNvPr id="417" name="Elipse 416">
+              <a:extLst>
+                <a:ext uri="{FF2B5EF4-FFF2-40B4-BE49-F238E27FC236}">
+                  <a16:creationId xmlns:a16="http://schemas.microsoft.com/office/drawing/2014/main" id="{F0F01C90-E4FC-275C-7FD8-AA6549DAFCE6}"/>
+                </a:ext>
+              </a:extLst>
+            </p:cNvPr>
+            <p:cNvSpPr/>
+            <p:nvPr/>
+          </p:nvSpPr>
+          <p:spPr>
+            <a:xfrm>
+              <a:off x="1569063" y="1213447"/>
+              <a:ext cx="136800" cy="138023"/>
+            </a:xfrm>
+            <a:prstGeom prst="ellipse">
+              <a:avLst/>
+            </a:prstGeom>
+          </p:spPr>
+          <p:style>
+            <a:lnRef idx="2">
+              <a:schemeClr val="accent1">
+                <a:shade val="15000"/>
+              </a:schemeClr>
+            </a:lnRef>
+            <a:fillRef idx="1">
+              <a:schemeClr val="accent1"/>
+            </a:fillRef>
+            <a:effectRef idx="0">
+              <a:schemeClr val="accent1"/>
+            </a:effectRef>
+            <a:fontRef idx="minor">
+              <a:schemeClr val="lt1"/>
+            </a:fontRef>
+          </p:style>
+          <p:txBody>
+            <a:bodyPr rtlCol="0" anchor="ctr"/>
+            <a:lstStyle/>
+            <a:p>
+              <a:pPr algn="ctr"/>
+              <a:endParaRPr lang="es-ES"/>
+            </a:p>
+          </p:txBody>
+        </p:sp>
+        <p:sp>
+          <p:nvSpPr>
+            <p:cNvPr id="418" name="Elipse 417">
+              <a:extLst>
+                <a:ext uri="{FF2B5EF4-FFF2-40B4-BE49-F238E27FC236}">
+                  <a16:creationId xmlns:a16="http://schemas.microsoft.com/office/drawing/2014/main" id="{80E0BA15-CBED-C725-89E2-7E34D35FC21B}"/>
+                </a:ext>
+              </a:extLst>
+            </p:cNvPr>
+            <p:cNvSpPr/>
+            <p:nvPr/>
+          </p:nvSpPr>
+          <p:spPr>
+            <a:xfrm>
+              <a:off x="445680" y="2262899"/>
+              <a:ext cx="136800" cy="138023"/>
+            </a:xfrm>
+            <a:prstGeom prst="ellipse">
+              <a:avLst/>
+            </a:prstGeom>
+          </p:spPr>
+          <p:style>
+            <a:lnRef idx="2">
+              <a:schemeClr val="accent1">
+                <a:shade val="15000"/>
+              </a:schemeClr>
+            </a:lnRef>
+            <a:fillRef idx="1">
+              <a:schemeClr val="accent1"/>
+            </a:fillRef>
+            <a:effectRef idx="0">
+              <a:schemeClr val="accent1"/>
+            </a:effectRef>
+            <a:fontRef idx="minor">
+              <a:schemeClr val="lt1"/>
+            </a:fontRef>
+          </p:style>
+          <p:txBody>
+            <a:bodyPr rtlCol="0" anchor="ctr"/>
+            <a:lstStyle/>
+            <a:p>
+              <a:pPr algn="ctr"/>
+              <a:endParaRPr lang="es-ES"/>
+            </a:p>
+          </p:txBody>
+        </p:sp>
+        <p:sp>
+          <p:nvSpPr>
+            <p:cNvPr id="419" name="Elipse 418">
+              <a:extLst>
+                <a:ext uri="{FF2B5EF4-FFF2-40B4-BE49-F238E27FC236}">
+                  <a16:creationId xmlns:a16="http://schemas.microsoft.com/office/drawing/2014/main" id="{47408FD7-C3E6-57CD-D41C-A3084ECC684F}"/>
+                </a:ext>
+              </a:extLst>
+            </p:cNvPr>
+            <p:cNvSpPr/>
+            <p:nvPr/>
+          </p:nvSpPr>
+          <p:spPr>
+            <a:xfrm>
+              <a:off x="926819" y="2102297"/>
+              <a:ext cx="136800" cy="138023"/>
+            </a:xfrm>
+            <a:prstGeom prst="ellipse">
+              <a:avLst/>
+            </a:prstGeom>
+          </p:spPr>
+          <p:style>
+            <a:lnRef idx="2">
+              <a:schemeClr val="accent1">
+                <a:shade val="15000"/>
+              </a:schemeClr>
+            </a:lnRef>
+            <a:fillRef idx="1">
+              <a:schemeClr val="accent1"/>
+            </a:fillRef>
+            <a:effectRef idx="0">
+              <a:schemeClr val="accent1"/>
+            </a:effectRef>
+            <a:fontRef idx="minor">
+              <a:schemeClr val="lt1"/>
+            </a:fontRef>
+          </p:style>
+          <p:txBody>
+            <a:bodyPr rtlCol="0" anchor="ctr"/>
+            <a:lstStyle/>
+            <a:p>
+              <a:pPr algn="ctr"/>
+              <a:endParaRPr lang="es-ES"/>
+            </a:p>
+          </p:txBody>
+        </p:sp>
+        <p:sp>
+          <p:nvSpPr>
+            <p:cNvPr id="420" name="Elipse 419">
+              <a:extLst>
+                <a:ext uri="{FF2B5EF4-FFF2-40B4-BE49-F238E27FC236}">
+                  <a16:creationId xmlns:a16="http://schemas.microsoft.com/office/drawing/2014/main" id="{3CD5910C-C544-2517-E748-51E87BEDC06F}"/>
+                </a:ext>
+              </a:extLst>
+            </p:cNvPr>
+            <p:cNvSpPr/>
+            <p:nvPr/>
+          </p:nvSpPr>
+          <p:spPr>
+            <a:xfrm>
+              <a:off x="1567048" y="2226156"/>
+              <a:ext cx="136800" cy="138023"/>
+            </a:xfrm>
+            <a:prstGeom prst="ellipse">
+              <a:avLst/>
+            </a:prstGeom>
+          </p:spPr>
+          <p:style>
+            <a:lnRef idx="2">
+              <a:schemeClr val="accent1">
+                <a:shade val="15000"/>
+              </a:schemeClr>
+            </a:lnRef>
+            <a:fillRef idx="1">
+              <a:schemeClr val="accent1"/>
+            </a:fillRef>
+            <a:effectRef idx="0">
+              <a:schemeClr val="accent1"/>
+            </a:effectRef>
+            <a:fontRef idx="minor">
+              <a:schemeClr val="lt1"/>
+            </a:fontRef>
+          </p:style>
+          <p:txBody>
+            <a:bodyPr rtlCol="0" anchor="ctr"/>
+            <a:lstStyle/>
+            <a:p>
+              <a:pPr algn="ctr"/>
+              <a:endParaRPr lang="es-ES"/>
+            </a:p>
+          </p:txBody>
+        </p:sp>
+        <p:sp>
+          <p:nvSpPr>
+            <p:cNvPr id="421" name="Elipse 420">
+              <a:extLst>
+                <a:ext uri="{FF2B5EF4-FFF2-40B4-BE49-F238E27FC236}">
+                  <a16:creationId xmlns:a16="http://schemas.microsoft.com/office/drawing/2014/main" id="{F21FC0DA-BC97-8D99-6569-2BEC650AE705}"/>
+                </a:ext>
+              </a:extLst>
+            </p:cNvPr>
+            <p:cNvSpPr/>
+            <p:nvPr/>
+          </p:nvSpPr>
+          <p:spPr>
+            <a:xfrm>
+              <a:off x="1569063" y="1899032"/>
+              <a:ext cx="136800" cy="138023"/>
+            </a:xfrm>
+            <a:prstGeom prst="ellipse">
+              <a:avLst/>
+            </a:prstGeom>
+          </p:spPr>
+          <p:style>
+            <a:lnRef idx="2">
+              <a:schemeClr val="accent1">
+                <a:shade val="15000"/>
+              </a:schemeClr>
+            </a:lnRef>
+            <a:fillRef idx="1">
+              <a:schemeClr val="accent1"/>
+            </a:fillRef>
+            <a:effectRef idx="0">
+              <a:schemeClr val="accent1"/>
+            </a:effectRef>
+            <a:fontRef idx="minor">
+              <a:schemeClr val="lt1"/>
+            </a:fontRef>
+          </p:style>
+          <p:txBody>
+            <a:bodyPr rtlCol="0" anchor="ctr"/>
+            <a:lstStyle/>
+            <a:p>
+              <a:pPr algn="ctr"/>
+              <a:endParaRPr lang="es-ES"/>
+            </a:p>
+          </p:txBody>
+        </p:sp>
+        <p:sp>
+          <p:nvSpPr>
+            <p:cNvPr id="422" name="Elipse 421">
+              <a:extLst>
+                <a:ext uri="{FF2B5EF4-FFF2-40B4-BE49-F238E27FC236}">
+                  <a16:creationId xmlns:a16="http://schemas.microsoft.com/office/drawing/2014/main" id="{EABECF14-A065-4F63-BE8B-B1C8E75B8A8A}"/>
+                </a:ext>
+              </a:extLst>
+            </p:cNvPr>
+            <p:cNvSpPr/>
+            <p:nvPr/>
+          </p:nvSpPr>
+          <p:spPr>
+            <a:xfrm>
+              <a:off x="1430248" y="1524844"/>
+              <a:ext cx="136800" cy="138023"/>
+            </a:xfrm>
+            <a:prstGeom prst="ellipse">
+              <a:avLst/>
+            </a:prstGeom>
+          </p:spPr>
+          <p:style>
+            <a:lnRef idx="2">
+              <a:schemeClr val="accent1">
+                <a:shade val="15000"/>
+              </a:schemeClr>
+            </a:lnRef>
+            <a:fillRef idx="1">
+              <a:schemeClr val="accent1"/>
+            </a:fillRef>
+            <a:effectRef idx="0">
+              <a:schemeClr val="accent1"/>
+            </a:effectRef>
+            <a:fontRef idx="minor">
+              <a:schemeClr val="lt1"/>
+            </a:fontRef>
+          </p:style>
+          <p:txBody>
+            <a:bodyPr rtlCol="0" anchor="ctr"/>
+            <a:lstStyle/>
+            <a:p>
+              <a:pPr algn="ctr"/>
+              <a:endParaRPr lang="es-ES"/>
+            </a:p>
+          </p:txBody>
+        </p:sp>
+        <p:sp>
+          <p:nvSpPr>
+            <p:cNvPr id="423" name="Elipse 422">
+              <a:extLst>
+                <a:ext uri="{FF2B5EF4-FFF2-40B4-BE49-F238E27FC236}">
+                  <a16:creationId xmlns:a16="http://schemas.microsoft.com/office/drawing/2014/main" id="{7F636F36-B0A1-54C8-3998-4C96866AF768}"/>
+                </a:ext>
+              </a:extLst>
+            </p:cNvPr>
+            <p:cNvSpPr/>
+            <p:nvPr/>
+          </p:nvSpPr>
+          <p:spPr>
+            <a:xfrm>
+              <a:off x="427303" y="1729968"/>
+              <a:ext cx="136800" cy="138023"/>
+            </a:xfrm>
+            <a:prstGeom prst="ellipse">
+              <a:avLst/>
+            </a:prstGeom>
+          </p:spPr>
+          <p:style>
+            <a:lnRef idx="2">
+              <a:schemeClr val="accent1">
+                <a:shade val="15000"/>
+              </a:schemeClr>
+            </a:lnRef>
+            <a:fillRef idx="1">
+              <a:schemeClr val="accent1"/>
+            </a:fillRef>
+            <a:effectRef idx="0">
+              <a:schemeClr val="accent1"/>
+            </a:effectRef>
+            <a:fontRef idx="minor">
+              <a:schemeClr val="lt1"/>
+            </a:fontRef>
+          </p:style>
+          <p:txBody>
+            <a:bodyPr rtlCol="0" anchor="ctr"/>
+            <a:lstStyle/>
+            <a:p>
+              <a:pPr algn="ctr"/>
+              <a:endParaRPr lang="es-ES"/>
+            </a:p>
+          </p:txBody>
+        </p:sp>
+        <p:sp>
+          <p:nvSpPr>
+            <p:cNvPr id="424" name="Elipse 423">
+              <a:extLst>
+                <a:ext uri="{FF2B5EF4-FFF2-40B4-BE49-F238E27FC236}">
+                  <a16:creationId xmlns:a16="http://schemas.microsoft.com/office/drawing/2014/main" id="{2307339D-BFEE-E346-1DCD-6F032C7FBC32}"/>
+                </a:ext>
+              </a:extLst>
+            </p:cNvPr>
+            <p:cNvSpPr/>
+            <p:nvPr/>
+          </p:nvSpPr>
+          <p:spPr>
+            <a:xfrm>
+              <a:off x="1194449" y="1899032"/>
+              <a:ext cx="136800" cy="138023"/>
+            </a:xfrm>
+            <a:prstGeom prst="ellipse">
+              <a:avLst/>
+            </a:prstGeom>
+          </p:spPr>
+          <p:style>
+            <a:lnRef idx="2">
+              <a:schemeClr val="accent1">
+                <a:shade val="15000"/>
+              </a:schemeClr>
+            </a:lnRef>
+            <a:fillRef idx="1">
+              <a:schemeClr val="accent1"/>
+            </a:fillRef>
+            <a:effectRef idx="0">
+              <a:schemeClr val="accent1"/>
+            </a:effectRef>
+            <a:fontRef idx="minor">
+              <a:schemeClr val="lt1"/>
+            </a:fontRef>
+          </p:style>
+          <p:txBody>
+            <a:bodyPr rtlCol="0" anchor="ctr"/>
+            <a:lstStyle/>
+            <a:p>
+              <a:pPr algn="ctr"/>
+              <a:endParaRPr lang="es-ES"/>
+            </a:p>
+          </p:txBody>
+        </p:sp>
+      </p:grpSp>
+      <p:sp>
+        <p:nvSpPr>
+          <p:cNvPr id="425" name="CuadroTexto 424">
+            <a:extLst>
+              <a:ext uri="{FF2B5EF4-FFF2-40B4-BE49-F238E27FC236}">
+                <a16:creationId xmlns:a16="http://schemas.microsoft.com/office/drawing/2014/main" id="{898FD445-578C-3CD2-5C1B-2275E40E71A9}"/>
+              </a:ext>
+            </a:extLst>
+          </p:cNvPr>
+          <p:cNvSpPr txBox="1"/>
+          <p:nvPr/>
+        </p:nvSpPr>
+        <p:spPr>
+          <a:xfrm>
+            <a:off x="9938447" y="5455694"/>
+            <a:ext cx="1526059" cy="646331"/>
+          </a:xfrm>
+          <a:prstGeom prst="rect">
+            <a:avLst/>
+          </a:prstGeom>
+          <a:noFill/>
+        </p:spPr>
+        <p:txBody>
+          <a:bodyPr wrap="square" rtlCol="0">
+            <a:spAutoFit/>
+          </a:bodyPr>
+          <a:lstStyle/>
+          <a:p>
+            <a:r>
+              <a:rPr lang="es-ES"/>
+              <a:t>Predicciones Incorrectas</a:t>
+            </a:r>
+          </a:p>
+        </p:txBody>
+      </p:sp>
+    </p:spTree>
+    <p:extLst>
+      <p:ext uri="{BB962C8B-B14F-4D97-AF65-F5344CB8AC3E}">
+        <p14:creationId xmlns:p14="http://schemas.microsoft.com/office/powerpoint/2010/main" val="1749835552"/>
+      </p:ext>
+    </p:extLst>
+  </p:cSld>
+  <p:clrMapOvr>
+    <a:masterClrMapping/>
+  </p:clrMapOvr>
+</p:sld>
+</file>
+
 <file path=ppt/theme/theme1.xml><?xml version="1.0" encoding="utf-8"?>
 <a:theme xmlns:a="http://schemas.openxmlformats.org/drawingml/2006/main" name="Tema de Office">
   <a:themeElements>
